--- a/reports/B2111851_PhanBaoLuan_NLCS.pptx
+++ b/reports/B2111851_PhanBaoLuan_NLCS.pptx
@@ -5,10 +5,10 @@
     <p:sldMasterId id="2147483658" r:id="rId4"/>
   </p:sldMasterIdLst>
   <p:notesMasterIdLst>
-    <p:notesMasterId r:id="rId18"/>
+    <p:notesMasterId r:id="rId21"/>
   </p:notesMasterIdLst>
   <p:handoutMasterIdLst>
-    <p:handoutMasterId r:id="rId19"/>
+    <p:handoutMasterId r:id="rId22"/>
   </p:handoutMasterIdLst>
   <p:sldIdLst>
     <p:sldId id="410" r:id="rId5"/>
@@ -24,6 +24,9 @@
     <p:sldId id="398" r:id="rId15"/>
     <p:sldId id="406" r:id="rId16"/>
     <p:sldId id="408" r:id="rId17"/>
+    <p:sldId id="416" r:id="rId18"/>
+    <p:sldId id="417" r:id="rId19"/>
+    <p:sldId id="415" r:id="rId20"/>
   </p:sldIdLst>
   <p:sldSz cx="12192000" cy="6858000"/>
   <p:notesSz cx="6858000" cy="9144000"/>
@@ -166,9 +169,9 @@
           <c:layoutTarget val="inner"/>
           <c:xMode val="edge"/>
           <c:yMode val="edge"/>
-          <c:x val="5.7852803113062498E-2"/>
+          <c:x val="0.11524440669605301"/>
           <c:y val="0.1137966963046549"/>
-          <c:w val="0.93464984750562974"/>
+          <c:w val="0.87725817449952392"/>
           <c:h val="0.81459296842504092"/>
         </c:manualLayout>
       </c:layout>
@@ -213,7 +216,7 @@
               <a:lstStyle/>
               <a:p>
                 <a:pPr>
-                  <a:defRPr sz="1197" b="0" i="0" u="none" strike="noStrike" kern="1200" baseline="0">
+                  <a:defRPr sz="1800" b="0" i="0" u="none" strike="noStrike" kern="1200" baseline="0">
                     <a:solidFill>
                       <a:schemeClr val="bg1"/>
                     </a:solidFill>
@@ -349,7 +352,7 @@
               <a:lstStyle/>
               <a:p>
                 <a:pPr>
-                  <a:defRPr sz="1197" b="0" i="0" u="none" strike="noStrike" kern="1200" baseline="0">
+                  <a:defRPr sz="1800" b="0" i="0" u="none" strike="noStrike" kern="1200" baseline="0">
                     <a:solidFill>
                       <a:schemeClr val="bg1"/>
                     </a:solidFill>
@@ -485,7 +488,7 @@
               <a:lstStyle/>
               <a:p>
                 <a:pPr>
-                  <a:defRPr sz="1197" b="0" i="0" u="none" strike="noStrike" kern="1200" baseline="0">
+                  <a:defRPr sz="1800" b="0" i="0" u="none" strike="noStrike" kern="1200" baseline="0">
                     <a:solidFill>
                       <a:schemeClr val="bg1"/>
                     </a:solidFill>
@@ -593,8 +596,8 @@
           <c:showPercent val="0"/>
           <c:showBubbleSize val="0"/>
         </c:dLbls>
-        <c:gapWidth val="219"/>
-        <c:overlap val="-27"/>
+        <c:gapWidth val="211"/>
+        <c:overlap val="-58"/>
         <c:axId val="743004863"/>
         <c:axId val="743005279"/>
       </c:barChart>
@@ -627,7 +630,7 @@
           <a:lstStyle/>
           <a:p>
             <a:pPr>
-              <a:defRPr sz="1197" b="0" i="0" u="none" strike="noStrike" kern="1200" baseline="0">
+              <a:defRPr sz="1800" b="0" i="0" u="none" strike="noStrike" kern="1200" baseline="0">
                 <a:solidFill>
                   <a:schemeClr val="bg1"/>
                 </a:solidFill>
@@ -683,7 +686,7 @@
           <a:lstStyle/>
           <a:p>
             <a:pPr>
-              <a:defRPr sz="1197" b="0" i="0" u="none" strike="noStrike" kern="1200" baseline="0">
+              <a:defRPr sz="1800" b="0" i="0" u="none" strike="noStrike" kern="1200" baseline="0">
                 <a:solidFill>
                   <a:schemeClr val="bg1"/>
                 </a:solidFill>
@@ -715,7 +718,7 @@
           <c:yMode val="edge"/>
           <c:x val="0.80690571305530934"/>
           <c:y val="0.48144214414852216"/>
-          <c:w val="0.10309352417332145"/>
+          <c:w val="0.15142336197840048"/>
           <c:h val="0.16287308791378721"/>
         </c:manualLayout>
       </c:layout>
@@ -732,7 +735,7 @@
         <a:lstStyle/>
         <a:p>
           <a:pPr>
-            <a:defRPr sz="1197" b="0" i="0" u="none" strike="noStrike" kern="1200" baseline="0">
+            <a:defRPr sz="1800" b="0" i="0" u="none" strike="noStrike" kern="1200" baseline="0">
               <a:solidFill>
                 <a:schemeClr val="bg1"/>
               </a:solidFill>
@@ -768,7 +771,7 @@
     <a:lstStyle/>
     <a:p>
       <a:pPr>
-        <a:defRPr>
+        <a:defRPr sz="1800">
           <a:solidFill>
             <a:schemeClr val="bg1"/>
           </a:solidFill>
@@ -1383,7 +1386,7 @@
           <a:p>
             <a:fld id="{1EBEDD12-BCD5-485B-BCBC-34BB01D7923C}" type="datetimeFigureOut">
               <a:rPr lang="en-US" smtClean="0"/>
-              <a:t>3/29/2024</a:t>
+              <a:t>5/7/2024</a:t>
             </a:fld>
             <a:endParaRPr lang="en-US" dirty="0"/>
           </a:p>
@@ -1597,7 +1600,7 @@
           <a:p>
             <a:fld id="{6EE7A52F-9D89-7442-A8E9-48D1527B5F6B}" type="datetimeFigureOut">
               <a:rPr lang="en-US" smtClean="0"/>
-              <a:t>3/29/2024</a:t>
+              <a:t>5/7/2024</a:t>
             </a:fld>
             <a:endParaRPr lang="en-US" dirty="0"/>
           </a:p>
@@ -2191,6 +2194,258 @@
     <p:extLst>
       <p:ext uri="{BB962C8B-B14F-4D97-AF65-F5344CB8AC3E}">
         <p14:creationId xmlns:p14="http://schemas.microsoft.com/office/powerpoint/2010/main" val="2386183720"/>
+      </p:ext>
+    </p:extLst>
+  </p:cSld>
+  <p:clrMapOvr>
+    <a:masterClrMapping/>
+  </p:clrMapOvr>
+</p:notes>
+</file>
+
+<file path=ppt/notesSlides/notesSlide13.xml><?xml version="1.0" encoding="utf-8"?>
+<p:notes xmlns:a="http://schemas.openxmlformats.org/drawingml/2006/main" xmlns:r="http://schemas.openxmlformats.org/officeDocument/2006/relationships" xmlns:p="http://schemas.openxmlformats.org/presentationml/2006/main">
+  <p:cSld>
+    <p:spTree>
+      <p:nvGrpSpPr>
+        <p:cNvPr id="1" name=""/>
+        <p:cNvGrpSpPr/>
+        <p:nvPr/>
+      </p:nvGrpSpPr>
+      <p:grpSpPr>
+        <a:xfrm>
+          <a:off x="0" y="0"/>
+          <a:ext cx="0" cy="0"/>
+          <a:chOff x="0" y="0"/>
+          <a:chExt cx="0" cy="0"/>
+        </a:xfrm>
+      </p:grpSpPr>
+      <p:sp>
+        <p:nvSpPr>
+          <p:cNvPr id="2" name="Slide Image Placeholder 1"/>
+          <p:cNvSpPr>
+            <a:spLocks noGrp="1" noRot="1" noChangeAspect="1"/>
+          </p:cNvSpPr>
+          <p:nvPr>
+            <p:ph type="sldImg"/>
+          </p:nvPr>
+        </p:nvSpPr>
+        <p:spPr/>
+      </p:sp>
+      <p:sp>
+        <p:nvSpPr>
+          <p:cNvPr id="3" name="Notes Placeholder 2"/>
+          <p:cNvSpPr>
+            <a:spLocks noGrp="1"/>
+          </p:cNvSpPr>
+          <p:nvPr>
+            <p:ph type="body" idx="1"/>
+          </p:nvPr>
+        </p:nvSpPr>
+        <p:spPr/>
+        <p:txBody>
+          <a:bodyPr/>
+          <a:lstStyle/>
+          <a:p>
+            <a:endParaRPr lang="en-US" dirty="0"/>
+          </a:p>
+        </p:txBody>
+      </p:sp>
+      <p:sp>
+        <p:nvSpPr>
+          <p:cNvPr id="4" name="Slide Number Placeholder 3"/>
+          <p:cNvSpPr>
+            <a:spLocks noGrp="1"/>
+          </p:cNvSpPr>
+          <p:nvPr>
+            <p:ph type="sldNum" sz="quarter" idx="5"/>
+          </p:nvPr>
+        </p:nvSpPr>
+        <p:spPr/>
+        <p:txBody>
+          <a:bodyPr/>
+          <a:lstStyle/>
+          <a:p>
+            <a:fld id="{A89C7E07-3C67-C64C-8DA0-0404F6303970}" type="slidenum">
+              <a:rPr lang="en-US" smtClean="0"/>
+              <a:t>14</a:t>
+            </a:fld>
+            <a:endParaRPr lang="en-US" dirty="0"/>
+          </a:p>
+        </p:txBody>
+      </p:sp>
+    </p:spTree>
+    <p:extLst>
+      <p:ext uri="{BB962C8B-B14F-4D97-AF65-F5344CB8AC3E}">
+        <p14:creationId xmlns:p14="http://schemas.microsoft.com/office/powerpoint/2010/main" val="3311215403"/>
+      </p:ext>
+    </p:extLst>
+  </p:cSld>
+  <p:clrMapOvr>
+    <a:masterClrMapping/>
+  </p:clrMapOvr>
+</p:notes>
+</file>
+
+<file path=ppt/notesSlides/notesSlide14.xml><?xml version="1.0" encoding="utf-8"?>
+<p:notes xmlns:a="http://schemas.openxmlformats.org/drawingml/2006/main" xmlns:r="http://schemas.openxmlformats.org/officeDocument/2006/relationships" xmlns:p="http://schemas.openxmlformats.org/presentationml/2006/main">
+  <p:cSld>
+    <p:spTree>
+      <p:nvGrpSpPr>
+        <p:cNvPr id="1" name=""/>
+        <p:cNvGrpSpPr/>
+        <p:nvPr/>
+      </p:nvGrpSpPr>
+      <p:grpSpPr>
+        <a:xfrm>
+          <a:off x="0" y="0"/>
+          <a:ext cx="0" cy="0"/>
+          <a:chOff x="0" y="0"/>
+          <a:chExt cx="0" cy="0"/>
+        </a:xfrm>
+      </p:grpSpPr>
+      <p:sp>
+        <p:nvSpPr>
+          <p:cNvPr id="2" name="Slide Image Placeholder 1"/>
+          <p:cNvSpPr>
+            <a:spLocks noGrp="1" noRot="1" noChangeAspect="1"/>
+          </p:cNvSpPr>
+          <p:nvPr>
+            <p:ph type="sldImg"/>
+          </p:nvPr>
+        </p:nvSpPr>
+        <p:spPr/>
+      </p:sp>
+      <p:sp>
+        <p:nvSpPr>
+          <p:cNvPr id="3" name="Notes Placeholder 2"/>
+          <p:cNvSpPr>
+            <a:spLocks noGrp="1"/>
+          </p:cNvSpPr>
+          <p:nvPr>
+            <p:ph type="body" idx="1"/>
+          </p:nvPr>
+        </p:nvSpPr>
+        <p:spPr/>
+        <p:txBody>
+          <a:bodyPr/>
+          <a:lstStyle/>
+          <a:p>
+            <a:endParaRPr lang="en-US" dirty="0"/>
+          </a:p>
+        </p:txBody>
+      </p:sp>
+      <p:sp>
+        <p:nvSpPr>
+          <p:cNvPr id="4" name="Slide Number Placeholder 3"/>
+          <p:cNvSpPr>
+            <a:spLocks noGrp="1"/>
+          </p:cNvSpPr>
+          <p:nvPr>
+            <p:ph type="sldNum" sz="quarter" idx="5"/>
+          </p:nvPr>
+        </p:nvSpPr>
+        <p:spPr/>
+        <p:txBody>
+          <a:bodyPr/>
+          <a:lstStyle/>
+          <a:p>
+            <a:fld id="{A89C7E07-3C67-C64C-8DA0-0404F6303970}" type="slidenum">
+              <a:rPr lang="en-US" smtClean="0"/>
+              <a:t>15</a:t>
+            </a:fld>
+            <a:endParaRPr lang="en-US" dirty="0"/>
+          </a:p>
+        </p:txBody>
+      </p:sp>
+    </p:spTree>
+    <p:extLst>
+      <p:ext uri="{BB962C8B-B14F-4D97-AF65-F5344CB8AC3E}">
+        <p14:creationId xmlns:p14="http://schemas.microsoft.com/office/powerpoint/2010/main" val="1281942993"/>
+      </p:ext>
+    </p:extLst>
+  </p:cSld>
+  <p:clrMapOvr>
+    <a:masterClrMapping/>
+  </p:clrMapOvr>
+</p:notes>
+</file>
+
+<file path=ppt/notesSlides/notesSlide15.xml><?xml version="1.0" encoding="utf-8"?>
+<p:notes xmlns:a="http://schemas.openxmlformats.org/drawingml/2006/main" xmlns:r="http://schemas.openxmlformats.org/officeDocument/2006/relationships" xmlns:p="http://schemas.openxmlformats.org/presentationml/2006/main">
+  <p:cSld>
+    <p:spTree>
+      <p:nvGrpSpPr>
+        <p:cNvPr id="1" name=""/>
+        <p:cNvGrpSpPr/>
+        <p:nvPr/>
+      </p:nvGrpSpPr>
+      <p:grpSpPr>
+        <a:xfrm>
+          <a:off x="0" y="0"/>
+          <a:ext cx="0" cy="0"/>
+          <a:chOff x="0" y="0"/>
+          <a:chExt cx="0" cy="0"/>
+        </a:xfrm>
+      </p:grpSpPr>
+      <p:sp>
+        <p:nvSpPr>
+          <p:cNvPr id="2" name="Slide Image Placeholder 1"/>
+          <p:cNvSpPr>
+            <a:spLocks noGrp="1" noRot="1" noChangeAspect="1"/>
+          </p:cNvSpPr>
+          <p:nvPr>
+            <p:ph type="sldImg"/>
+          </p:nvPr>
+        </p:nvSpPr>
+        <p:spPr/>
+      </p:sp>
+      <p:sp>
+        <p:nvSpPr>
+          <p:cNvPr id="3" name="Notes Placeholder 2"/>
+          <p:cNvSpPr>
+            <a:spLocks noGrp="1"/>
+          </p:cNvSpPr>
+          <p:nvPr>
+            <p:ph type="body" idx="1"/>
+          </p:nvPr>
+        </p:nvSpPr>
+        <p:spPr/>
+        <p:txBody>
+          <a:bodyPr/>
+          <a:lstStyle/>
+          <a:p>
+            <a:endParaRPr lang="en-US" dirty="0"/>
+          </a:p>
+        </p:txBody>
+      </p:sp>
+      <p:sp>
+        <p:nvSpPr>
+          <p:cNvPr id="4" name="Slide Number Placeholder 3"/>
+          <p:cNvSpPr>
+            <a:spLocks noGrp="1"/>
+          </p:cNvSpPr>
+          <p:nvPr>
+            <p:ph type="sldNum" sz="quarter" idx="5"/>
+          </p:nvPr>
+        </p:nvSpPr>
+        <p:spPr/>
+        <p:txBody>
+          <a:bodyPr/>
+          <a:lstStyle/>
+          <a:p>
+            <a:fld id="{A89C7E07-3C67-C64C-8DA0-0404F6303970}" type="slidenum">
+              <a:rPr lang="en-US" smtClean="0"/>
+              <a:t>16</a:t>
+            </a:fld>
+            <a:endParaRPr lang="en-US" dirty="0"/>
+          </a:p>
+        </p:txBody>
+      </p:sp>
+    </p:spTree>
+    <p:extLst>
+      <p:ext uri="{BB962C8B-B14F-4D97-AF65-F5344CB8AC3E}">
+        <p14:creationId xmlns:p14="http://schemas.microsoft.com/office/powerpoint/2010/main" val="3829244447"/>
       </p:ext>
     </p:extLst>
   </p:cSld>
@@ -11232,8 +11487,8 @@
         </p:nvSpPr>
         <p:spPr>
           <a:xfrm>
-            <a:off x="641382" y="2196354"/>
-            <a:ext cx="9778365" cy="1703294"/>
+            <a:off x="641382" y="2196353"/>
+            <a:ext cx="9778365" cy="1730187"/>
           </a:xfrm>
         </p:spPr>
         <p:txBody>
@@ -11242,7 +11497,7 @@
           <a:p>
             <a:pPr algn="ctr">
               <a:lnSpc>
-                <a:spcPct val="100000"/>
+                <a:spcPct val="120000"/>
               </a:lnSpc>
             </a:pPr>
             <a:r>
@@ -11302,55 +11557,55 @@
               </a:lnSpc>
             </a:pPr>
             <a:r>
-              <a:rPr lang="en-US" sz="2400" dirty="0" err="1">
+              <a:rPr lang="en-US" sz="2400" b="1" dirty="0" err="1">
                 <a:latin typeface="Arial" panose="020B0604020202020204" pitchFamily="34" charset="0"/>
                 <a:cs typeface="Arial" panose="020B0604020202020204" pitchFamily="34" charset="0"/>
               </a:rPr>
               <a:t>Giáo</a:t>
             </a:r>
             <a:r>
-              <a:rPr lang="en-US" sz="2400" dirty="0">
+              <a:rPr lang="en-US" sz="2400" b="1" dirty="0">
                 <a:latin typeface="Arial" panose="020B0604020202020204" pitchFamily="34" charset="0"/>
                 <a:cs typeface="Arial" panose="020B0604020202020204" pitchFamily="34" charset="0"/>
               </a:rPr>
               <a:t> </a:t>
             </a:r>
             <a:r>
-              <a:rPr lang="en-US" sz="2400" dirty="0" err="1">
+              <a:rPr lang="en-US" sz="2400" b="1" dirty="0" err="1">
                 <a:latin typeface="Arial" panose="020B0604020202020204" pitchFamily="34" charset="0"/>
                 <a:cs typeface="Arial" panose="020B0604020202020204" pitchFamily="34" charset="0"/>
               </a:rPr>
               <a:t>viên</a:t>
             </a:r>
             <a:r>
-              <a:rPr lang="en-US" sz="2400" dirty="0">
+              <a:rPr lang="en-US" sz="2400" b="1" dirty="0">
                 <a:latin typeface="Arial" panose="020B0604020202020204" pitchFamily="34" charset="0"/>
                 <a:cs typeface="Arial" panose="020B0604020202020204" pitchFamily="34" charset="0"/>
               </a:rPr>
               <a:t> </a:t>
             </a:r>
             <a:r>
-              <a:rPr lang="en-US" sz="2400" dirty="0" err="1">
+              <a:rPr lang="en-US" sz="2400" b="1" dirty="0" err="1">
                 <a:latin typeface="Arial" panose="020B0604020202020204" pitchFamily="34" charset="0"/>
                 <a:cs typeface="Arial" panose="020B0604020202020204" pitchFamily="34" charset="0"/>
               </a:rPr>
               <a:t>hướng</a:t>
             </a:r>
             <a:r>
-              <a:rPr lang="en-US" sz="2400" dirty="0">
+              <a:rPr lang="en-US" sz="2400" b="1" dirty="0">
                 <a:latin typeface="Arial" panose="020B0604020202020204" pitchFamily="34" charset="0"/>
                 <a:cs typeface="Arial" panose="020B0604020202020204" pitchFamily="34" charset="0"/>
               </a:rPr>
               <a:t> </a:t>
             </a:r>
             <a:r>
-              <a:rPr lang="en-US" sz="2400" dirty="0" err="1">
+              <a:rPr lang="en-US" sz="2400" b="1" dirty="0" err="1">
                 <a:latin typeface="Arial" panose="020B0604020202020204" pitchFamily="34" charset="0"/>
                 <a:cs typeface="Arial" panose="020B0604020202020204" pitchFamily="34" charset="0"/>
               </a:rPr>
               <a:t>dẫn</a:t>
             </a:r>
-            <a:endParaRPr lang="en-US" sz="2400" dirty="0">
+            <a:endParaRPr lang="en-US" sz="2400" b="1" dirty="0">
               <a:latin typeface="Arial" panose="020B0604020202020204" pitchFamily="34" charset="0"/>
               <a:cs typeface="Arial" panose="020B0604020202020204" pitchFamily="34" charset="0"/>
             </a:endParaRPr>
@@ -11366,21 +11621,7 @@
                 <a:latin typeface="Arial" panose="020B0604020202020204" pitchFamily="34" charset="0"/>
                 <a:cs typeface="Arial" panose="020B0604020202020204" pitchFamily="34" charset="0"/>
               </a:rPr>
-              <a:t>TS/</a:t>
-            </a:r>
-            <a:r>
-              <a:rPr lang="en-US" sz="2400" dirty="0" err="1">
-                <a:latin typeface="Arial" panose="020B0604020202020204" pitchFamily="34" charset="0"/>
-                <a:cs typeface="Arial" panose="020B0604020202020204" pitchFamily="34" charset="0"/>
-              </a:rPr>
-              <a:t>Ths</a:t>
-            </a:r>
-            <a:r>
-              <a:rPr lang="en-US" sz="2400" dirty="0">
-                <a:latin typeface="Arial" panose="020B0604020202020204" pitchFamily="34" charset="0"/>
-                <a:cs typeface="Arial" panose="020B0604020202020204" pitchFamily="34" charset="0"/>
-              </a:rPr>
-              <a:t> </a:t>
+              <a:t>TS </a:t>
             </a:r>
             <a:r>
               <a:rPr lang="en-US" sz="2400" dirty="0" err="1">
@@ -11432,7 +11673,7 @@
         <p:spPr>
           <a:xfrm>
             <a:off x="7669781" y="4312022"/>
-            <a:ext cx="2749966" cy="2106706"/>
+            <a:ext cx="3260464" cy="2106706"/>
           </a:xfrm>
         </p:spPr>
         <p:txBody>
@@ -11442,55 +11683,55 @@
           <a:lstStyle/>
           <a:p>
             <a:r>
-              <a:rPr lang="en-US" sz="2400" dirty="0" err="1">
+              <a:rPr lang="en-US" sz="2400" b="1" dirty="0" err="1">
                 <a:latin typeface="Arial" panose="020B0604020202020204" pitchFamily="34" charset="0"/>
                 <a:cs typeface="Arial" panose="020B0604020202020204" pitchFamily="34" charset="0"/>
               </a:rPr>
               <a:t>Sinh</a:t>
             </a:r>
             <a:r>
-              <a:rPr lang="en-US" sz="2400" dirty="0">
+              <a:rPr lang="en-US" sz="2400" b="1" dirty="0">
                 <a:latin typeface="Arial" panose="020B0604020202020204" pitchFamily="34" charset="0"/>
                 <a:cs typeface="Arial" panose="020B0604020202020204" pitchFamily="34" charset="0"/>
               </a:rPr>
               <a:t> </a:t>
             </a:r>
             <a:r>
-              <a:rPr lang="en-US" sz="2400" dirty="0" err="1">
+              <a:rPr lang="en-US" sz="2400" b="1" dirty="0" err="1">
                 <a:latin typeface="Arial" panose="020B0604020202020204" pitchFamily="34" charset="0"/>
                 <a:cs typeface="Arial" panose="020B0604020202020204" pitchFamily="34" charset="0"/>
               </a:rPr>
               <a:t>viên</a:t>
             </a:r>
             <a:r>
-              <a:rPr lang="en-US" sz="2400" dirty="0">
+              <a:rPr lang="en-US" sz="2400" b="1" dirty="0">
                 <a:latin typeface="Arial" panose="020B0604020202020204" pitchFamily="34" charset="0"/>
                 <a:cs typeface="Arial" panose="020B0604020202020204" pitchFamily="34" charset="0"/>
               </a:rPr>
               <a:t> </a:t>
             </a:r>
             <a:r>
-              <a:rPr lang="en-US" sz="2400" dirty="0" err="1">
+              <a:rPr lang="en-US" sz="2400" b="1" dirty="0" err="1">
                 <a:latin typeface="Arial" panose="020B0604020202020204" pitchFamily="34" charset="0"/>
                 <a:cs typeface="Arial" panose="020B0604020202020204" pitchFamily="34" charset="0"/>
               </a:rPr>
               <a:t>thực</a:t>
             </a:r>
             <a:r>
-              <a:rPr lang="en-US" sz="2400" dirty="0">
+              <a:rPr lang="en-US" sz="2400" b="1" dirty="0">
                 <a:latin typeface="Arial" panose="020B0604020202020204" pitchFamily="34" charset="0"/>
                 <a:cs typeface="Arial" panose="020B0604020202020204" pitchFamily="34" charset="0"/>
               </a:rPr>
               <a:t> </a:t>
             </a:r>
             <a:r>
-              <a:rPr lang="en-US" sz="2400" dirty="0" err="1">
+              <a:rPr lang="en-US" sz="2400" b="1" dirty="0" err="1">
                 <a:latin typeface="Arial" panose="020B0604020202020204" pitchFamily="34" charset="0"/>
                 <a:cs typeface="Arial" panose="020B0604020202020204" pitchFamily="34" charset="0"/>
               </a:rPr>
               <a:t>hiện</a:t>
             </a:r>
-            <a:endParaRPr lang="en-US" sz="2400" dirty="0">
+            <a:endParaRPr lang="en-US" sz="2400" b="1" dirty="0">
               <a:latin typeface="Arial" panose="020B0604020202020204" pitchFamily="34" charset="0"/>
               <a:cs typeface="Arial" panose="020B0604020202020204" pitchFamily="34" charset="0"/>
             </a:endParaRPr>
@@ -11575,7 +11816,7 @@
         <p:spPr>
           <a:xfrm>
             <a:off x="744070" y="806822"/>
-            <a:ext cx="8695765" cy="553998"/>
+            <a:ext cx="9314330" cy="553998"/>
           </a:xfrm>
           <a:prstGeom prst="rect">
             <a:avLst/>
@@ -11589,7 +11830,7 @@
           <a:lstStyle/>
           <a:p>
             <a:r>
-              <a:rPr lang="en-US" sz="3000" dirty="0" err="1">
+              <a:rPr lang="en-US" sz="3000" b="1" dirty="0" err="1">
                 <a:solidFill>
                   <a:schemeClr val="bg1"/>
                 </a:solidFill>
@@ -11599,7 +11840,7 @@
               <a:t>Báo</a:t>
             </a:r>
             <a:r>
-              <a:rPr lang="en-US" sz="3000" dirty="0">
+              <a:rPr lang="en-US" sz="3000" b="1" dirty="0">
                 <a:solidFill>
                   <a:schemeClr val="bg1"/>
                 </a:solidFill>
@@ -11609,7 +11850,7 @@
               <a:t> </a:t>
             </a:r>
             <a:r>
-              <a:rPr lang="en-US" sz="3000" dirty="0" err="1">
+              <a:rPr lang="en-US" sz="3000" b="1" dirty="0" err="1">
                 <a:solidFill>
                   <a:schemeClr val="bg1"/>
                 </a:solidFill>
@@ -11619,7 +11860,7 @@
               <a:t>Cáo</a:t>
             </a:r>
             <a:r>
-              <a:rPr lang="en-US" sz="3000" dirty="0">
+              <a:rPr lang="en-US" sz="3000" b="1" dirty="0">
                 <a:solidFill>
                   <a:schemeClr val="bg1"/>
                 </a:solidFill>
@@ -11629,7 +11870,7 @@
               <a:t> </a:t>
             </a:r>
             <a:r>
-              <a:rPr lang="en-US" sz="3000" dirty="0" err="1">
+              <a:rPr lang="en-US" sz="3000" b="1" dirty="0" err="1">
                 <a:solidFill>
                   <a:schemeClr val="bg1"/>
                 </a:solidFill>
@@ -11639,7 +11880,7 @@
               <a:t>Niên</a:t>
             </a:r>
             <a:r>
-              <a:rPr lang="en-US" sz="3000" dirty="0">
+              <a:rPr lang="en-US" sz="3000" b="1" dirty="0">
                 <a:solidFill>
                   <a:schemeClr val="bg1"/>
                 </a:solidFill>
@@ -11649,7 +11890,7 @@
               <a:t> </a:t>
             </a:r>
             <a:r>
-              <a:rPr lang="en-US" sz="3000" dirty="0" err="1">
+              <a:rPr lang="en-US" sz="3000" b="1" dirty="0" err="1">
                 <a:solidFill>
                   <a:schemeClr val="bg1"/>
                 </a:solidFill>
@@ -11659,7 +11900,7 @@
               <a:t>Luận</a:t>
             </a:r>
             <a:r>
-              <a:rPr lang="en-US" sz="3000" dirty="0">
+              <a:rPr lang="en-US" sz="3000" b="1" dirty="0">
                 <a:solidFill>
                   <a:schemeClr val="bg1"/>
                 </a:solidFill>
@@ -11669,7 +11910,7 @@
               <a:t> </a:t>
             </a:r>
             <a:r>
-              <a:rPr lang="en-US" sz="3000" dirty="0" err="1">
+              <a:rPr lang="en-US" sz="3000" b="1" dirty="0" err="1">
                 <a:solidFill>
                   <a:schemeClr val="bg1"/>
                 </a:solidFill>
@@ -11679,7 +11920,7 @@
               <a:t>Cơ</a:t>
             </a:r>
             <a:r>
-              <a:rPr lang="en-US" sz="3000" dirty="0">
+              <a:rPr lang="en-US" sz="3000" b="1" dirty="0">
                 <a:solidFill>
                   <a:schemeClr val="bg1"/>
                 </a:solidFill>
@@ -11689,7 +11930,7 @@
               <a:t> </a:t>
             </a:r>
             <a:r>
-              <a:rPr lang="en-US" sz="3000" dirty="0" err="1">
+              <a:rPr lang="en-US" sz="3000" b="1" dirty="0" err="1">
                 <a:solidFill>
                   <a:schemeClr val="bg1"/>
                 </a:solidFill>
@@ -11699,7 +11940,7 @@
               <a:t>Sở</a:t>
             </a:r>
             <a:r>
-              <a:rPr lang="en-US" sz="3000" dirty="0">
+              <a:rPr lang="en-US" sz="3000" b="1" dirty="0">
                 <a:solidFill>
                   <a:schemeClr val="bg1"/>
                 </a:solidFill>
@@ -11709,7 +11950,7 @@
               <a:t> - </a:t>
             </a:r>
             <a:r>
-              <a:rPr lang="en-US" sz="3000" dirty="0" err="1">
+              <a:rPr lang="en-US" sz="3000" b="1" dirty="0" err="1">
                 <a:solidFill>
                   <a:schemeClr val="bg1"/>
                 </a:solidFill>
@@ -11719,7 +11960,7 @@
               <a:t>Công</a:t>
             </a:r>
             <a:r>
-              <a:rPr lang="en-US" sz="3000" dirty="0">
+              <a:rPr lang="en-US" sz="3000" b="1" dirty="0">
                 <a:solidFill>
                   <a:schemeClr val="bg1"/>
                 </a:solidFill>
@@ -11729,7 +11970,7 @@
               <a:t> </a:t>
             </a:r>
             <a:r>
-              <a:rPr lang="en-US" sz="3000" dirty="0" err="1">
+              <a:rPr lang="en-US" sz="3000" b="1" dirty="0" err="1">
                 <a:solidFill>
                   <a:schemeClr val="bg1"/>
                 </a:solidFill>
@@ -11739,7 +11980,7 @@
               <a:t>nghệ</a:t>
             </a:r>
             <a:r>
-              <a:rPr lang="en-US" sz="3000" dirty="0">
+              <a:rPr lang="en-US" sz="3000" b="1" dirty="0">
                 <a:solidFill>
                   <a:schemeClr val="bg1"/>
                 </a:solidFill>
@@ -11749,7 +11990,7 @@
               <a:t> </a:t>
             </a:r>
             <a:r>
-              <a:rPr lang="en-US" sz="3000" dirty="0" err="1">
+              <a:rPr lang="en-US" sz="3000" b="1" dirty="0" err="1">
                 <a:solidFill>
                   <a:schemeClr val="bg1"/>
                 </a:solidFill>
@@ -11759,7 +12000,7 @@
               <a:t>thông</a:t>
             </a:r>
             <a:r>
-              <a:rPr lang="en-US" sz="3000" dirty="0">
+              <a:rPr lang="en-US" sz="3000" b="1" dirty="0">
                 <a:solidFill>
                   <a:schemeClr val="bg1"/>
                 </a:solidFill>
@@ -11768,7 +12009,7 @@
               </a:rPr>
               <a:t> tin</a:t>
             </a:r>
-            <a:endParaRPr lang="vi-VN" sz="3000" dirty="0">
+            <a:endParaRPr lang="vi-VN" sz="3000" b="1" dirty="0">
               <a:solidFill>
                 <a:schemeClr val="bg1"/>
               </a:solidFill>
@@ -11792,8 +12033,8 @@
         </p:nvSpPr>
         <p:spPr>
           <a:xfrm>
-            <a:off x="4927899" y="2070848"/>
-            <a:ext cx="1849419" cy="461665"/>
+            <a:off x="4748606" y="1810871"/>
+            <a:ext cx="1078454" cy="461665"/>
           </a:xfrm>
           <a:prstGeom prst="rect">
             <a:avLst/>
@@ -12596,109 +12837,6 @@
               <a:cs typeface="Arial" panose="020B0604020202020204" pitchFamily="34" charset="0"/>
             </a:endParaRPr>
           </a:p>
-          <a:p>
-            <a:r>
-              <a:rPr lang="en-US" sz="2400" dirty="0" err="1">
-                <a:latin typeface="Arial" panose="020B0604020202020204" pitchFamily="34" charset="0"/>
-                <a:cs typeface="Arial" panose="020B0604020202020204" pitchFamily="34" charset="0"/>
-              </a:rPr>
-              <a:t>Phát</a:t>
-            </a:r>
-            <a:r>
-              <a:rPr lang="en-US" sz="2400" dirty="0">
-                <a:latin typeface="Arial" panose="020B0604020202020204" pitchFamily="34" charset="0"/>
-                <a:cs typeface="Arial" panose="020B0604020202020204" pitchFamily="34" charset="0"/>
-              </a:rPr>
-              <a:t> </a:t>
-            </a:r>
-            <a:r>
-              <a:rPr lang="en-US" sz="2400" dirty="0" err="1">
-                <a:latin typeface="Arial" panose="020B0604020202020204" pitchFamily="34" charset="0"/>
-                <a:cs typeface="Arial" panose="020B0604020202020204" pitchFamily="34" charset="0"/>
-              </a:rPr>
-              <a:t>triển</a:t>
-            </a:r>
-            <a:r>
-              <a:rPr lang="en-US" sz="2400" dirty="0">
-                <a:latin typeface="Arial" panose="020B0604020202020204" pitchFamily="34" charset="0"/>
-                <a:cs typeface="Arial" panose="020B0604020202020204" pitchFamily="34" charset="0"/>
-              </a:rPr>
-              <a:t> </a:t>
-            </a:r>
-            <a:r>
-              <a:rPr lang="en-US" sz="2400" dirty="0" err="1">
-                <a:latin typeface="Arial" panose="020B0604020202020204" pitchFamily="34" charset="0"/>
-                <a:cs typeface="Arial" panose="020B0604020202020204" pitchFamily="34" charset="0"/>
-              </a:rPr>
-              <a:t>thành</a:t>
-            </a:r>
-            <a:r>
-              <a:rPr lang="en-US" sz="2400" dirty="0">
-                <a:latin typeface="Arial" panose="020B0604020202020204" pitchFamily="34" charset="0"/>
-                <a:cs typeface="Arial" panose="020B0604020202020204" pitchFamily="34" charset="0"/>
-              </a:rPr>
-              <a:t> </a:t>
-            </a:r>
-            <a:r>
-              <a:rPr lang="en-US" sz="2400" dirty="0" err="1">
-                <a:latin typeface="Arial" panose="020B0604020202020204" pitchFamily="34" charset="0"/>
-                <a:cs typeface="Arial" panose="020B0604020202020204" pitchFamily="34" charset="0"/>
-              </a:rPr>
-              <a:t>ứng</a:t>
-            </a:r>
-            <a:r>
-              <a:rPr lang="en-US" sz="2400" dirty="0">
-                <a:latin typeface="Arial" panose="020B0604020202020204" pitchFamily="34" charset="0"/>
-                <a:cs typeface="Arial" panose="020B0604020202020204" pitchFamily="34" charset="0"/>
-              </a:rPr>
-              <a:t> </a:t>
-            </a:r>
-            <a:r>
-              <a:rPr lang="en-US" sz="2400" dirty="0" err="1">
-                <a:latin typeface="Arial" panose="020B0604020202020204" pitchFamily="34" charset="0"/>
-                <a:cs typeface="Arial" panose="020B0604020202020204" pitchFamily="34" charset="0"/>
-              </a:rPr>
-              <a:t>dụng</a:t>
-            </a:r>
-            <a:r>
-              <a:rPr lang="en-US" sz="2400" dirty="0">
-                <a:latin typeface="Arial" panose="020B0604020202020204" pitchFamily="34" charset="0"/>
-                <a:cs typeface="Arial" panose="020B0604020202020204" pitchFamily="34" charset="0"/>
-              </a:rPr>
-              <a:t> web </a:t>
-            </a:r>
-            <a:r>
-              <a:rPr lang="en-US" sz="2400" dirty="0" err="1">
-                <a:latin typeface="Arial" panose="020B0604020202020204" pitchFamily="34" charset="0"/>
-                <a:cs typeface="Arial" panose="020B0604020202020204" pitchFamily="34" charset="0"/>
-              </a:rPr>
-              <a:t>hoặc</a:t>
-            </a:r>
-            <a:r>
-              <a:rPr lang="en-US" sz="2400" dirty="0">
-                <a:latin typeface="Arial" panose="020B0604020202020204" pitchFamily="34" charset="0"/>
-                <a:cs typeface="Arial" panose="020B0604020202020204" pitchFamily="34" charset="0"/>
-              </a:rPr>
-              <a:t> di </a:t>
-            </a:r>
-            <a:r>
-              <a:rPr lang="en-US" sz="2400" dirty="0" err="1">
-                <a:latin typeface="Arial" panose="020B0604020202020204" pitchFamily="34" charset="0"/>
-                <a:cs typeface="Arial" panose="020B0604020202020204" pitchFamily="34" charset="0"/>
-              </a:rPr>
-              <a:t>động</a:t>
-            </a:r>
-            <a:endParaRPr lang="en-US" sz="2400" dirty="0">
-              <a:latin typeface="Arial" panose="020B0604020202020204" pitchFamily="34" charset="0"/>
-              <a:cs typeface="Arial" panose="020B0604020202020204" pitchFamily="34" charset="0"/>
-            </a:endParaRPr>
-          </a:p>
-          <a:p>
-            <a:pPr marL="0" indent="0">
-              <a:buNone/>
-            </a:pPr>
-            <a:endParaRPr lang="vi-VN" dirty="0"/>
-          </a:p>
         </p:txBody>
       </p:sp>
     </p:spTree>
@@ -12764,6 +12902,55 @@
               </a:rPr>
               <a:t>Demo</a:t>
             </a:r>
+          </a:p>
+        </p:txBody>
+      </p:sp>
+      <p:sp>
+        <p:nvSpPr>
+          <p:cNvPr id="3" name="TextBox 2">
+            <a:extLst>
+              <a:ext uri="{FF2B5EF4-FFF2-40B4-BE49-F238E27FC236}">
+                <a16:creationId xmlns:a16="http://schemas.microsoft.com/office/drawing/2014/main" id="{74DBA5EC-60B5-4AA7-88F4-007C40AA3A96}"/>
+              </a:ext>
+            </a:extLst>
+          </p:cNvPr>
+          <p:cNvSpPr txBox="1"/>
+          <p:nvPr/>
+        </p:nvSpPr>
+        <p:spPr>
+          <a:xfrm>
+            <a:off x="1541928" y="2832847"/>
+            <a:ext cx="7189695" cy="461665"/>
+          </a:xfrm>
+          <a:prstGeom prst="rect">
+            <a:avLst/>
+          </a:prstGeom>
+          <a:noFill/>
+        </p:spPr>
+        <p:txBody>
+          <a:bodyPr wrap="square" rtlCol="0">
+            <a:spAutoFit/>
+          </a:bodyPr>
+          <a:lstStyle/>
+          <a:p>
+            <a:r>
+              <a:rPr lang="vi-VN" sz="2400" dirty="0">
+                <a:solidFill>
+                  <a:schemeClr val="bg1"/>
+                </a:solidFill>
+                <a:latin typeface="Arial" panose="020B0604020202020204" pitchFamily="34" charset="0"/>
+                <a:cs typeface="Arial" panose="020B0604020202020204" pitchFamily="34" charset="0"/>
+                <a:hlinkClick r:id="rId3"/>
+              </a:rPr>
+              <a:t>https://deploy-potato-classification.vercel.app/</a:t>
+            </a:r>
+            <a:endParaRPr lang="vi-VN" sz="2400" dirty="0">
+              <a:solidFill>
+                <a:schemeClr val="bg1"/>
+              </a:solidFill>
+              <a:latin typeface="Arial" panose="020B0604020202020204" pitchFamily="34" charset="0"/>
+              <a:cs typeface="Arial" panose="020B0604020202020204" pitchFamily="34" charset="0"/>
+            </a:endParaRPr>
           </a:p>
         </p:txBody>
       </p:sp>
@@ -13367,7 +13554,7 @@
         <p:spPr>
           <a:xfrm>
             <a:off x="594360" y="278129"/>
-            <a:ext cx="9778365" cy="1494596"/>
+            <a:ext cx="9778365" cy="761777"/>
           </a:xfrm>
         </p:spPr>
         <p:txBody>
@@ -13375,11 +13562,18 @@
           <a:lstStyle/>
           <a:p>
             <a:r>
+              <a:rPr lang="en-US" dirty="0">
+                <a:latin typeface="Arial" panose="020B0604020202020204" pitchFamily="34" charset="0"/>
+                <a:cs typeface="Arial" panose="020B0604020202020204" pitchFamily="34" charset="0"/>
+              </a:rPr>
+              <a:t>Chia </a:t>
+            </a:r>
+            <a:r>
               <a:rPr lang="en-US" dirty="0" err="1">
                 <a:latin typeface="Arial" panose="020B0604020202020204" pitchFamily="34" charset="0"/>
                 <a:cs typeface="Arial" panose="020B0604020202020204" pitchFamily="34" charset="0"/>
               </a:rPr>
-              <a:t>Mô</a:t>
+              <a:t>tập</a:t>
             </a:r>
             <a:r>
               <a:rPr lang="en-US" dirty="0">
@@ -13393,7 +13587,7 @@
                 <a:latin typeface="Arial" panose="020B0604020202020204" pitchFamily="34" charset="0"/>
                 <a:cs typeface="Arial" panose="020B0604020202020204" pitchFamily="34" charset="0"/>
               </a:rPr>
-              <a:t>hình</a:t>
+              <a:t>dữ</a:t>
             </a:r>
             <a:r>
               <a:rPr lang="en-US" dirty="0">
@@ -13407,49 +13601,7 @@
                 <a:latin typeface="Arial" panose="020B0604020202020204" pitchFamily="34" charset="0"/>
                 <a:cs typeface="Arial" panose="020B0604020202020204" pitchFamily="34" charset="0"/>
               </a:rPr>
-              <a:t>mạng</a:t>
-            </a:r>
-            <a:r>
-              <a:rPr lang="en-US" dirty="0">
-                <a:latin typeface="Arial" panose="020B0604020202020204" pitchFamily="34" charset="0"/>
-                <a:cs typeface="Arial" panose="020B0604020202020204" pitchFamily="34" charset="0"/>
-              </a:rPr>
-              <a:t> </a:t>
-            </a:r>
-            <a:r>
-              <a:rPr lang="en-US" dirty="0" err="1">
-                <a:latin typeface="Arial" panose="020B0604020202020204" pitchFamily="34" charset="0"/>
-                <a:cs typeface="Arial" panose="020B0604020202020204" pitchFamily="34" charset="0"/>
-              </a:rPr>
-              <a:t>nơ-ron</a:t>
-            </a:r>
-            <a:r>
-              <a:rPr lang="en-US" dirty="0">
-                <a:latin typeface="Arial" panose="020B0604020202020204" pitchFamily="34" charset="0"/>
-                <a:cs typeface="Arial" panose="020B0604020202020204" pitchFamily="34" charset="0"/>
-              </a:rPr>
-              <a:t> </a:t>
-            </a:r>
-            <a:r>
-              <a:rPr lang="en-US" dirty="0" err="1">
-                <a:latin typeface="Arial" panose="020B0604020202020204" pitchFamily="34" charset="0"/>
-                <a:cs typeface="Arial" panose="020B0604020202020204" pitchFamily="34" charset="0"/>
-              </a:rPr>
-              <a:t>tích</a:t>
-            </a:r>
-            <a:r>
-              <a:rPr lang="en-US" dirty="0">
-                <a:latin typeface="Arial" panose="020B0604020202020204" pitchFamily="34" charset="0"/>
-                <a:cs typeface="Arial" panose="020B0604020202020204" pitchFamily="34" charset="0"/>
-              </a:rPr>
-              <a:t> </a:t>
-            </a:r>
-            <a:r>
-              <a:rPr lang="en-US" dirty="0" err="1">
-                <a:latin typeface="Arial" panose="020B0604020202020204" pitchFamily="34" charset="0"/>
-                <a:cs typeface="Arial" panose="020B0604020202020204" pitchFamily="34" charset="0"/>
-              </a:rPr>
-              <a:t>chập</a:t>
+              <a:t>liệu</a:t>
             </a:r>
             <a:endParaRPr lang="en-US" dirty="0">
               <a:latin typeface="Arial" panose="020B0604020202020204" pitchFamily="34" charset="0"/>
@@ -13498,944 +13650,3693 @@
           </a:prstGeom>
         </p:spPr>
       </p:pic>
-      <p:graphicFrame>
-        <p:nvGraphicFramePr>
-          <p:cNvPr id="3" name="Table 3">
+      <p:sp>
+        <p:nvSpPr>
+          <p:cNvPr id="5" name="TextBox 4">
             <a:extLst>
               <a:ext uri="{FF2B5EF4-FFF2-40B4-BE49-F238E27FC236}">
-                <a16:creationId xmlns:a16="http://schemas.microsoft.com/office/drawing/2014/main" id="{EFFFEF70-9137-4B58-85FC-FB8B15072CFA}"/>
+                <a16:creationId xmlns:a16="http://schemas.microsoft.com/office/drawing/2014/main" id="{74A9FABA-80AF-418A-90BE-E3EAF78EF560}"/>
               </a:ext>
             </a:extLst>
           </p:cNvPr>
-          <p:cNvGraphicFramePr>
-            <a:graphicFrameLocks noGrp="1"/>
-          </p:cNvGraphicFramePr>
-          <p:nvPr>
-            <p:extLst>
-              <p:ext uri="{D42A27DB-BD31-4B8C-83A1-F6EECF244321}">
-                <p14:modId xmlns:p14="http://schemas.microsoft.com/office/powerpoint/2010/main" val="3046611637"/>
-              </p:ext>
-            </p:extLst>
-          </p:nvPr>
-        </p:nvGraphicFramePr>
-        <p:xfrm>
-          <a:off x="1377914" y="2449854"/>
-          <a:ext cx="9854898" cy="2225040"/>
-        </p:xfrm>
-        <a:graphic>
-          <a:graphicData uri="http://schemas.openxmlformats.org/drawingml/2006/table">
-            <a:tbl>
-              <a:tblPr firstRow="1" bandRow="1">
-                <a:tableStyleId>{8A107856-5554-42FB-B03E-39F5DBC370BA}</a:tableStyleId>
-              </a:tblPr>
-              <a:tblGrid>
-                <a:gridCol w="729221">
-                  <a:extLst>
-                    <a:ext uri="{9D8B030D-6E8A-4147-A177-3AD203B41FA5}">
-                      <a16:colId xmlns:a16="http://schemas.microsoft.com/office/drawing/2014/main" val="157809442"/>
-                    </a:ext>
-                  </a:extLst>
-                </a:gridCol>
-                <a:gridCol w="1039891">
-                  <a:extLst>
-                    <a:ext uri="{9D8B030D-6E8A-4147-A177-3AD203B41FA5}">
-                      <a16:colId xmlns:a16="http://schemas.microsoft.com/office/drawing/2014/main" val="645330397"/>
-                    </a:ext>
-                  </a:extLst>
-                </a:gridCol>
-                <a:gridCol w="2296227">
-                  <a:extLst>
-                    <a:ext uri="{9D8B030D-6E8A-4147-A177-3AD203B41FA5}">
-                      <a16:colId xmlns:a16="http://schemas.microsoft.com/office/drawing/2014/main" val="2102123274"/>
-                    </a:ext>
-                  </a:extLst>
-                </a:gridCol>
-                <a:gridCol w="4043680">
-                  <a:extLst>
-                    <a:ext uri="{9D8B030D-6E8A-4147-A177-3AD203B41FA5}">
-                      <a16:colId xmlns:a16="http://schemas.microsoft.com/office/drawing/2014/main" val="2135308110"/>
-                    </a:ext>
-                  </a:extLst>
-                </a:gridCol>
-                <a:gridCol w="1745879">
-                  <a:extLst>
-                    <a:ext uri="{9D8B030D-6E8A-4147-A177-3AD203B41FA5}">
-                      <a16:colId xmlns:a16="http://schemas.microsoft.com/office/drawing/2014/main" val="2226068043"/>
-                    </a:ext>
-                  </a:extLst>
-                </a:gridCol>
-              </a:tblGrid>
-              <a:tr h="370840">
-                <a:tc>
-                  <a:txBody>
-                    <a:bodyPr/>
-                    <a:lstStyle/>
-                    <a:p>
-                      <a:pPr algn="ctr"/>
-                      <a:r>
-                        <a:rPr lang="en-US" dirty="0">
-                          <a:latin typeface="Arial" panose="020B0604020202020204" pitchFamily="34" charset="0"/>
-                          <a:cs typeface="Arial" panose="020B0604020202020204" pitchFamily="34" charset="0"/>
-                        </a:rPr>
-                        <a:t>STT</a:t>
-                      </a:r>
-                      <a:endParaRPr lang="vi-VN" dirty="0">
-                        <a:latin typeface="Arial" panose="020B0604020202020204" pitchFamily="34" charset="0"/>
-                        <a:cs typeface="Arial" panose="020B0604020202020204" pitchFamily="34" charset="0"/>
-                      </a:endParaRPr>
-                    </a:p>
-                  </a:txBody>
-                  <a:tcPr/>
-                </a:tc>
-                <a:tc>
-                  <a:txBody>
-                    <a:bodyPr/>
-                    <a:lstStyle/>
-                    <a:p>
-                      <a:pPr algn="ctr"/>
-                      <a:r>
-                        <a:rPr lang="en-US" dirty="0" err="1">
-                          <a:latin typeface="Arial" panose="020B0604020202020204" pitchFamily="34" charset="0"/>
-                          <a:cs typeface="Arial" panose="020B0604020202020204" pitchFamily="34" charset="0"/>
-                        </a:rPr>
-                        <a:t>Số</a:t>
-                      </a:r>
-                      <a:r>
-                        <a:rPr lang="en-US" dirty="0">
-                          <a:latin typeface="Arial" panose="020B0604020202020204" pitchFamily="34" charset="0"/>
-                          <a:cs typeface="Arial" panose="020B0604020202020204" pitchFamily="34" charset="0"/>
-                        </a:rPr>
-                        <a:t> </a:t>
-                      </a:r>
-                      <a:r>
-                        <a:rPr lang="en-US" dirty="0" err="1">
-                          <a:latin typeface="Arial" panose="020B0604020202020204" pitchFamily="34" charset="0"/>
-                          <a:cs typeface="Arial" panose="020B0604020202020204" pitchFamily="34" charset="0"/>
-                        </a:rPr>
-                        <a:t>lớp</a:t>
-                      </a:r>
-                      <a:endParaRPr lang="vi-VN" dirty="0">
-                        <a:latin typeface="Arial" panose="020B0604020202020204" pitchFamily="34" charset="0"/>
-                        <a:cs typeface="Arial" panose="020B0604020202020204" pitchFamily="34" charset="0"/>
-                      </a:endParaRPr>
-                    </a:p>
-                  </a:txBody>
-                  <a:tcPr/>
-                </a:tc>
-                <a:tc>
-                  <a:txBody>
-                    <a:bodyPr/>
-                    <a:lstStyle/>
-                    <a:p>
-                      <a:r>
-                        <a:rPr lang="en-US" dirty="0" err="1">
-                          <a:latin typeface="Arial" panose="020B0604020202020204" pitchFamily="34" charset="0"/>
-                          <a:cs typeface="Arial" panose="020B0604020202020204" pitchFamily="34" charset="0"/>
-                        </a:rPr>
-                        <a:t>Tên</a:t>
-                      </a:r>
-                      <a:r>
-                        <a:rPr lang="en-US" dirty="0">
-                          <a:latin typeface="Arial" panose="020B0604020202020204" pitchFamily="34" charset="0"/>
-                          <a:cs typeface="Arial" panose="020B0604020202020204" pitchFamily="34" charset="0"/>
-                        </a:rPr>
-                        <a:t> </a:t>
-                      </a:r>
-                      <a:r>
-                        <a:rPr lang="en-US" dirty="0" err="1">
-                          <a:latin typeface="Arial" panose="020B0604020202020204" pitchFamily="34" charset="0"/>
-                          <a:cs typeface="Arial" panose="020B0604020202020204" pitchFamily="34" charset="0"/>
-                        </a:rPr>
-                        <a:t>Lớp</a:t>
-                      </a:r>
-                      <a:endParaRPr lang="vi-VN" dirty="0">
-                        <a:latin typeface="Arial" panose="020B0604020202020204" pitchFamily="34" charset="0"/>
-                        <a:cs typeface="Arial" panose="020B0604020202020204" pitchFamily="34" charset="0"/>
-                      </a:endParaRPr>
-                    </a:p>
-                  </a:txBody>
-                  <a:tcPr/>
-                </a:tc>
-                <a:tc>
-                  <a:txBody>
-                    <a:bodyPr/>
-                    <a:lstStyle/>
-                    <a:p>
-                      <a:r>
-                        <a:rPr lang="en-US" dirty="0" err="1">
-                          <a:latin typeface="Arial" panose="020B0604020202020204" pitchFamily="34" charset="0"/>
-                          <a:cs typeface="Arial" panose="020B0604020202020204" pitchFamily="34" charset="0"/>
-                        </a:rPr>
-                        <a:t>Tham</a:t>
-                      </a:r>
-                      <a:r>
-                        <a:rPr lang="en-US" dirty="0">
-                          <a:latin typeface="Arial" panose="020B0604020202020204" pitchFamily="34" charset="0"/>
-                          <a:cs typeface="Arial" panose="020B0604020202020204" pitchFamily="34" charset="0"/>
-                        </a:rPr>
-                        <a:t> </a:t>
-                      </a:r>
-                      <a:r>
-                        <a:rPr lang="en-US" dirty="0" err="1">
-                          <a:latin typeface="Arial" panose="020B0604020202020204" pitchFamily="34" charset="0"/>
-                          <a:cs typeface="Arial" panose="020B0604020202020204" pitchFamily="34" charset="0"/>
-                        </a:rPr>
-                        <a:t>số</a:t>
-                      </a:r>
-                      <a:endParaRPr lang="vi-VN" dirty="0">
-                        <a:latin typeface="Arial" panose="020B0604020202020204" pitchFamily="34" charset="0"/>
-                        <a:cs typeface="Arial" panose="020B0604020202020204" pitchFamily="34" charset="0"/>
-                      </a:endParaRPr>
-                    </a:p>
-                  </a:txBody>
-                  <a:tcPr/>
-                </a:tc>
-                <a:tc>
-                  <a:txBody>
-                    <a:bodyPr/>
-                    <a:lstStyle/>
-                    <a:p>
-                      <a:pPr algn="ctr"/>
-                      <a:r>
-                        <a:rPr lang="en-US" dirty="0" err="1">
-                          <a:latin typeface="Arial" panose="020B0604020202020204" pitchFamily="34" charset="0"/>
-                          <a:cs typeface="Arial" panose="020B0604020202020204" pitchFamily="34" charset="0"/>
-                        </a:rPr>
-                        <a:t>Hàm</a:t>
-                      </a:r>
-                      <a:r>
-                        <a:rPr lang="en-US" dirty="0">
-                          <a:latin typeface="Arial" panose="020B0604020202020204" pitchFamily="34" charset="0"/>
-                          <a:cs typeface="Arial" panose="020B0604020202020204" pitchFamily="34" charset="0"/>
-                        </a:rPr>
-                        <a:t> </a:t>
-                      </a:r>
-                      <a:r>
-                        <a:rPr lang="en-US" dirty="0" err="1">
-                          <a:latin typeface="Arial" panose="020B0604020202020204" pitchFamily="34" charset="0"/>
-                          <a:cs typeface="Arial" panose="020B0604020202020204" pitchFamily="34" charset="0"/>
-                        </a:rPr>
-                        <a:t>kích</a:t>
-                      </a:r>
-                      <a:r>
-                        <a:rPr lang="en-US" dirty="0">
-                          <a:latin typeface="Arial" panose="020B0604020202020204" pitchFamily="34" charset="0"/>
-                          <a:cs typeface="Arial" panose="020B0604020202020204" pitchFamily="34" charset="0"/>
-                        </a:rPr>
-                        <a:t> </a:t>
-                      </a:r>
-                      <a:r>
-                        <a:rPr lang="en-US" dirty="0" err="1">
-                          <a:latin typeface="Arial" panose="020B0604020202020204" pitchFamily="34" charset="0"/>
-                          <a:cs typeface="Arial" panose="020B0604020202020204" pitchFamily="34" charset="0"/>
-                        </a:rPr>
-                        <a:t>hoạt</a:t>
-                      </a:r>
-                      <a:endParaRPr lang="vi-VN" dirty="0">
-                        <a:latin typeface="Arial" panose="020B0604020202020204" pitchFamily="34" charset="0"/>
-                        <a:cs typeface="Arial" panose="020B0604020202020204" pitchFamily="34" charset="0"/>
-                      </a:endParaRPr>
-                    </a:p>
-                  </a:txBody>
-                  <a:tcPr/>
-                </a:tc>
-                <a:extLst>
-                  <a:ext uri="{0D108BD9-81ED-4DB2-BD59-A6C34878D82A}">
-                    <a16:rowId xmlns:a16="http://schemas.microsoft.com/office/drawing/2014/main" val="1856790713"/>
-                  </a:ext>
-                </a:extLst>
-              </a:tr>
-              <a:tr h="370840">
-                <a:tc>
-                  <a:txBody>
-                    <a:bodyPr/>
-                    <a:lstStyle/>
-                    <a:p>
-                      <a:pPr algn="ctr"/>
-                      <a:r>
-                        <a:rPr lang="en-US" dirty="0">
-                          <a:latin typeface="Arial" panose="020B0604020202020204" pitchFamily="34" charset="0"/>
-                          <a:cs typeface="Arial" panose="020B0604020202020204" pitchFamily="34" charset="0"/>
-                        </a:rPr>
-                        <a:t>1</a:t>
-                      </a:r>
-                      <a:endParaRPr lang="vi-VN" dirty="0">
-                        <a:latin typeface="Arial" panose="020B0604020202020204" pitchFamily="34" charset="0"/>
-                        <a:cs typeface="Arial" panose="020B0604020202020204" pitchFamily="34" charset="0"/>
-                      </a:endParaRPr>
-                    </a:p>
-                  </a:txBody>
-                  <a:tcPr/>
-                </a:tc>
-                <a:tc>
-                  <a:txBody>
-                    <a:bodyPr/>
-                    <a:lstStyle/>
-                    <a:p>
-                      <a:pPr algn="ctr"/>
-                      <a:r>
-                        <a:rPr lang="en-US" dirty="0">
-                          <a:latin typeface="Arial" panose="020B0604020202020204" pitchFamily="34" charset="0"/>
-                          <a:cs typeface="Arial" panose="020B0604020202020204" pitchFamily="34" charset="0"/>
-                        </a:rPr>
-                        <a:t>6</a:t>
-                      </a:r>
-                      <a:endParaRPr lang="vi-VN" dirty="0">
-                        <a:latin typeface="Arial" panose="020B0604020202020204" pitchFamily="34" charset="0"/>
-                        <a:cs typeface="Arial" panose="020B0604020202020204" pitchFamily="34" charset="0"/>
-                      </a:endParaRPr>
-                    </a:p>
-                  </a:txBody>
-                  <a:tcPr/>
-                </a:tc>
-                <a:tc>
-                  <a:txBody>
-                    <a:bodyPr/>
-                    <a:lstStyle/>
-                    <a:p>
-                      <a:r>
-                        <a:rPr lang="en-US" dirty="0" err="1">
-                          <a:latin typeface="Arial" panose="020B0604020202020204" pitchFamily="34" charset="0"/>
-                          <a:cs typeface="Arial" panose="020B0604020202020204" pitchFamily="34" charset="0"/>
-                        </a:rPr>
-                        <a:t>Lớp</a:t>
-                      </a:r>
-                      <a:r>
-                        <a:rPr lang="en-US" dirty="0">
-                          <a:latin typeface="Arial" panose="020B0604020202020204" pitchFamily="34" charset="0"/>
-                          <a:cs typeface="Arial" panose="020B0604020202020204" pitchFamily="34" charset="0"/>
-                        </a:rPr>
-                        <a:t> </a:t>
-                      </a:r>
-                      <a:r>
-                        <a:rPr lang="en-US" dirty="0" err="1">
-                          <a:latin typeface="Arial" panose="020B0604020202020204" pitchFamily="34" charset="0"/>
-                          <a:cs typeface="Arial" panose="020B0604020202020204" pitchFamily="34" charset="0"/>
-                        </a:rPr>
-                        <a:t>tích</a:t>
-                      </a:r>
-                      <a:r>
-                        <a:rPr lang="en-US" dirty="0">
-                          <a:latin typeface="Arial" panose="020B0604020202020204" pitchFamily="34" charset="0"/>
-                          <a:cs typeface="Arial" panose="020B0604020202020204" pitchFamily="34" charset="0"/>
-                        </a:rPr>
-                        <a:t> </a:t>
-                      </a:r>
-                      <a:r>
-                        <a:rPr lang="en-US" dirty="0" err="1">
-                          <a:latin typeface="Arial" panose="020B0604020202020204" pitchFamily="34" charset="0"/>
-                          <a:cs typeface="Arial" panose="020B0604020202020204" pitchFamily="34" charset="0"/>
-                        </a:rPr>
-                        <a:t>chập</a:t>
-                      </a:r>
-                      <a:endParaRPr lang="vi-VN" dirty="0">
-                        <a:latin typeface="Arial" panose="020B0604020202020204" pitchFamily="34" charset="0"/>
-                        <a:cs typeface="Arial" panose="020B0604020202020204" pitchFamily="34" charset="0"/>
-                      </a:endParaRPr>
-                    </a:p>
-                  </a:txBody>
-                  <a:tcPr/>
-                </a:tc>
-                <a:tc>
-                  <a:txBody>
-                    <a:bodyPr/>
-                    <a:lstStyle/>
-                    <a:p>
-                      <a:r>
-                        <a:rPr lang="en-US" dirty="0">
-                          <a:latin typeface="Arial" panose="020B0604020202020204" pitchFamily="34" charset="0"/>
-                          <a:cs typeface="Arial" panose="020B0604020202020204" pitchFamily="34" charset="0"/>
-                        </a:rPr>
-                        <a:t>kernel number= 32, kernel size =(3,3)</a:t>
-                      </a:r>
-                      <a:endParaRPr lang="vi-VN" dirty="0">
-                        <a:latin typeface="Arial" panose="020B0604020202020204" pitchFamily="34" charset="0"/>
-                        <a:cs typeface="Arial" panose="020B0604020202020204" pitchFamily="34" charset="0"/>
-                      </a:endParaRPr>
-                    </a:p>
-                  </a:txBody>
-                  <a:tcPr/>
-                </a:tc>
-                <a:tc>
-                  <a:txBody>
-                    <a:bodyPr/>
-                    <a:lstStyle/>
-                    <a:p>
-                      <a:pPr algn="ctr"/>
-                      <a:r>
-                        <a:rPr lang="en-US" dirty="0" err="1">
-                          <a:latin typeface="Arial" panose="020B0604020202020204" pitchFamily="34" charset="0"/>
-                          <a:cs typeface="Arial" panose="020B0604020202020204" pitchFamily="34" charset="0"/>
-                        </a:rPr>
-                        <a:t>ReLU</a:t>
-                      </a:r>
-                      <a:endParaRPr lang="vi-VN" dirty="0">
-                        <a:latin typeface="Arial" panose="020B0604020202020204" pitchFamily="34" charset="0"/>
-                        <a:cs typeface="Arial" panose="020B0604020202020204" pitchFamily="34" charset="0"/>
-                      </a:endParaRPr>
-                    </a:p>
-                  </a:txBody>
-                  <a:tcPr/>
-                </a:tc>
-                <a:extLst>
-                  <a:ext uri="{0D108BD9-81ED-4DB2-BD59-A6C34878D82A}">
-                    <a16:rowId xmlns:a16="http://schemas.microsoft.com/office/drawing/2014/main" val="3938492491"/>
-                  </a:ext>
-                </a:extLst>
-              </a:tr>
-              <a:tr h="370840">
-                <a:tc>
-                  <a:txBody>
-                    <a:bodyPr/>
-                    <a:lstStyle/>
-                    <a:p>
-                      <a:pPr algn="ctr"/>
-                      <a:r>
-                        <a:rPr lang="en-US" dirty="0">
-                          <a:latin typeface="Arial" panose="020B0604020202020204" pitchFamily="34" charset="0"/>
-                          <a:cs typeface="Arial" panose="020B0604020202020204" pitchFamily="34" charset="0"/>
-                        </a:rPr>
-                        <a:t>2</a:t>
-                      </a:r>
-                      <a:endParaRPr lang="vi-VN" dirty="0">
-                        <a:latin typeface="Arial" panose="020B0604020202020204" pitchFamily="34" charset="0"/>
-                        <a:cs typeface="Arial" panose="020B0604020202020204" pitchFamily="34" charset="0"/>
-                      </a:endParaRPr>
-                    </a:p>
-                  </a:txBody>
-                  <a:tcPr/>
-                </a:tc>
-                <a:tc>
-                  <a:txBody>
-                    <a:bodyPr/>
-                    <a:lstStyle/>
-                    <a:p>
-                      <a:pPr algn="ctr"/>
-                      <a:r>
-                        <a:rPr lang="en-US" dirty="0">
-                          <a:latin typeface="Arial" panose="020B0604020202020204" pitchFamily="34" charset="0"/>
-                          <a:cs typeface="Arial" panose="020B0604020202020204" pitchFamily="34" charset="0"/>
-                        </a:rPr>
-                        <a:t>6</a:t>
-                      </a:r>
-                      <a:endParaRPr lang="vi-VN" dirty="0">
-                        <a:latin typeface="Arial" panose="020B0604020202020204" pitchFamily="34" charset="0"/>
-                        <a:cs typeface="Arial" panose="020B0604020202020204" pitchFamily="34" charset="0"/>
-                      </a:endParaRPr>
-                    </a:p>
-                  </a:txBody>
-                  <a:tcPr/>
-                </a:tc>
-                <a:tc>
-                  <a:txBody>
-                    <a:bodyPr/>
-                    <a:lstStyle/>
-                    <a:p>
-                      <a:r>
-                        <a:rPr lang="en-US" dirty="0" err="1">
-                          <a:latin typeface="Arial" panose="020B0604020202020204" pitchFamily="34" charset="0"/>
-                          <a:cs typeface="Arial" panose="020B0604020202020204" pitchFamily="34" charset="0"/>
-                        </a:rPr>
-                        <a:t>Lớp</a:t>
-                      </a:r>
-                      <a:r>
-                        <a:rPr lang="en-US" dirty="0">
-                          <a:latin typeface="Arial" panose="020B0604020202020204" pitchFamily="34" charset="0"/>
-                          <a:cs typeface="Arial" panose="020B0604020202020204" pitchFamily="34" charset="0"/>
-                        </a:rPr>
-                        <a:t> </a:t>
-                      </a:r>
-                      <a:r>
-                        <a:rPr lang="en-US" dirty="0" err="1">
-                          <a:latin typeface="Arial" panose="020B0604020202020204" pitchFamily="34" charset="0"/>
-                          <a:cs typeface="Arial" panose="020B0604020202020204" pitchFamily="34" charset="0"/>
-                        </a:rPr>
-                        <a:t>gộp</a:t>
-                      </a:r>
-                      <a:endParaRPr lang="vi-VN" dirty="0">
-                        <a:latin typeface="Arial" panose="020B0604020202020204" pitchFamily="34" charset="0"/>
-                        <a:cs typeface="Arial" panose="020B0604020202020204" pitchFamily="34" charset="0"/>
-                      </a:endParaRPr>
-                    </a:p>
-                  </a:txBody>
-                  <a:tcPr/>
-                </a:tc>
-                <a:tc>
-                  <a:txBody>
-                    <a:bodyPr/>
-                    <a:lstStyle/>
-                    <a:p>
-                      <a:r>
-                        <a:rPr lang="en-US" dirty="0">
-                          <a:latin typeface="Arial" panose="020B0604020202020204" pitchFamily="34" charset="0"/>
-                          <a:cs typeface="Arial" panose="020B0604020202020204" pitchFamily="34" charset="0"/>
-                        </a:rPr>
-                        <a:t>pooling size=(2,2)</a:t>
-                      </a:r>
-                      <a:endParaRPr lang="vi-VN" dirty="0">
-                        <a:latin typeface="Arial" panose="020B0604020202020204" pitchFamily="34" charset="0"/>
-                        <a:cs typeface="Arial" panose="020B0604020202020204" pitchFamily="34" charset="0"/>
-                      </a:endParaRPr>
-                    </a:p>
-                  </a:txBody>
-                  <a:tcPr/>
-                </a:tc>
-                <a:tc>
-                  <a:txBody>
-                    <a:bodyPr/>
-                    <a:lstStyle/>
-                    <a:p>
-                      <a:pPr algn="ctr"/>
-                      <a:endParaRPr lang="vi-VN" dirty="0">
-                        <a:latin typeface="Arial" panose="020B0604020202020204" pitchFamily="34" charset="0"/>
-                        <a:cs typeface="Arial" panose="020B0604020202020204" pitchFamily="34" charset="0"/>
-                      </a:endParaRPr>
-                    </a:p>
-                  </a:txBody>
-                  <a:tcPr/>
-                </a:tc>
-                <a:extLst>
-                  <a:ext uri="{0D108BD9-81ED-4DB2-BD59-A6C34878D82A}">
-                    <a16:rowId xmlns:a16="http://schemas.microsoft.com/office/drawing/2014/main" val="175202023"/>
-                  </a:ext>
-                </a:extLst>
-              </a:tr>
-              <a:tr h="370840">
-                <a:tc>
-                  <a:txBody>
-                    <a:bodyPr/>
-                    <a:lstStyle/>
-                    <a:p>
-                      <a:pPr algn="ctr"/>
-                      <a:r>
-                        <a:rPr lang="en-US" dirty="0">
-                          <a:latin typeface="Arial" panose="020B0604020202020204" pitchFamily="34" charset="0"/>
-                          <a:cs typeface="Arial" panose="020B0604020202020204" pitchFamily="34" charset="0"/>
-                        </a:rPr>
-                        <a:t>3</a:t>
-                      </a:r>
-                      <a:endParaRPr lang="vi-VN" dirty="0">
-                        <a:latin typeface="Arial" panose="020B0604020202020204" pitchFamily="34" charset="0"/>
-                        <a:cs typeface="Arial" panose="020B0604020202020204" pitchFamily="34" charset="0"/>
-                      </a:endParaRPr>
-                    </a:p>
-                  </a:txBody>
-                  <a:tcPr/>
-                </a:tc>
-                <a:tc>
-                  <a:txBody>
-                    <a:bodyPr/>
-                    <a:lstStyle/>
-                    <a:p>
-                      <a:pPr algn="ctr"/>
-                      <a:r>
-                        <a:rPr lang="en-US" dirty="0">
-                          <a:latin typeface="Arial" panose="020B0604020202020204" pitchFamily="34" charset="0"/>
-                          <a:cs typeface="Arial" panose="020B0604020202020204" pitchFamily="34" charset="0"/>
-                        </a:rPr>
-                        <a:t>1</a:t>
-                      </a:r>
-                      <a:endParaRPr lang="vi-VN" dirty="0">
-                        <a:latin typeface="Arial" panose="020B0604020202020204" pitchFamily="34" charset="0"/>
-                        <a:cs typeface="Arial" panose="020B0604020202020204" pitchFamily="34" charset="0"/>
-                      </a:endParaRPr>
-                    </a:p>
-                  </a:txBody>
-                  <a:tcPr/>
-                </a:tc>
-                <a:tc>
-                  <a:txBody>
-                    <a:bodyPr/>
-                    <a:lstStyle/>
-                    <a:p>
-                      <a:r>
-                        <a:rPr lang="en-US" dirty="0" err="1">
-                          <a:latin typeface="Arial" panose="020B0604020202020204" pitchFamily="34" charset="0"/>
-                          <a:cs typeface="Arial" panose="020B0604020202020204" pitchFamily="34" charset="0"/>
-                        </a:rPr>
-                        <a:t>Lớp</a:t>
-                      </a:r>
-                      <a:r>
-                        <a:rPr lang="en-US" dirty="0">
-                          <a:latin typeface="Arial" panose="020B0604020202020204" pitchFamily="34" charset="0"/>
-                          <a:cs typeface="Arial" panose="020B0604020202020204" pitchFamily="34" charset="0"/>
-                        </a:rPr>
-                        <a:t> </a:t>
-                      </a:r>
-                      <a:r>
-                        <a:rPr lang="en-US" dirty="0" err="1">
-                          <a:latin typeface="Arial" panose="020B0604020202020204" pitchFamily="34" charset="0"/>
-                          <a:cs typeface="Arial" panose="020B0604020202020204" pitchFamily="34" charset="0"/>
-                        </a:rPr>
-                        <a:t>trải</a:t>
-                      </a:r>
-                      <a:r>
-                        <a:rPr lang="en-US" dirty="0">
-                          <a:latin typeface="Arial" panose="020B0604020202020204" pitchFamily="34" charset="0"/>
-                          <a:cs typeface="Arial" panose="020B0604020202020204" pitchFamily="34" charset="0"/>
-                        </a:rPr>
-                        <a:t> </a:t>
-                      </a:r>
-                      <a:r>
-                        <a:rPr lang="en-US" dirty="0" err="1">
-                          <a:latin typeface="Arial" panose="020B0604020202020204" pitchFamily="34" charset="0"/>
-                          <a:cs typeface="Arial" panose="020B0604020202020204" pitchFamily="34" charset="0"/>
-                        </a:rPr>
-                        <a:t>phẳng</a:t>
-                      </a:r>
-                      <a:endParaRPr lang="vi-VN" dirty="0">
-                        <a:latin typeface="Arial" panose="020B0604020202020204" pitchFamily="34" charset="0"/>
-                        <a:cs typeface="Arial" panose="020B0604020202020204" pitchFamily="34" charset="0"/>
-                      </a:endParaRPr>
-                    </a:p>
-                  </a:txBody>
-                  <a:tcPr/>
-                </a:tc>
-                <a:tc>
-                  <a:txBody>
-                    <a:bodyPr/>
-                    <a:lstStyle/>
-                    <a:p>
-                      <a:endParaRPr lang="vi-VN" dirty="0">
-                        <a:latin typeface="Arial" panose="020B0604020202020204" pitchFamily="34" charset="0"/>
-                        <a:cs typeface="Arial" panose="020B0604020202020204" pitchFamily="34" charset="0"/>
-                      </a:endParaRPr>
-                    </a:p>
-                  </a:txBody>
-                  <a:tcPr/>
-                </a:tc>
-                <a:tc>
-                  <a:txBody>
-                    <a:bodyPr/>
-                    <a:lstStyle/>
-                    <a:p>
-                      <a:pPr algn="ctr"/>
-                      <a:endParaRPr lang="vi-VN" dirty="0">
-                        <a:latin typeface="Arial" panose="020B0604020202020204" pitchFamily="34" charset="0"/>
-                        <a:cs typeface="Arial" panose="020B0604020202020204" pitchFamily="34" charset="0"/>
-                      </a:endParaRPr>
-                    </a:p>
-                  </a:txBody>
-                  <a:tcPr/>
-                </a:tc>
-                <a:extLst>
-                  <a:ext uri="{0D108BD9-81ED-4DB2-BD59-A6C34878D82A}">
-                    <a16:rowId xmlns:a16="http://schemas.microsoft.com/office/drawing/2014/main" val="1385176160"/>
-                  </a:ext>
-                </a:extLst>
-              </a:tr>
-              <a:tr h="370840">
-                <a:tc>
-                  <a:txBody>
-                    <a:bodyPr/>
-                    <a:lstStyle/>
-                    <a:p>
-                      <a:pPr algn="ctr"/>
-                      <a:r>
-                        <a:rPr lang="en-US" dirty="0">
-                          <a:latin typeface="Arial" panose="020B0604020202020204" pitchFamily="34" charset="0"/>
-                          <a:cs typeface="Arial" panose="020B0604020202020204" pitchFamily="34" charset="0"/>
-                        </a:rPr>
-                        <a:t>4</a:t>
-                      </a:r>
-                      <a:endParaRPr lang="vi-VN" dirty="0">
-                        <a:latin typeface="Arial" panose="020B0604020202020204" pitchFamily="34" charset="0"/>
-                        <a:cs typeface="Arial" panose="020B0604020202020204" pitchFamily="34" charset="0"/>
-                      </a:endParaRPr>
-                    </a:p>
-                  </a:txBody>
-                  <a:tcPr/>
-                </a:tc>
-                <a:tc>
-                  <a:txBody>
-                    <a:bodyPr/>
-                    <a:lstStyle/>
-                    <a:p>
-                      <a:pPr algn="ctr"/>
-                      <a:r>
-                        <a:rPr lang="en-US" dirty="0">
-                          <a:latin typeface="Arial" panose="020B0604020202020204" pitchFamily="34" charset="0"/>
-                          <a:cs typeface="Arial" panose="020B0604020202020204" pitchFamily="34" charset="0"/>
-                        </a:rPr>
-                        <a:t>1</a:t>
-                      </a:r>
-                      <a:endParaRPr lang="vi-VN" dirty="0">
-                        <a:latin typeface="Arial" panose="020B0604020202020204" pitchFamily="34" charset="0"/>
-                        <a:cs typeface="Arial" panose="020B0604020202020204" pitchFamily="34" charset="0"/>
-                      </a:endParaRPr>
-                    </a:p>
-                  </a:txBody>
-                  <a:tcPr/>
-                </a:tc>
-                <a:tc>
-                  <a:txBody>
-                    <a:bodyPr/>
-                    <a:lstStyle/>
-                    <a:p>
-                      <a:r>
-                        <a:rPr lang="en-US" dirty="0" err="1">
-                          <a:latin typeface="Arial" panose="020B0604020202020204" pitchFamily="34" charset="0"/>
-                          <a:cs typeface="Arial" panose="020B0604020202020204" pitchFamily="34" charset="0"/>
-                        </a:rPr>
-                        <a:t>Lớp</a:t>
-                      </a:r>
-                      <a:r>
-                        <a:rPr lang="en-US" dirty="0">
-                          <a:latin typeface="Arial" panose="020B0604020202020204" pitchFamily="34" charset="0"/>
-                          <a:cs typeface="Arial" panose="020B0604020202020204" pitchFamily="34" charset="0"/>
-                        </a:rPr>
-                        <a:t> </a:t>
-                      </a:r>
-                      <a:r>
-                        <a:rPr lang="en-US" dirty="0" err="1">
-                          <a:latin typeface="Arial" panose="020B0604020202020204" pitchFamily="34" charset="0"/>
-                          <a:cs typeface="Arial" panose="020B0604020202020204" pitchFamily="34" charset="0"/>
-                        </a:rPr>
-                        <a:t>kết</a:t>
-                      </a:r>
-                      <a:r>
-                        <a:rPr lang="en-US" dirty="0">
-                          <a:latin typeface="Arial" panose="020B0604020202020204" pitchFamily="34" charset="0"/>
-                          <a:cs typeface="Arial" panose="020B0604020202020204" pitchFamily="34" charset="0"/>
-                        </a:rPr>
-                        <a:t> </a:t>
-                      </a:r>
-                      <a:r>
-                        <a:rPr lang="en-US" dirty="0" err="1">
-                          <a:latin typeface="Arial" panose="020B0604020202020204" pitchFamily="34" charset="0"/>
-                          <a:cs typeface="Arial" panose="020B0604020202020204" pitchFamily="34" charset="0"/>
-                        </a:rPr>
-                        <a:t>nối</a:t>
-                      </a:r>
-                      <a:r>
-                        <a:rPr lang="en-US" dirty="0">
-                          <a:latin typeface="Arial" panose="020B0604020202020204" pitchFamily="34" charset="0"/>
-                          <a:cs typeface="Arial" panose="020B0604020202020204" pitchFamily="34" charset="0"/>
-                        </a:rPr>
-                        <a:t> </a:t>
-                      </a:r>
-                      <a:r>
-                        <a:rPr lang="en-US" dirty="0" err="1">
-                          <a:latin typeface="Arial" panose="020B0604020202020204" pitchFamily="34" charset="0"/>
-                          <a:cs typeface="Arial" panose="020B0604020202020204" pitchFamily="34" charset="0"/>
-                        </a:rPr>
-                        <a:t>đầy</a:t>
-                      </a:r>
-                      <a:r>
-                        <a:rPr lang="en-US" dirty="0">
-                          <a:latin typeface="Arial" panose="020B0604020202020204" pitchFamily="34" charset="0"/>
-                          <a:cs typeface="Arial" panose="020B0604020202020204" pitchFamily="34" charset="0"/>
-                        </a:rPr>
-                        <a:t> </a:t>
-                      </a:r>
-                      <a:r>
-                        <a:rPr lang="en-US" dirty="0" err="1">
-                          <a:latin typeface="Arial" panose="020B0604020202020204" pitchFamily="34" charset="0"/>
-                          <a:cs typeface="Arial" panose="020B0604020202020204" pitchFamily="34" charset="0"/>
-                        </a:rPr>
-                        <a:t>đủ</a:t>
-                      </a:r>
-                      <a:endParaRPr lang="vi-VN" dirty="0">
-                        <a:latin typeface="Arial" panose="020B0604020202020204" pitchFamily="34" charset="0"/>
-                        <a:cs typeface="Arial" panose="020B0604020202020204" pitchFamily="34" charset="0"/>
-                      </a:endParaRPr>
-                    </a:p>
-                  </a:txBody>
-                  <a:tcPr/>
-                </a:tc>
-                <a:tc>
-                  <a:txBody>
-                    <a:bodyPr/>
-                    <a:lstStyle/>
-                    <a:p>
-                      <a:r>
-                        <a:rPr lang="en-US" dirty="0">
-                          <a:latin typeface="Arial" panose="020B0604020202020204" pitchFamily="34" charset="0"/>
-                          <a:cs typeface="Arial" panose="020B0604020202020204" pitchFamily="34" charset="0"/>
-                        </a:rPr>
-                        <a:t>node number=64</a:t>
-                      </a:r>
-                      <a:endParaRPr lang="vi-VN" dirty="0">
-                        <a:latin typeface="Arial" panose="020B0604020202020204" pitchFamily="34" charset="0"/>
-                        <a:cs typeface="Arial" panose="020B0604020202020204" pitchFamily="34" charset="0"/>
-                      </a:endParaRPr>
-                    </a:p>
-                  </a:txBody>
-                  <a:tcPr/>
-                </a:tc>
-                <a:tc>
-                  <a:txBody>
-                    <a:bodyPr/>
-                    <a:lstStyle/>
-                    <a:p>
-                      <a:pPr algn="ctr"/>
-                      <a:r>
-                        <a:rPr lang="en-US" dirty="0" err="1">
-                          <a:latin typeface="Arial" panose="020B0604020202020204" pitchFamily="34" charset="0"/>
-                          <a:cs typeface="Arial" panose="020B0604020202020204" pitchFamily="34" charset="0"/>
-                        </a:rPr>
-                        <a:t>ReLU</a:t>
-                      </a:r>
-                      <a:endParaRPr lang="vi-VN" dirty="0">
-                        <a:latin typeface="Arial" panose="020B0604020202020204" pitchFamily="34" charset="0"/>
-                        <a:cs typeface="Arial" panose="020B0604020202020204" pitchFamily="34" charset="0"/>
-                      </a:endParaRPr>
-                    </a:p>
-                  </a:txBody>
-                  <a:tcPr/>
-                </a:tc>
-                <a:extLst>
-                  <a:ext uri="{0D108BD9-81ED-4DB2-BD59-A6C34878D82A}">
-                    <a16:rowId xmlns:a16="http://schemas.microsoft.com/office/drawing/2014/main" val="1262329362"/>
-                  </a:ext>
-                </a:extLst>
-              </a:tr>
-              <a:tr h="370840">
-                <a:tc>
-                  <a:txBody>
-                    <a:bodyPr/>
-                    <a:lstStyle/>
-                    <a:p>
-                      <a:pPr algn="ctr"/>
-                      <a:r>
-                        <a:rPr lang="en-US" dirty="0">
-                          <a:latin typeface="Arial" panose="020B0604020202020204" pitchFamily="34" charset="0"/>
-                          <a:cs typeface="Arial" panose="020B0604020202020204" pitchFamily="34" charset="0"/>
-                        </a:rPr>
-                        <a:t>5</a:t>
-                      </a:r>
-                      <a:endParaRPr lang="vi-VN" dirty="0">
-                        <a:latin typeface="Arial" panose="020B0604020202020204" pitchFamily="34" charset="0"/>
-                        <a:cs typeface="Arial" panose="020B0604020202020204" pitchFamily="34" charset="0"/>
-                      </a:endParaRPr>
-                    </a:p>
-                  </a:txBody>
-                  <a:tcPr/>
-                </a:tc>
-                <a:tc>
-                  <a:txBody>
-                    <a:bodyPr/>
-                    <a:lstStyle/>
-                    <a:p>
-                      <a:pPr algn="ctr"/>
-                      <a:r>
-                        <a:rPr lang="en-US" dirty="0">
-                          <a:latin typeface="Arial" panose="020B0604020202020204" pitchFamily="34" charset="0"/>
-                          <a:cs typeface="Arial" panose="020B0604020202020204" pitchFamily="34" charset="0"/>
-                        </a:rPr>
-                        <a:t>1</a:t>
-                      </a:r>
-                      <a:endParaRPr lang="vi-VN" dirty="0">
-                        <a:latin typeface="Arial" panose="020B0604020202020204" pitchFamily="34" charset="0"/>
-                        <a:cs typeface="Arial" panose="020B0604020202020204" pitchFamily="34" charset="0"/>
-                      </a:endParaRPr>
-                    </a:p>
-                  </a:txBody>
-                  <a:tcPr/>
-                </a:tc>
-                <a:tc>
-                  <a:txBody>
-                    <a:bodyPr/>
-                    <a:lstStyle/>
-                    <a:p>
-                      <a:r>
-                        <a:rPr lang="en-US" dirty="0" err="1">
-                          <a:latin typeface="Arial" panose="020B0604020202020204" pitchFamily="34" charset="0"/>
-                          <a:cs typeface="Arial" panose="020B0604020202020204" pitchFamily="34" charset="0"/>
-                        </a:rPr>
-                        <a:t>Lớp</a:t>
-                      </a:r>
-                      <a:r>
-                        <a:rPr lang="en-US" dirty="0">
-                          <a:latin typeface="Arial" panose="020B0604020202020204" pitchFamily="34" charset="0"/>
-                          <a:cs typeface="Arial" panose="020B0604020202020204" pitchFamily="34" charset="0"/>
-                        </a:rPr>
-                        <a:t> </a:t>
-                      </a:r>
-                      <a:r>
-                        <a:rPr lang="en-US" dirty="0" err="1">
-                          <a:latin typeface="Arial" panose="020B0604020202020204" pitchFamily="34" charset="0"/>
-                          <a:cs typeface="Arial" panose="020B0604020202020204" pitchFamily="34" charset="0"/>
-                        </a:rPr>
-                        <a:t>kết</a:t>
-                      </a:r>
-                      <a:r>
-                        <a:rPr lang="en-US" dirty="0">
-                          <a:latin typeface="Arial" panose="020B0604020202020204" pitchFamily="34" charset="0"/>
-                          <a:cs typeface="Arial" panose="020B0604020202020204" pitchFamily="34" charset="0"/>
-                        </a:rPr>
-                        <a:t> </a:t>
-                      </a:r>
-                      <a:r>
-                        <a:rPr lang="en-US" dirty="0" err="1">
-                          <a:latin typeface="Arial" panose="020B0604020202020204" pitchFamily="34" charset="0"/>
-                          <a:cs typeface="Arial" panose="020B0604020202020204" pitchFamily="34" charset="0"/>
-                        </a:rPr>
-                        <a:t>quả</a:t>
-                      </a:r>
-                      <a:endParaRPr lang="vi-VN" dirty="0">
-                        <a:latin typeface="Arial" panose="020B0604020202020204" pitchFamily="34" charset="0"/>
-                        <a:cs typeface="Arial" panose="020B0604020202020204" pitchFamily="34" charset="0"/>
-                      </a:endParaRPr>
-                    </a:p>
-                  </a:txBody>
-                  <a:tcPr/>
-                </a:tc>
-                <a:tc>
-                  <a:txBody>
-                    <a:bodyPr/>
-                    <a:lstStyle/>
-                    <a:p>
-                      <a:r>
-                        <a:rPr lang="en-US" dirty="0">
-                          <a:latin typeface="Arial" panose="020B0604020202020204" pitchFamily="34" charset="0"/>
-                          <a:cs typeface="Arial" panose="020B0604020202020204" pitchFamily="34" charset="0"/>
-                        </a:rPr>
-                        <a:t>node number= 3</a:t>
-                      </a:r>
-                      <a:endParaRPr lang="vi-VN" dirty="0">
-                        <a:latin typeface="Arial" panose="020B0604020202020204" pitchFamily="34" charset="0"/>
-                        <a:cs typeface="Arial" panose="020B0604020202020204" pitchFamily="34" charset="0"/>
-                      </a:endParaRPr>
-                    </a:p>
-                  </a:txBody>
-                  <a:tcPr/>
-                </a:tc>
-                <a:tc>
-                  <a:txBody>
-                    <a:bodyPr/>
-                    <a:lstStyle/>
-                    <a:p>
-                      <a:pPr algn="ctr"/>
-                      <a:r>
-                        <a:rPr lang="en-US" dirty="0" err="1">
-                          <a:latin typeface="Arial" panose="020B0604020202020204" pitchFamily="34" charset="0"/>
-                          <a:cs typeface="Arial" panose="020B0604020202020204" pitchFamily="34" charset="0"/>
-                        </a:rPr>
-                        <a:t>softmax</a:t>
-                      </a:r>
-                      <a:endParaRPr lang="vi-VN" dirty="0">
-                        <a:latin typeface="Arial" panose="020B0604020202020204" pitchFamily="34" charset="0"/>
-                        <a:cs typeface="Arial" panose="020B0604020202020204" pitchFamily="34" charset="0"/>
-                      </a:endParaRPr>
-                    </a:p>
-                  </a:txBody>
-                  <a:tcPr/>
-                </a:tc>
-                <a:extLst>
-                  <a:ext uri="{0D108BD9-81ED-4DB2-BD59-A6C34878D82A}">
-                    <a16:rowId xmlns:a16="http://schemas.microsoft.com/office/drawing/2014/main" val="2931270155"/>
-                  </a:ext>
-                </a:extLst>
-              </a:tr>
-            </a:tbl>
-          </a:graphicData>
-        </a:graphic>
-      </p:graphicFrame>
+          <p:cNvSpPr txBox="1"/>
+          <p:nvPr/>
+        </p:nvSpPr>
+        <p:spPr>
+          <a:xfrm>
+            <a:off x="594360" y="1524000"/>
+            <a:ext cx="10118464" cy="461665"/>
+          </a:xfrm>
+          <a:prstGeom prst="rect">
+            <a:avLst/>
+          </a:prstGeom>
+          <a:noFill/>
+        </p:spPr>
+        <p:txBody>
+          <a:bodyPr wrap="square" rtlCol="0">
+            <a:spAutoFit/>
+          </a:bodyPr>
+          <a:lstStyle/>
+          <a:p>
+            <a:r>
+              <a:rPr lang="en-US" sz="2400" dirty="0" err="1">
+                <a:solidFill>
+                  <a:schemeClr val="bg1"/>
+                </a:solidFill>
+                <a:latin typeface="Arial" panose="020B0604020202020204" pitchFamily="34" charset="0"/>
+                <a:cs typeface="Arial" panose="020B0604020202020204" pitchFamily="34" charset="0"/>
+              </a:rPr>
+              <a:t>Dữ</a:t>
+            </a:r>
+            <a:r>
+              <a:rPr lang="en-US" sz="2400" dirty="0">
+                <a:solidFill>
+                  <a:schemeClr val="bg1"/>
+                </a:solidFill>
+                <a:latin typeface="Arial" panose="020B0604020202020204" pitchFamily="34" charset="0"/>
+                <a:cs typeface="Arial" panose="020B0604020202020204" pitchFamily="34" charset="0"/>
+              </a:rPr>
+              <a:t> </a:t>
+            </a:r>
+            <a:r>
+              <a:rPr lang="en-US" sz="2400" dirty="0" err="1">
+                <a:solidFill>
+                  <a:schemeClr val="bg1"/>
+                </a:solidFill>
+                <a:latin typeface="Arial" panose="020B0604020202020204" pitchFamily="34" charset="0"/>
+                <a:cs typeface="Arial" panose="020B0604020202020204" pitchFamily="34" charset="0"/>
+              </a:rPr>
+              <a:t>liệu</a:t>
+            </a:r>
+            <a:r>
+              <a:rPr lang="en-US" sz="2400" dirty="0">
+                <a:solidFill>
+                  <a:schemeClr val="bg1"/>
+                </a:solidFill>
+                <a:latin typeface="Arial" panose="020B0604020202020204" pitchFamily="34" charset="0"/>
+                <a:cs typeface="Arial" panose="020B0604020202020204" pitchFamily="34" charset="0"/>
+              </a:rPr>
+              <a:t> </a:t>
+            </a:r>
+            <a:r>
+              <a:rPr lang="en-US" sz="2400" dirty="0" err="1">
+                <a:solidFill>
+                  <a:schemeClr val="bg1"/>
+                </a:solidFill>
+                <a:latin typeface="Arial" panose="020B0604020202020204" pitchFamily="34" charset="0"/>
+                <a:cs typeface="Arial" panose="020B0604020202020204" pitchFamily="34" charset="0"/>
+              </a:rPr>
+              <a:t>được</a:t>
+            </a:r>
+            <a:r>
+              <a:rPr lang="en-US" sz="2400" dirty="0">
+                <a:solidFill>
+                  <a:schemeClr val="bg1"/>
+                </a:solidFill>
+                <a:latin typeface="Arial" panose="020B0604020202020204" pitchFamily="34" charset="0"/>
+                <a:cs typeface="Arial" panose="020B0604020202020204" pitchFamily="34" charset="0"/>
+              </a:rPr>
+              <a:t> chia </a:t>
+            </a:r>
+            <a:r>
+              <a:rPr lang="en-US" sz="2400" dirty="0" err="1">
+                <a:solidFill>
+                  <a:schemeClr val="bg1"/>
+                </a:solidFill>
+                <a:latin typeface="Arial" panose="020B0604020202020204" pitchFamily="34" charset="0"/>
+                <a:cs typeface="Arial" panose="020B0604020202020204" pitchFamily="34" charset="0"/>
+              </a:rPr>
+              <a:t>thành</a:t>
+            </a:r>
+            <a:r>
+              <a:rPr lang="en-US" sz="2400" dirty="0">
+                <a:solidFill>
+                  <a:schemeClr val="bg1"/>
+                </a:solidFill>
+                <a:latin typeface="Arial" panose="020B0604020202020204" pitchFamily="34" charset="0"/>
+                <a:cs typeface="Arial" panose="020B0604020202020204" pitchFamily="34" charset="0"/>
+              </a:rPr>
+              <a:t> 3 </a:t>
+            </a:r>
+            <a:r>
+              <a:rPr lang="en-US" sz="2400" dirty="0" err="1">
+                <a:solidFill>
+                  <a:schemeClr val="bg1"/>
+                </a:solidFill>
+                <a:latin typeface="Arial" panose="020B0604020202020204" pitchFamily="34" charset="0"/>
+                <a:cs typeface="Arial" panose="020B0604020202020204" pitchFamily="34" charset="0"/>
+              </a:rPr>
+              <a:t>phần</a:t>
+            </a:r>
+            <a:r>
+              <a:rPr lang="en-US" sz="2400" dirty="0">
+                <a:solidFill>
+                  <a:schemeClr val="bg1"/>
+                </a:solidFill>
+                <a:latin typeface="Arial" panose="020B0604020202020204" pitchFamily="34" charset="0"/>
+                <a:cs typeface="Arial" panose="020B0604020202020204" pitchFamily="34" charset="0"/>
+              </a:rPr>
+              <a:t>: 80% train, 10% validation, 10% test</a:t>
+            </a:r>
+          </a:p>
+        </p:txBody>
+      </p:sp>
+      <p:sp>
+        <p:nvSpPr>
+          <p:cNvPr id="8" name="Rectangle 7">
+            <a:extLst>
+              <a:ext uri="{FF2B5EF4-FFF2-40B4-BE49-F238E27FC236}">
+                <a16:creationId xmlns:a16="http://schemas.microsoft.com/office/drawing/2014/main" id="{20519496-72A5-43E3-853E-4E77A4A48B72}"/>
+              </a:ext>
+            </a:extLst>
+          </p:cNvPr>
+          <p:cNvSpPr/>
+          <p:nvPr/>
+        </p:nvSpPr>
+        <p:spPr>
+          <a:xfrm>
+            <a:off x="836360" y="3612776"/>
+            <a:ext cx="1568190" cy="1013012"/>
+          </a:xfrm>
+          <a:prstGeom prst="rect">
+            <a:avLst/>
+          </a:prstGeom>
+        </p:spPr>
+        <p:style>
+          <a:lnRef idx="2">
+            <a:schemeClr val="accent1">
+              <a:shade val="50000"/>
+            </a:schemeClr>
+          </a:lnRef>
+          <a:fillRef idx="1">
+            <a:schemeClr val="accent1"/>
+          </a:fillRef>
+          <a:effectRef idx="0">
+            <a:schemeClr val="accent1"/>
+          </a:effectRef>
+          <a:fontRef idx="minor">
+            <a:schemeClr val="lt1"/>
+          </a:fontRef>
+        </p:style>
+        <p:txBody>
+          <a:bodyPr rtlCol="0" anchor="ctr"/>
+          <a:lstStyle/>
+          <a:p>
+            <a:pPr algn="ctr"/>
+            <a:r>
+              <a:rPr lang="en-US" sz="2400" dirty="0">
+                <a:solidFill>
+                  <a:schemeClr val="bg1"/>
+                </a:solidFill>
+                <a:latin typeface="Arial" panose="020B0604020202020204" pitchFamily="34" charset="0"/>
+                <a:cs typeface="Arial" panose="020B0604020202020204" pitchFamily="34" charset="0"/>
+              </a:rPr>
+              <a:t>2152 </a:t>
+            </a:r>
+            <a:r>
+              <a:rPr lang="en-US" sz="2400" dirty="0" err="1">
+                <a:solidFill>
+                  <a:schemeClr val="bg1"/>
+                </a:solidFill>
+                <a:latin typeface="Arial" panose="020B0604020202020204" pitchFamily="34" charset="0"/>
+                <a:cs typeface="Arial" panose="020B0604020202020204" pitchFamily="34" charset="0"/>
+              </a:rPr>
+              <a:t>ảnh</a:t>
+            </a:r>
+            <a:endParaRPr lang="vi-VN" sz="2400" dirty="0">
+              <a:solidFill>
+                <a:schemeClr val="bg1"/>
+              </a:solidFill>
+              <a:latin typeface="Arial" panose="020B0604020202020204" pitchFamily="34" charset="0"/>
+              <a:cs typeface="Arial" panose="020B0604020202020204" pitchFamily="34" charset="0"/>
+            </a:endParaRPr>
+          </a:p>
+        </p:txBody>
+      </p:sp>
+      <p:sp>
+        <p:nvSpPr>
+          <p:cNvPr id="9" name="Rectangle 8">
+            <a:extLst>
+              <a:ext uri="{FF2B5EF4-FFF2-40B4-BE49-F238E27FC236}">
+                <a16:creationId xmlns:a16="http://schemas.microsoft.com/office/drawing/2014/main" id="{68D0FA65-9466-43B4-9E94-0B4BAFDA7ABC}"/>
+              </a:ext>
+            </a:extLst>
+          </p:cNvPr>
+          <p:cNvSpPr/>
+          <p:nvPr/>
+        </p:nvSpPr>
+        <p:spPr>
+          <a:xfrm>
+            <a:off x="4319470" y="3612776"/>
+            <a:ext cx="1631577" cy="1013012"/>
+          </a:xfrm>
+          <a:prstGeom prst="rect">
+            <a:avLst/>
+          </a:prstGeom>
+        </p:spPr>
+        <p:style>
+          <a:lnRef idx="2">
+            <a:schemeClr val="accent1">
+              <a:shade val="50000"/>
+            </a:schemeClr>
+          </a:lnRef>
+          <a:fillRef idx="1">
+            <a:schemeClr val="accent1"/>
+          </a:fillRef>
+          <a:effectRef idx="0">
+            <a:schemeClr val="accent1"/>
+          </a:effectRef>
+          <a:fontRef idx="minor">
+            <a:schemeClr val="lt1"/>
+          </a:fontRef>
+        </p:style>
+        <p:txBody>
+          <a:bodyPr rtlCol="0" anchor="ctr"/>
+          <a:lstStyle/>
+          <a:p>
+            <a:pPr algn="ctr"/>
+            <a:r>
+              <a:rPr lang="en-US" sz="2400" dirty="0">
+                <a:solidFill>
+                  <a:schemeClr val="bg1"/>
+                </a:solidFill>
+                <a:latin typeface="Arial" panose="020B0604020202020204" pitchFamily="34" charset="0"/>
+                <a:cs typeface="Arial" panose="020B0604020202020204" pitchFamily="34" charset="0"/>
+              </a:rPr>
+              <a:t>68 batch</a:t>
+            </a:r>
+            <a:endParaRPr lang="vi-VN" sz="2400" dirty="0">
+              <a:solidFill>
+                <a:schemeClr val="bg1"/>
+              </a:solidFill>
+              <a:latin typeface="Arial" panose="020B0604020202020204" pitchFamily="34" charset="0"/>
+              <a:cs typeface="Arial" panose="020B0604020202020204" pitchFamily="34" charset="0"/>
+            </a:endParaRPr>
+          </a:p>
+        </p:txBody>
+      </p:sp>
+      <p:cxnSp>
+        <p:nvCxnSpPr>
+          <p:cNvPr id="14" name="Straight Arrow Connector 13">
+            <a:extLst>
+              <a:ext uri="{FF2B5EF4-FFF2-40B4-BE49-F238E27FC236}">
+                <a16:creationId xmlns:a16="http://schemas.microsoft.com/office/drawing/2014/main" id="{57D642B1-6C26-45BF-A8B2-39574A52BAD4}"/>
+              </a:ext>
+            </a:extLst>
+          </p:cNvPr>
+          <p:cNvCxnSpPr>
+            <a:cxnSpLocks/>
+            <a:stCxn id="8" idx="3"/>
+            <a:endCxn id="9" idx="1"/>
+          </p:cNvCxnSpPr>
+          <p:nvPr/>
+        </p:nvCxnSpPr>
+        <p:spPr>
+          <a:xfrm>
+            <a:off x="2404550" y="4119282"/>
+            <a:ext cx="1914920" cy="0"/>
+          </a:xfrm>
+          <a:prstGeom prst="straightConnector1">
+            <a:avLst/>
+          </a:prstGeom>
+          <a:ln>
+            <a:tailEnd type="triangle"/>
+          </a:ln>
+        </p:spPr>
+        <p:style>
+          <a:lnRef idx="1">
+            <a:schemeClr val="accent1"/>
+          </a:lnRef>
+          <a:fillRef idx="0">
+            <a:schemeClr val="accent1"/>
+          </a:fillRef>
+          <a:effectRef idx="0">
+            <a:schemeClr val="accent1"/>
+          </a:effectRef>
+          <a:fontRef idx="minor">
+            <a:schemeClr val="tx1"/>
+          </a:fontRef>
+        </p:style>
+      </p:cxnSp>
+      <p:sp>
+        <p:nvSpPr>
+          <p:cNvPr id="17" name="Rectangle 16">
+            <a:extLst>
+              <a:ext uri="{FF2B5EF4-FFF2-40B4-BE49-F238E27FC236}">
+                <a16:creationId xmlns:a16="http://schemas.microsoft.com/office/drawing/2014/main" id="{FC7E1B4E-921C-453E-ACC3-032E12387935}"/>
+              </a:ext>
+            </a:extLst>
+          </p:cNvPr>
+          <p:cNvSpPr/>
+          <p:nvPr/>
+        </p:nvSpPr>
+        <p:spPr>
+          <a:xfrm>
+            <a:off x="8186829" y="2119568"/>
+            <a:ext cx="1827773" cy="1088587"/>
+          </a:xfrm>
+          <a:prstGeom prst="rect">
+            <a:avLst/>
+          </a:prstGeom>
+        </p:spPr>
+        <p:style>
+          <a:lnRef idx="2">
+            <a:schemeClr val="accent1">
+              <a:shade val="50000"/>
+            </a:schemeClr>
+          </a:lnRef>
+          <a:fillRef idx="1">
+            <a:schemeClr val="accent1"/>
+          </a:fillRef>
+          <a:effectRef idx="0">
+            <a:schemeClr val="accent1"/>
+          </a:effectRef>
+          <a:fontRef idx="minor">
+            <a:schemeClr val="lt1"/>
+          </a:fontRef>
+        </p:style>
+        <p:txBody>
+          <a:bodyPr rtlCol="0" anchor="ctr"/>
+          <a:lstStyle/>
+          <a:p>
+            <a:pPr algn="ctr"/>
+            <a:r>
+              <a:rPr lang="en-US" sz="2400" dirty="0">
+                <a:solidFill>
+                  <a:schemeClr val="bg1"/>
+                </a:solidFill>
+                <a:latin typeface="Arial" panose="020B0604020202020204" pitchFamily="34" charset="0"/>
+                <a:cs typeface="Arial" panose="020B0604020202020204" pitchFamily="34" charset="0"/>
+              </a:rPr>
+              <a:t>54 batch</a:t>
+            </a:r>
+          </a:p>
+          <a:p>
+            <a:pPr algn="ctr"/>
+            <a:r>
+              <a:rPr lang="en-US" sz="2400" dirty="0">
+                <a:solidFill>
+                  <a:schemeClr val="bg1"/>
+                </a:solidFill>
+                <a:latin typeface="Arial" panose="020B0604020202020204" pitchFamily="34" charset="0"/>
+                <a:cs typeface="Arial" panose="020B0604020202020204" pitchFamily="34" charset="0"/>
+              </a:rPr>
+              <a:t>(train)</a:t>
+            </a:r>
+            <a:endParaRPr lang="vi-VN" sz="2400" dirty="0">
+              <a:solidFill>
+                <a:schemeClr val="bg1"/>
+              </a:solidFill>
+              <a:latin typeface="Arial" panose="020B0604020202020204" pitchFamily="34" charset="0"/>
+              <a:cs typeface="Arial" panose="020B0604020202020204" pitchFamily="34" charset="0"/>
+            </a:endParaRPr>
+          </a:p>
+        </p:txBody>
+      </p:sp>
+      <p:sp>
+        <p:nvSpPr>
+          <p:cNvPr id="18" name="Rectangle 17">
+            <a:extLst>
+              <a:ext uri="{FF2B5EF4-FFF2-40B4-BE49-F238E27FC236}">
+                <a16:creationId xmlns:a16="http://schemas.microsoft.com/office/drawing/2014/main" id="{D798257B-ACFA-4229-BAC1-82E75E129906}"/>
+              </a:ext>
+            </a:extLst>
+          </p:cNvPr>
+          <p:cNvSpPr/>
+          <p:nvPr/>
+        </p:nvSpPr>
+        <p:spPr>
+          <a:xfrm>
+            <a:off x="8238563" y="3649846"/>
+            <a:ext cx="1827774" cy="975938"/>
+          </a:xfrm>
+          <a:prstGeom prst="rect">
+            <a:avLst/>
+          </a:prstGeom>
+        </p:spPr>
+        <p:style>
+          <a:lnRef idx="2">
+            <a:schemeClr val="accent1">
+              <a:shade val="50000"/>
+            </a:schemeClr>
+          </a:lnRef>
+          <a:fillRef idx="1">
+            <a:schemeClr val="accent1"/>
+          </a:fillRef>
+          <a:effectRef idx="0">
+            <a:schemeClr val="accent1"/>
+          </a:effectRef>
+          <a:fontRef idx="minor">
+            <a:schemeClr val="lt1"/>
+          </a:fontRef>
+        </p:style>
+        <p:txBody>
+          <a:bodyPr rtlCol="0" anchor="ctr"/>
+          <a:lstStyle/>
+          <a:p>
+            <a:pPr algn="ctr"/>
+            <a:r>
+              <a:rPr lang="en-US" sz="2400" dirty="0">
+                <a:solidFill>
+                  <a:schemeClr val="bg1"/>
+                </a:solidFill>
+                <a:latin typeface="Arial" panose="020B0604020202020204" pitchFamily="34" charset="0"/>
+                <a:cs typeface="Arial" panose="020B0604020202020204" pitchFamily="34" charset="0"/>
+              </a:rPr>
+              <a:t>6 batch</a:t>
+            </a:r>
+          </a:p>
+          <a:p>
+            <a:pPr algn="ctr"/>
+            <a:r>
+              <a:rPr lang="en-US" sz="2400" dirty="0">
+                <a:solidFill>
+                  <a:schemeClr val="bg1"/>
+                </a:solidFill>
+                <a:latin typeface="Arial" panose="020B0604020202020204" pitchFamily="34" charset="0"/>
+                <a:cs typeface="Arial" panose="020B0604020202020204" pitchFamily="34" charset="0"/>
+              </a:rPr>
+              <a:t>(validation)</a:t>
+            </a:r>
+            <a:endParaRPr lang="vi-VN" sz="2400" dirty="0">
+              <a:solidFill>
+                <a:schemeClr val="bg1"/>
+              </a:solidFill>
+              <a:latin typeface="Arial" panose="020B0604020202020204" pitchFamily="34" charset="0"/>
+              <a:cs typeface="Arial" panose="020B0604020202020204" pitchFamily="34" charset="0"/>
+            </a:endParaRPr>
+          </a:p>
+        </p:txBody>
+      </p:sp>
+      <p:sp>
+        <p:nvSpPr>
+          <p:cNvPr id="19" name="Rectangle 18">
+            <a:extLst>
+              <a:ext uri="{FF2B5EF4-FFF2-40B4-BE49-F238E27FC236}">
+                <a16:creationId xmlns:a16="http://schemas.microsoft.com/office/drawing/2014/main" id="{5A5E357E-5498-4428-B321-EE7E88A86849}"/>
+              </a:ext>
+            </a:extLst>
+          </p:cNvPr>
+          <p:cNvSpPr/>
+          <p:nvPr/>
+        </p:nvSpPr>
+        <p:spPr>
+          <a:xfrm>
+            <a:off x="8238563" y="4872336"/>
+            <a:ext cx="1827773" cy="1082424"/>
+          </a:xfrm>
+          <a:prstGeom prst="rect">
+            <a:avLst/>
+          </a:prstGeom>
+        </p:spPr>
+        <p:style>
+          <a:lnRef idx="2">
+            <a:schemeClr val="accent1">
+              <a:shade val="50000"/>
+            </a:schemeClr>
+          </a:lnRef>
+          <a:fillRef idx="1">
+            <a:schemeClr val="accent1"/>
+          </a:fillRef>
+          <a:effectRef idx="0">
+            <a:schemeClr val="accent1"/>
+          </a:effectRef>
+          <a:fontRef idx="minor">
+            <a:schemeClr val="lt1"/>
+          </a:fontRef>
+        </p:style>
+        <p:txBody>
+          <a:bodyPr rtlCol="0" anchor="ctr"/>
+          <a:lstStyle/>
+          <a:p>
+            <a:pPr algn="ctr"/>
+            <a:r>
+              <a:rPr lang="en-US" sz="2400" dirty="0">
+                <a:solidFill>
+                  <a:schemeClr val="bg1"/>
+                </a:solidFill>
+                <a:latin typeface="Arial" panose="020B0604020202020204" pitchFamily="34" charset="0"/>
+                <a:cs typeface="Arial" panose="020B0604020202020204" pitchFamily="34" charset="0"/>
+              </a:rPr>
+              <a:t>8 batch</a:t>
+            </a:r>
+          </a:p>
+          <a:p>
+            <a:pPr algn="ctr"/>
+            <a:r>
+              <a:rPr lang="en-US" sz="2400" dirty="0">
+                <a:solidFill>
+                  <a:schemeClr val="bg1"/>
+                </a:solidFill>
+                <a:latin typeface="Arial" panose="020B0604020202020204" pitchFamily="34" charset="0"/>
+                <a:cs typeface="Arial" panose="020B0604020202020204" pitchFamily="34" charset="0"/>
+              </a:rPr>
+              <a:t>(test)</a:t>
+            </a:r>
+            <a:endParaRPr lang="vi-VN" sz="2400" dirty="0">
+              <a:solidFill>
+                <a:schemeClr val="bg1"/>
+              </a:solidFill>
+              <a:latin typeface="Arial" panose="020B0604020202020204" pitchFamily="34" charset="0"/>
+              <a:cs typeface="Arial" panose="020B0604020202020204" pitchFamily="34" charset="0"/>
+            </a:endParaRPr>
+          </a:p>
+        </p:txBody>
+      </p:sp>
+      <p:cxnSp>
+        <p:nvCxnSpPr>
+          <p:cNvPr id="21" name="Straight Arrow Connector 20">
+            <a:extLst>
+              <a:ext uri="{FF2B5EF4-FFF2-40B4-BE49-F238E27FC236}">
+                <a16:creationId xmlns:a16="http://schemas.microsoft.com/office/drawing/2014/main" id="{FAD0156D-AD60-4A36-99C2-89BCF912471F}"/>
+              </a:ext>
+            </a:extLst>
+          </p:cNvPr>
+          <p:cNvCxnSpPr>
+            <a:cxnSpLocks/>
+            <a:stCxn id="9" idx="3"/>
+            <a:endCxn id="17" idx="1"/>
+          </p:cNvCxnSpPr>
+          <p:nvPr/>
+        </p:nvCxnSpPr>
+        <p:spPr>
+          <a:xfrm flipV="1">
+            <a:off x="5951047" y="2663862"/>
+            <a:ext cx="2235782" cy="1455420"/>
+          </a:xfrm>
+          <a:prstGeom prst="straightConnector1">
+            <a:avLst/>
+          </a:prstGeom>
+          <a:ln>
+            <a:tailEnd type="triangle"/>
+          </a:ln>
+        </p:spPr>
+        <p:style>
+          <a:lnRef idx="1">
+            <a:schemeClr val="accent1"/>
+          </a:lnRef>
+          <a:fillRef idx="0">
+            <a:schemeClr val="accent1"/>
+          </a:fillRef>
+          <a:effectRef idx="0">
+            <a:schemeClr val="accent1"/>
+          </a:effectRef>
+          <a:fontRef idx="minor">
+            <a:schemeClr val="tx1"/>
+          </a:fontRef>
+        </p:style>
+      </p:cxnSp>
+      <p:cxnSp>
+        <p:nvCxnSpPr>
+          <p:cNvPr id="23" name="Straight Arrow Connector 22">
+            <a:extLst>
+              <a:ext uri="{FF2B5EF4-FFF2-40B4-BE49-F238E27FC236}">
+                <a16:creationId xmlns:a16="http://schemas.microsoft.com/office/drawing/2014/main" id="{09B89125-D48B-41B7-B0CC-80F938BFD0E5}"/>
+              </a:ext>
+            </a:extLst>
+          </p:cNvPr>
+          <p:cNvCxnSpPr>
+            <a:cxnSpLocks/>
+            <a:stCxn id="9" idx="3"/>
+            <a:endCxn id="18" idx="1"/>
+          </p:cNvCxnSpPr>
+          <p:nvPr/>
+        </p:nvCxnSpPr>
+        <p:spPr>
+          <a:xfrm>
+            <a:off x="5951047" y="4119282"/>
+            <a:ext cx="2287516" cy="18533"/>
+          </a:xfrm>
+          <a:prstGeom prst="straightConnector1">
+            <a:avLst/>
+          </a:prstGeom>
+          <a:ln>
+            <a:tailEnd type="triangle"/>
+          </a:ln>
+        </p:spPr>
+        <p:style>
+          <a:lnRef idx="1">
+            <a:schemeClr val="accent1"/>
+          </a:lnRef>
+          <a:fillRef idx="0">
+            <a:schemeClr val="accent1"/>
+          </a:fillRef>
+          <a:effectRef idx="0">
+            <a:schemeClr val="accent1"/>
+          </a:effectRef>
+          <a:fontRef idx="minor">
+            <a:schemeClr val="tx1"/>
+          </a:fontRef>
+        </p:style>
+      </p:cxnSp>
+      <p:cxnSp>
+        <p:nvCxnSpPr>
+          <p:cNvPr id="25" name="Straight Arrow Connector 24">
+            <a:extLst>
+              <a:ext uri="{FF2B5EF4-FFF2-40B4-BE49-F238E27FC236}">
+                <a16:creationId xmlns:a16="http://schemas.microsoft.com/office/drawing/2014/main" id="{07E892B9-E838-48FC-955D-2E69B26C816B}"/>
+              </a:ext>
+            </a:extLst>
+          </p:cNvPr>
+          <p:cNvCxnSpPr>
+            <a:cxnSpLocks/>
+            <a:stCxn id="9" idx="3"/>
+            <a:endCxn id="19" idx="1"/>
+          </p:cNvCxnSpPr>
+          <p:nvPr/>
+        </p:nvCxnSpPr>
+        <p:spPr>
+          <a:xfrm>
+            <a:off x="5951047" y="4119282"/>
+            <a:ext cx="2287516" cy="1294266"/>
+          </a:xfrm>
+          <a:prstGeom prst="straightConnector1">
+            <a:avLst/>
+          </a:prstGeom>
+          <a:ln>
+            <a:tailEnd type="triangle"/>
+          </a:ln>
+        </p:spPr>
+        <p:style>
+          <a:lnRef idx="1">
+            <a:schemeClr val="accent1"/>
+          </a:lnRef>
+          <a:fillRef idx="0">
+            <a:schemeClr val="accent1"/>
+          </a:fillRef>
+          <a:effectRef idx="0">
+            <a:schemeClr val="accent1"/>
+          </a:effectRef>
+          <a:fontRef idx="minor">
+            <a:schemeClr val="tx1"/>
+          </a:fontRef>
+        </p:style>
+      </p:cxnSp>
+      <p:sp>
+        <p:nvSpPr>
+          <p:cNvPr id="54" name="TextBox 53">
+            <a:extLst>
+              <a:ext uri="{FF2B5EF4-FFF2-40B4-BE49-F238E27FC236}">
+                <a16:creationId xmlns:a16="http://schemas.microsoft.com/office/drawing/2014/main" id="{C4CA10E5-B383-4894-8CBA-34B8910088E9}"/>
+              </a:ext>
+            </a:extLst>
+          </p:cNvPr>
+          <p:cNvSpPr txBox="1"/>
+          <p:nvPr/>
+        </p:nvSpPr>
+        <p:spPr>
+          <a:xfrm>
+            <a:off x="2610003" y="3723057"/>
+            <a:ext cx="1631085" cy="369332"/>
+          </a:xfrm>
+          <a:prstGeom prst="rect">
+            <a:avLst/>
+          </a:prstGeom>
+          <a:noFill/>
+        </p:spPr>
+        <p:txBody>
+          <a:bodyPr wrap="square" rtlCol="0">
+            <a:spAutoFit/>
+          </a:bodyPr>
+          <a:lstStyle/>
+          <a:p>
+            <a:r>
+              <a:rPr lang="en-US" dirty="0">
+                <a:solidFill>
+                  <a:schemeClr val="bg1"/>
+                </a:solidFill>
+                <a:latin typeface="Arial" panose="020B0604020202020204" pitchFamily="34" charset="0"/>
+                <a:cs typeface="Arial" panose="020B0604020202020204" pitchFamily="34" charset="0"/>
+              </a:rPr>
+              <a:t>batch size=32</a:t>
+            </a:r>
+            <a:endParaRPr lang="vi-VN" dirty="0">
+              <a:solidFill>
+                <a:schemeClr val="bg1"/>
+              </a:solidFill>
+              <a:latin typeface="Arial" panose="020B0604020202020204" pitchFamily="34" charset="0"/>
+              <a:cs typeface="Arial" panose="020B0604020202020204" pitchFamily="34" charset="0"/>
+            </a:endParaRPr>
+          </a:p>
+        </p:txBody>
+      </p:sp>
+      <p:sp>
+        <p:nvSpPr>
+          <p:cNvPr id="59" name="TextBox 58">
+            <a:extLst>
+              <a:ext uri="{FF2B5EF4-FFF2-40B4-BE49-F238E27FC236}">
+                <a16:creationId xmlns:a16="http://schemas.microsoft.com/office/drawing/2014/main" id="{385DC563-A53F-43A1-8B82-64DD181E23FD}"/>
+              </a:ext>
+            </a:extLst>
+          </p:cNvPr>
+          <p:cNvSpPr txBox="1"/>
+          <p:nvPr/>
+        </p:nvSpPr>
+        <p:spPr>
+          <a:xfrm>
+            <a:off x="6672571" y="2916499"/>
+            <a:ext cx="844467" cy="369332"/>
+          </a:xfrm>
+          <a:prstGeom prst="rect">
+            <a:avLst/>
+          </a:prstGeom>
+          <a:noFill/>
+        </p:spPr>
+        <p:txBody>
+          <a:bodyPr wrap="square" rtlCol="0">
+            <a:spAutoFit/>
+          </a:bodyPr>
+          <a:lstStyle/>
+          <a:p>
+            <a:r>
+              <a:rPr lang="en-US" dirty="0">
+                <a:solidFill>
+                  <a:schemeClr val="bg1"/>
+                </a:solidFill>
+                <a:latin typeface="Arial" panose="020B0604020202020204" pitchFamily="34" charset="0"/>
+                <a:cs typeface="Arial" panose="020B0604020202020204" pitchFamily="34" charset="0"/>
+              </a:rPr>
+              <a:t>80%</a:t>
+            </a:r>
+            <a:endParaRPr lang="vi-VN" dirty="0">
+              <a:solidFill>
+                <a:schemeClr val="bg1"/>
+              </a:solidFill>
+              <a:latin typeface="Arial" panose="020B0604020202020204" pitchFamily="34" charset="0"/>
+              <a:cs typeface="Arial" panose="020B0604020202020204" pitchFamily="34" charset="0"/>
+            </a:endParaRPr>
+          </a:p>
+        </p:txBody>
+      </p:sp>
+      <p:sp>
+        <p:nvSpPr>
+          <p:cNvPr id="60" name="TextBox 59">
+            <a:extLst>
+              <a:ext uri="{FF2B5EF4-FFF2-40B4-BE49-F238E27FC236}">
+                <a16:creationId xmlns:a16="http://schemas.microsoft.com/office/drawing/2014/main" id="{DE96B1FB-FFC8-4B44-A67A-490C200CF83F}"/>
+              </a:ext>
+            </a:extLst>
+          </p:cNvPr>
+          <p:cNvSpPr txBox="1"/>
+          <p:nvPr/>
+        </p:nvSpPr>
+        <p:spPr>
+          <a:xfrm>
+            <a:off x="6750843" y="3749688"/>
+            <a:ext cx="844467" cy="369332"/>
+          </a:xfrm>
+          <a:prstGeom prst="rect">
+            <a:avLst/>
+          </a:prstGeom>
+          <a:noFill/>
+        </p:spPr>
+        <p:txBody>
+          <a:bodyPr wrap="square" rtlCol="0">
+            <a:spAutoFit/>
+          </a:bodyPr>
+          <a:lstStyle/>
+          <a:p>
+            <a:r>
+              <a:rPr lang="en-US" dirty="0">
+                <a:solidFill>
+                  <a:schemeClr val="bg1"/>
+                </a:solidFill>
+                <a:latin typeface="Arial" panose="020B0604020202020204" pitchFamily="34" charset="0"/>
+                <a:cs typeface="Arial" panose="020B0604020202020204" pitchFamily="34" charset="0"/>
+              </a:rPr>
+              <a:t>10%</a:t>
+            </a:r>
+            <a:endParaRPr lang="vi-VN" dirty="0">
+              <a:solidFill>
+                <a:schemeClr val="bg1"/>
+              </a:solidFill>
+              <a:latin typeface="Arial" panose="020B0604020202020204" pitchFamily="34" charset="0"/>
+              <a:cs typeface="Arial" panose="020B0604020202020204" pitchFamily="34" charset="0"/>
+            </a:endParaRPr>
+          </a:p>
+        </p:txBody>
+      </p:sp>
+      <p:sp>
+        <p:nvSpPr>
+          <p:cNvPr id="61" name="TextBox 60">
+            <a:extLst>
+              <a:ext uri="{FF2B5EF4-FFF2-40B4-BE49-F238E27FC236}">
+                <a16:creationId xmlns:a16="http://schemas.microsoft.com/office/drawing/2014/main" id="{B708EF08-F3F8-4257-922B-496329BD1788}"/>
+              </a:ext>
+            </a:extLst>
+          </p:cNvPr>
+          <p:cNvSpPr txBox="1"/>
+          <p:nvPr/>
+        </p:nvSpPr>
+        <p:spPr>
+          <a:xfrm>
+            <a:off x="6643636" y="4820512"/>
+            <a:ext cx="844467" cy="369332"/>
+          </a:xfrm>
+          <a:prstGeom prst="rect">
+            <a:avLst/>
+          </a:prstGeom>
+          <a:noFill/>
+        </p:spPr>
+        <p:txBody>
+          <a:bodyPr wrap="square" rtlCol="0">
+            <a:spAutoFit/>
+          </a:bodyPr>
+          <a:lstStyle/>
+          <a:p>
+            <a:r>
+              <a:rPr lang="en-US" dirty="0">
+                <a:solidFill>
+                  <a:schemeClr val="bg1"/>
+                </a:solidFill>
+                <a:latin typeface="Arial" panose="020B0604020202020204" pitchFamily="34" charset="0"/>
+                <a:cs typeface="Arial" panose="020B0604020202020204" pitchFamily="34" charset="0"/>
+              </a:rPr>
+              <a:t>10%</a:t>
+            </a:r>
+            <a:endParaRPr lang="vi-VN" dirty="0">
+              <a:solidFill>
+                <a:schemeClr val="bg1"/>
+              </a:solidFill>
+              <a:latin typeface="Arial" panose="020B0604020202020204" pitchFamily="34" charset="0"/>
+              <a:cs typeface="Arial" panose="020B0604020202020204" pitchFamily="34" charset="0"/>
+            </a:endParaRPr>
+          </a:p>
+        </p:txBody>
+      </p:sp>
     </p:spTree>
     <p:extLst>
       <p:ext uri="{BB962C8B-B14F-4D97-AF65-F5344CB8AC3E}">
         <p14:creationId xmlns:p14="http://schemas.microsoft.com/office/powerpoint/2010/main" val="888484295"/>
+      </p:ext>
+    </p:extLst>
+  </p:cSld>
+  <p:clrMapOvr>
+    <a:masterClrMapping/>
+  </p:clrMapOvr>
+</p:sld>
+</file>
+
+<file path=ppt/slides/slide14.xml><?xml version="1.0" encoding="utf-8"?>
+<p:sld xmlns:a="http://schemas.openxmlformats.org/drawingml/2006/main" xmlns:r="http://schemas.openxmlformats.org/officeDocument/2006/relationships" xmlns:p="http://schemas.openxmlformats.org/presentationml/2006/main">
+  <p:cSld>
+    <p:spTree>
+      <p:nvGrpSpPr>
+        <p:cNvPr id="1" name=""/>
+        <p:cNvGrpSpPr/>
+        <p:nvPr/>
+      </p:nvGrpSpPr>
+      <p:grpSpPr>
+        <a:xfrm>
+          <a:off x="0" y="0"/>
+          <a:ext cx="0" cy="0"/>
+          <a:chOff x="0" y="0"/>
+          <a:chExt cx="0" cy="0"/>
+        </a:xfrm>
+      </p:grpSpPr>
+      <p:sp>
+        <p:nvSpPr>
+          <p:cNvPr id="2" name="Title 1">
+            <a:extLst>
+              <a:ext uri="{FF2B5EF4-FFF2-40B4-BE49-F238E27FC236}">
+                <a16:creationId xmlns:a16="http://schemas.microsoft.com/office/drawing/2014/main" id="{805346ED-721D-85EE-2F1B-A31D0912DE29}"/>
+              </a:ext>
+            </a:extLst>
+          </p:cNvPr>
+          <p:cNvSpPr>
+            <a:spLocks noGrp="1"/>
+          </p:cNvSpPr>
+          <p:nvPr>
+            <p:ph type="title"/>
+          </p:nvPr>
+        </p:nvSpPr>
+        <p:spPr>
+          <a:xfrm>
+            <a:off x="594360" y="116764"/>
+            <a:ext cx="9778365" cy="761777"/>
+          </a:xfrm>
+        </p:spPr>
+        <p:txBody>
+          <a:bodyPr/>
+          <a:lstStyle/>
+          <a:p>
+            <a:r>
+              <a:rPr lang="en-US" dirty="0" err="1">
+                <a:latin typeface="Arial" panose="020B0604020202020204" pitchFamily="34" charset="0"/>
+                <a:cs typeface="Arial" panose="020B0604020202020204" pitchFamily="34" charset="0"/>
+              </a:rPr>
+              <a:t>Tiền</a:t>
+            </a:r>
+            <a:r>
+              <a:rPr lang="en-US" dirty="0">
+                <a:latin typeface="Arial" panose="020B0604020202020204" pitchFamily="34" charset="0"/>
+                <a:cs typeface="Arial" panose="020B0604020202020204" pitchFamily="34" charset="0"/>
+              </a:rPr>
+              <a:t> </a:t>
+            </a:r>
+            <a:r>
+              <a:rPr lang="en-US" dirty="0" err="1">
+                <a:latin typeface="Arial" panose="020B0604020202020204" pitchFamily="34" charset="0"/>
+                <a:cs typeface="Arial" panose="020B0604020202020204" pitchFamily="34" charset="0"/>
+              </a:rPr>
+              <a:t>xử</a:t>
+            </a:r>
+            <a:r>
+              <a:rPr lang="en-US" dirty="0">
+                <a:latin typeface="Arial" panose="020B0604020202020204" pitchFamily="34" charset="0"/>
+                <a:cs typeface="Arial" panose="020B0604020202020204" pitchFamily="34" charset="0"/>
+              </a:rPr>
+              <a:t> </a:t>
+            </a:r>
+            <a:r>
+              <a:rPr lang="en-US" dirty="0" err="1">
+                <a:latin typeface="Arial" panose="020B0604020202020204" pitchFamily="34" charset="0"/>
+                <a:cs typeface="Arial" panose="020B0604020202020204" pitchFamily="34" charset="0"/>
+              </a:rPr>
+              <a:t>lý</a:t>
+            </a:r>
+            <a:r>
+              <a:rPr lang="en-US" dirty="0">
+                <a:latin typeface="Arial" panose="020B0604020202020204" pitchFamily="34" charset="0"/>
+                <a:cs typeface="Arial" panose="020B0604020202020204" pitchFamily="34" charset="0"/>
+              </a:rPr>
+              <a:t> </a:t>
+            </a:r>
+            <a:r>
+              <a:rPr lang="en-US" dirty="0" err="1">
+                <a:latin typeface="Arial" panose="020B0604020202020204" pitchFamily="34" charset="0"/>
+                <a:cs typeface="Arial" panose="020B0604020202020204" pitchFamily="34" charset="0"/>
+              </a:rPr>
+              <a:t>dữ</a:t>
+            </a:r>
+            <a:r>
+              <a:rPr lang="en-US" dirty="0">
+                <a:latin typeface="Arial" panose="020B0604020202020204" pitchFamily="34" charset="0"/>
+                <a:cs typeface="Arial" panose="020B0604020202020204" pitchFamily="34" charset="0"/>
+              </a:rPr>
+              <a:t> </a:t>
+            </a:r>
+            <a:r>
+              <a:rPr lang="en-US" dirty="0" err="1">
+                <a:latin typeface="Arial" panose="020B0604020202020204" pitchFamily="34" charset="0"/>
+                <a:cs typeface="Arial" panose="020B0604020202020204" pitchFamily="34" charset="0"/>
+              </a:rPr>
+              <a:t>liệu</a:t>
+            </a:r>
+            <a:endParaRPr lang="en-US" dirty="0">
+              <a:latin typeface="Arial" panose="020B0604020202020204" pitchFamily="34" charset="0"/>
+              <a:cs typeface="Arial" panose="020B0604020202020204" pitchFamily="34" charset="0"/>
+            </a:endParaRPr>
+          </a:p>
+        </p:txBody>
+      </p:sp>
+      <p:pic>
+        <p:nvPicPr>
+          <p:cNvPr id="7" name="Graphic 6" descr="Back with solid fill">
+            <a:hlinkClick r:id="rId3" action="ppaction://hlinksldjump"/>
+            <a:extLst>
+              <a:ext uri="{FF2B5EF4-FFF2-40B4-BE49-F238E27FC236}">
+                <a16:creationId xmlns:a16="http://schemas.microsoft.com/office/drawing/2014/main" id="{2B522807-44C6-408D-86E3-9F384174D1A4}"/>
+              </a:ext>
+            </a:extLst>
+          </p:cNvPr>
+          <p:cNvPicPr>
+            <a:picLocks noChangeAspect="1"/>
+          </p:cNvPicPr>
+          <p:nvPr/>
+        </p:nvPicPr>
+        <p:blipFill>
+          <a:blip r:embed="rId4">
+            <a:extLst>
+              <a:ext uri="{28A0092B-C50C-407E-A947-70E740481C1C}">
+                <a14:useLocalDpi xmlns:a14="http://schemas.microsoft.com/office/drawing/2010/main" val="0"/>
+              </a:ext>
+              <a:ext uri="{96DAC541-7B7A-43D3-8B79-37D633B846F1}">
+                <asvg:svgBlip xmlns:asvg="http://schemas.microsoft.com/office/drawing/2016/SVG/main" r:embed="rId5"/>
+              </a:ext>
+            </a:extLst>
+          </a:blip>
+          <a:stretch>
+            <a:fillRect/>
+          </a:stretch>
+        </p:blipFill>
+        <p:spPr>
+          <a:xfrm>
+            <a:off x="773019" y="5883043"/>
+            <a:ext cx="604894" cy="604894"/>
+          </a:xfrm>
+          <a:prstGeom prst="rect">
+            <a:avLst/>
+          </a:prstGeom>
+        </p:spPr>
+      </p:pic>
+      <p:sp>
+        <p:nvSpPr>
+          <p:cNvPr id="5" name="TextBox 4">
+            <a:extLst>
+              <a:ext uri="{FF2B5EF4-FFF2-40B4-BE49-F238E27FC236}">
+                <a16:creationId xmlns:a16="http://schemas.microsoft.com/office/drawing/2014/main" id="{74A9FABA-80AF-418A-90BE-E3EAF78EF560}"/>
+              </a:ext>
+            </a:extLst>
+          </p:cNvPr>
+          <p:cNvSpPr txBox="1"/>
+          <p:nvPr/>
+        </p:nvSpPr>
+        <p:spPr>
+          <a:xfrm>
+            <a:off x="594360" y="1004047"/>
+            <a:ext cx="10118464" cy="1200329"/>
+          </a:xfrm>
+          <a:prstGeom prst="rect">
+            <a:avLst/>
+          </a:prstGeom>
+          <a:noFill/>
+        </p:spPr>
+        <p:txBody>
+          <a:bodyPr wrap="square" rtlCol="0">
+            <a:spAutoFit/>
+          </a:bodyPr>
+          <a:lstStyle/>
+          <a:p>
+            <a:r>
+              <a:rPr lang="en-US" sz="2400" b="1" dirty="0">
+                <a:solidFill>
+                  <a:schemeClr val="bg1"/>
+                </a:solidFill>
+                <a:latin typeface="Arial" panose="020B0604020202020204" pitchFamily="34" charset="0"/>
+                <a:cs typeface="Arial" panose="020B0604020202020204" pitchFamily="34" charset="0"/>
+              </a:rPr>
+              <a:t>Resizing</a:t>
+            </a:r>
+            <a:r>
+              <a:rPr lang="en-US" sz="2400" dirty="0">
+                <a:solidFill>
+                  <a:schemeClr val="bg1"/>
+                </a:solidFill>
+                <a:latin typeface="Arial" panose="020B0604020202020204" pitchFamily="34" charset="0"/>
+                <a:cs typeface="Arial" panose="020B0604020202020204" pitchFamily="34" charset="0"/>
+              </a:rPr>
+              <a:t>: </a:t>
+            </a:r>
+            <a:r>
+              <a:rPr lang="en-US" sz="2400" dirty="0" err="1">
+                <a:solidFill>
+                  <a:schemeClr val="bg1"/>
+                </a:solidFill>
+                <a:latin typeface="Arial" panose="020B0604020202020204" pitchFamily="34" charset="0"/>
+                <a:cs typeface="Arial" panose="020B0604020202020204" pitchFamily="34" charset="0"/>
+              </a:rPr>
+              <a:t>chuẩn</a:t>
+            </a:r>
+            <a:r>
+              <a:rPr lang="en-US" sz="2400" dirty="0">
+                <a:solidFill>
+                  <a:schemeClr val="bg1"/>
+                </a:solidFill>
+                <a:latin typeface="Arial" panose="020B0604020202020204" pitchFamily="34" charset="0"/>
+                <a:cs typeface="Arial" panose="020B0604020202020204" pitchFamily="34" charset="0"/>
+              </a:rPr>
+              <a:t> </a:t>
+            </a:r>
+            <a:r>
+              <a:rPr lang="en-US" sz="2400" dirty="0" err="1">
+                <a:solidFill>
+                  <a:schemeClr val="bg1"/>
+                </a:solidFill>
+                <a:latin typeface="Arial" panose="020B0604020202020204" pitchFamily="34" charset="0"/>
+                <a:cs typeface="Arial" panose="020B0604020202020204" pitchFamily="34" charset="0"/>
+              </a:rPr>
+              <a:t>hóa</a:t>
+            </a:r>
+            <a:r>
+              <a:rPr lang="en-US" sz="2400" dirty="0">
+                <a:solidFill>
+                  <a:schemeClr val="bg1"/>
+                </a:solidFill>
+                <a:latin typeface="Arial" panose="020B0604020202020204" pitchFamily="34" charset="0"/>
+                <a:cs typeface="Arial" panose="020B0604020202020204" pitchFamily="34" charset="0"/>
+              </a:rPr>
+              <a:t> </a:t>
+            </a:r>
+            <a:r>
+              <a:rPr lang="en-US" sz="2400" dirty="0" err="1">
+                <a:solidFill>
+                  <a:schemeClr val="bg1"/>
+                </a:solidFill>
+                <a:latin typeface="Arial" panose="020B0604020202020204" pitchFamily="34" charset="0"/>
+                <a:cs typeface="Arial" panose="020B0604020202020204" pitchFamily="34" charset="0"/>
+              </a:rPr>
+              <a:t>kích</a:t>
+            </a:r>
+            <a:r>
+              <a:rPr lang="en-US" sz="2400" dirty="0">
+                <a:solidFill>
+                  <a:schemeClr val="bg1"/>
+                </a:solidFill>
+                <a:latin typeface="Arial" panose="020B0604020202020204" pitchFamily="34" charset="0"/>
+                <a:cs typeface="Arial" panose="020B0604020202020204" pitchFamily="34" charset="0"/>
+              </a:rPr>
+              <a:t> </a:t>
+            </a:r>
+            <a:r>
+              <a:rPr lang="en-US" sz="2400" dirty="0" err="1">
+                <a:solidFill>
+                  <a:schemeClr val="bg1"/>
+                </a:solidFill>
+                <a:latin typeface="Arial" panose="020B0604020202020204" pitchFamily="34" charset="0"/>
+                <a:cs typeface="Arial" panose="020B0604020202020204" pitchFamily="34" charset="0"/>
+              </a:rPr>
+              <a:t>thước</a:t>
+            </a:r>
+            <a:r>
+              <a:rPr lang="en-US" sz="2400" dirty="0">
+                <a:solidFill>
+                  <a:schemeClr val="bg1"/>
+                </a:solidFill>
+                <a:latin typeface="Arial" panose="020B0604020202020204" pitchFamily="34" charset="0"/>
+                <a:cs typeface="Arial" panose="020B0604020202020204" pitchFamily="34" charset="0"/>
+              </a:rPr>
+              <a:t> </a:t>
+            </a:r>
+            <a:r>
+              <a:rPr lang="en-US" sz="2400" dirty="0" err="1">
+                <a:solidFill>
+                  <a:schemeClr val="bg1"/>
+                </a:solidFill>
+                <a:latin typeface="Arial" panose="020B0604020202020204" pitchFamily="34" charset="0"/>
+                <a:cs typeface="Arial" panose="020B0604020202020204" pitchFamily="34" charset="0"/>
+              </a:rPr>
+              <a:t>hình</a:t>
+            </a:r>
+            <a:r>
+              <a:rPr lang="en-US" sz="2400" dirty="0">
+                <a:solidFill>
+                  <a:schemeClr val="bg1"/>
+                </a:solidFill>
+                <a:latin typeface="Arial" panose="020B0604020202020204" pitchFamily="34" charset="0"/>
+                <a:cs typeface="Arial" panose="020B0604020202020204" pitchFamily="34" charset="0"/>
+              </a:rPr>
+              <a:t> </a:t>
+            </a:r>
+            <a:r>
+              <a:rPr lang="en-US" sz="2400" dirty="0" err="1">
+                <a:solidFill>
+                  <a:schemeClr val="bg1"/>
+                </a:solidFill>
+                <a:latin typeface="Arial" panose="020B0604020202020204" pitchFamily="34" charset="0"/>
+                <a:cs typeface="Arial" panose="020B0604020202020204" pitchFamily="34" charset="0"/>
+              </a:rPr>
+              <a:t>ảnh</a:t>
+            </a:r>
+            <a:endParaRPr lang="en-US" sz="2400" dirty="0">
+              <a:solidFill>
+                <a:schemeClr val="bg1"/>
+              </a:solidFill>
+              <a:latin typeface="Arial" panose="020B0604020202020204" pitchFamily="34" charset="0"/>
+              <a:cs typeface="Arial" panose="020B0604020202020204" pitchFamily="34" charset="0"/>
+            </a:endParaRPr>
+          </a:p>
+          <a:p>
+            <a:r>
+              <a:rPr lang="en-US" sz="2400" b="1" dirty="0">
+                <a:solidFill>
+                  <a:schemeClr val="bg1"/>
+                </a:solidFill>
+                <a:latin typeface="Arial" panose="020B0604020202020204" pitchFamily="34" charset="0"/>
+                <a:cs typeface="Arial" panose="020B0604020202020204" pitchFamily="34" charset="0"/>
+              </a:rPr>
+              <a:t>Rescaling</a:t>
+            </a:r>
+            <a:r>
+              <a:rPr lang="en-US" sz="2400" dirty="0">
+                <a:solidFill>
+                  <a:schemeClr val="bg1"/>
+                </a:solidFill>
+                <a:latin typeface="Arial" panose="020B0604020202020204" pitchFamily="34" charset="0"/>
+                <a:cs typeface="Arial" panose="020B0604020202020204" pitchFamily="34" charset="0"/>
+              </a:rPr>
+              <a:t>: </a:t>
+            </a:r>
+            <a:r>
+              <a:rPr lang="en-US" sz="2400" dirty="0" err="1">
+                <a:solidFill>
+                  <a:schemeClr val="bg1"/>
+                </a:solidFill>
+                <a:latin typeface="Arial" panose="020B0604020202020204" pitchFamily="34" charset="0"/>
+                <a:cs typeface="Arial" panose="020B0604020202020204" pitchFamily="34" charset="0"/>
+              </a:rPr>
+              <a:t>chuẩn</a:t>
+            </a:r>
+            <a:r>
+              <a:rPr lang="en-US" sz="2400" dirty="0">
+                <a:solidFill>
+                  <a:schemeClr val="bg1"/>
+                </a:solidFill>
+                <a:latin typeface="Arial" panose="020B0604020202020204" pitchFamily="34" charset="0"/>
+                <a:cs typeface="Arial" panose="020B0604020202020204" pitchFamily="34" charset="0"/>
+              </a:rPr>
+              <a:t> </a:t>
+            </a:r>
+            <a:r>
+              <a:rPr lang="en-US" sz="2400" dirty="0" err="1">
+                <a:solidFill>
+                  <a:schemeClr val="bg1"/>
+                </a:solidFill>
+                <a:latin typeface="Arial" panose="020B0604020202020204" pitchFamily="34" charset="0"/>
+                <a:cs typeface="Arial" panose="020B0604020202020204" pitchFamily="34" charset="0"/>
+              </a:rPr>
+              <a:t>hóa</a:t>
+            </a:r>
+            <a:r>
+              <a:rPr lang="en-US" sz="2400" dirty="0">
+                <a:solidFill>
+                  <a:schemeClr val="bg1"/>
+                </a:solidFill>
+                <a:latin typeface="Arial" panose="020B0604020202020204" pitchFamily="34" charset="0"/>
+                <a:cs typeface="Arial" panose="020B0604020202020204" pitchFamily="34" charset="0"/>
+              </a:rPr>
+              <a:t> </a:t>
+            </a:r>
+            <a:r>
+              <a:rPr lang="en-US" sz="2400" dirty="0" err="1">
+                <a:solidFill>
+                  <a:schemeClr val="bg1"/>
+                </a:solidFill>
+                <a:latin typeface="Arial" panose="020B0604020202020204" pitchFamily="34" charset="0"/>
+                <a:cs typeface="Arial" panose="020B0604020202020204" pitchFamily="34" charset="0"/>
+              </a:rPr>
+              <a:t>giá</a:t>
+            </a:r>
+            <a:r>
+              <a:rPr lang="en-US" sz="2400" dirty="0">
+                <a:solidFill>
+                  <a:schemeClr val="bg1"/>
+                </a:solidFill>
+                <a:latin typeface="Arial" panose="020B0604020202020204" pitchFamily="34" charset="0"/>
+                <a:cs typeface="Arial" panose="020B0604020202020204" pitchFamily="34" charset="0"/>
+              </a:rPr>
+              <a:t> </a:t>
+            </a:r>
+            <a:r>
+              <a:rPr lang="en-US" sz="2400" dirty="0" err="1">
+                <a:solidFill>
+                  <a:schemeClr val="bg1"/>
+                </a:solidFill>
+                <a:latin typeface="Arial" panose="020B0604020202020204" pitchFamily="34" charset="0"/>
+                <a:cs typeface="Arial" panose="020B0604020202020204" pitchFamily="34" charset="0"/>
+              </a:rPr>
+              <a:t>trị</a:t>
+            </a:r>
+            <a:r>
+              <a:rPr lang="en-US" sz="2400" dirty="0">
+                <a:solidFill>
+                  <a:schemeClr val="bg1"/>
+                </a:solidFill>
+                <a:latin typeface="Arial" panose="020B0604020202020204" pitchFamily="34" charset="0"/>
+                <a:cs typeface="Arial" panose="020B0604020202020204" pitchFamily="34" charset="0"/>
+              </a:rPr>
+              <a:t> </a:t>
+            </a:r>
+            <a:r>
+              <a:rPr lang="en-US" sz="2400" dirty="0" err="1">
+                <a:solidFill>
+                  <a:schemeClr val="bg1"/>
+                </a:solidFill>
+                <a:latin typeface="Arial" panose="020B0604020202020204" pitchFamily="34" charset="0"/>
+                <a:cs typeface="Arial" panose="020B0604020202020204" pitchFamily="34" charset="0"/>
+              </a:rPr>
+              <a:t>điểm</a:t>
+            </a:r>
+            <a:r>
+              <a:rPr lang="en-US" sz="2400" dirty="0">
+                <a:solidFill>
+                  <a:schemeClr val="bg1"/>
+                </a:solidFill>
+                <a:latin typeface="Arial" panose="020B0604020202020204" pitchFamily="34" charset="0"/>
+                <a:cs typeface="Arial" panose="020B0604020202020204" pitchFamily="34" charset="0"/>
+              </a:rPr>
+              <a:t> </a:t>
+            </a:r>
+            <a:r>
+              <a:rPr lang="en-US" sz="2400" dirty="0" err="1">
+                <a:solidFill>
+                  <a:schemeClr val="bg1"/>
+                </a:solidFill>
+                <a:latin typeface="Arial" panose="020B0604020202020204" pitchFamily="34" charset="0"/>
+                <a:cs typeface="Arial" panose="020B0604020202020204" pitchFamily="34" charset="0"/>
+              </a:rPr>
+              <a:t>ảnh</a:t>
+            </a:r>
+            <a:endParaRPr lang="en-US" sz="2400" dirty="0">
+              <a:solidFill>
+                <a:schemeClr val="bg1"/>
+              </a:solidFill>
+              <a:latin typeface="Arial" panose="020B0604020202020204" pitchFamily="34" charset="0"/>
+              <a:cs typeface="Arial" panose="020B0604020202020204" pitchFamily="34" charset="0"/>
+            </a:endParaRPr>
+          </a:p>
+          <a:p>
+            <a:endParaRPr lang="en-US" sz="2400" dirty="0">
+              <a:solidFill>
+                <a:schemeClr val="bg1"/>
+              </a:solidFill>
+              <a:latin typeface="Arial" panose="020B0604020202020204" pitchFamily="34" charset="0"/>
+              <a:cs typeface="Arial" panose="020B0604020202020204" pitchFamily="34" charset="0"/>
+            </a:endParaRPr>
+          </a:p>
+        </p:txBody>
+      </p:sp>
+      <p:pic>
+        <p:nvPicPr>
+          <p:cNvPr id="1026" name="Picture 2">
+            <a:extLst>
+              <a:ext uri="{FF2B5EF4-FFF2-40B4-BE49-F238E27FC236}">
+                <a16:creationId xmlns:a16="http://schemas.microsoft.com/office/drawing/2014/main" id="{E5B9F139-37DD-4ABD-A6CA-E49D9575E33A}"/>
+              </a:ext>
+            </a:extLst>
+          </p:cNvPr>
+          <p:cNvPicPr>
+            <a:picLocks noChangeAspect="1" noChangeArrowheads="1"/>
+          </p:cNvPicPr>
+          <p:nvPr/>
+        </p:nvPicPr>
+        <p:blipFill>
+          <a:blip r:embed="rId6">
+            <a:extLst>
+              <a:ext uri="{28A0092B-C50C-407E-A947-70E740481C1C}">
+                <a14:useLocalDpi xmlns:a14="http://schemas.microsoft.com/office/drawing/2010/main" val="0"/>
+              </a:ext>
+            </a:extLst>
+          </a:blip>
+          <a:srcRect/>
+          <a:stretch>
+            <a:fillRect/>
+          </a:stretch>
+        </p:blipFill>
+        <p:spPr bwMode="auto">
+          <a:xfrm>
+            <a:off x="146519" y="2419529"/>
+            <a:ext cx="2636565" cy="2636565"/>
+          </a:xfrm>
+          <a:prstGeom prst="rect">
+            <a:avLst/>
+          </a:prstGeom>
+          <a:noFill/>
+          <a:extLst>
+            <a:ext uri="{909E8E84-426E-40DD-AFC4-6F175D3DCCD1}">
+              <a14:hiddenFill xmlns:a14="http://schemas.microsoft.com/office/drawing/2010/main">
+                <a:solidFill>
+                  <a:srgbClr val="FFFFFF"/>
+                </a:solidFill>
+              </a14:hiddenFill>
+            </a:ext>
+          </a:extLst>
+        </p:spPr>
+      </p:pic>
+      <p:pic>
+        <p:nvPicPr>
+          <p:cNvPr id="22" name="Picture 2">
+            <a:extLst>
+              <a:ext uri="{FF2B5EF4-FFF2-40B4-BE49-F238E27FC236}">
+                <a16:creationId xmlns:a16="http://schemas.microsoft.com/office/drawing/2014/main" id="{7E5B0FFF-4C32-4B73-81E4-0636DF2899D7}"/>
+              </a:ext>
+            </a:extLst>
+          </p:cNvPr>
+          <p:cNvPicPr>
+            <a:picLocks noChangeAspect="1" noChangeArrowheads="1"/>
+          </p:cNvPicPr>
+          <p:nvPr/>
+        </p:nvPicPr>
+        <p:blipFill>
+          <a:blip r:embed="rId6">
+            <a:extLst>
+              <a:ext uri="{28A0092B-C50C-407E-A947-70E740481C1C}">
+                <a14:useLocalDpi xmlns:a14="http://schemas.microsoft.com/office/drawing/2010/main" val="0"/>
+              </a:ext>
+            </a:extLst>
+          </a:blip>
+          <a:srcRect/>
+          <a:stretch>
+            <a:fillRect/>
+          </a:stretch>
+        </p:blipFill>
+        <p:spPr bwMode="auto">
+          <a:xfrm>
+            <a:off x="3839978" y="2827909"/>
+            <a:ext cx="1825716" cy="1825716"/>
+          </a:xfrm>
+          <a:prstGeom prst="rect">
+            <a:avLst/>
+          </a:prstGeom>
+          <a:noFill/>
+          <a:extLst>
+            <a:ext uri="{909E8E84-426E-40DD-AFC4-6F175D3DCCD1}">
+              <a14:hiddenFill xmlns:a14="http://schemas.microsoft.com/office/drawing/2010/main">
+                <a:solidFill>
+                  <a:srgbClr val="FFFFFF"/>
+                </a:solidFill>
+              </a14:hiddenFill>
+            </a:ext>
+          </a:extLst>
+        </p:spPr>
+      </p:pic>
+      <p:sp>
+        <p:nvSpPr>
+          <p:cNvPr id="24" name="TextBox 23">
+            <a:extLst>
+              <a:ext uri="{FF2B5EF4-FFF2-40B4-BE49-F238E27FC236}">
+                <a16:creationId xmlns:a16="http://schemas.microsoft.com/office/drawing/2014/main" id="{74CA41C7-BBC9-4AE8-881E-0D92BD7B3CDE}"/>
+              </a:ext>
+            </a:extLst>
+          </p:cNvPr>
+          <p:cNvSpPr txBox="1"/>
+          <p:nvPr/>
+        </p:nvSpPr>
+        <p:spPr>
+          <a:xfrm>
+            <a:off x="484510" y="5141276"/>
+            <a:ext cx="1433937" cy="369332"/>
+          </a:xfrm>
+          <a:prstGeom prst="rect">
+            <a:avLst/>
+          </a:prstGeom>
+          <a:noFill/>
+        </p:spPr>
+        <p:txBody>
+          <a:bodyPr wrap="square" rtlCol="0">
+            <a:spAutoFit/>
+          </a:bodyPr>
+          <a:lstStyle/>
+          <a:p>
+            <a:r>
+              <a:rPr lang="en-US" dirty="0">
+                <a:solidFill>
+                  <a:schemeClr val="bg1"/>
+                </a:solidFill>
+                <a:latin typeface="Arial" panose="020B0604020202020204" pitchFamily="34" charset="0"/>
+                <a:cs typeface="Arial" panose="020B0604020202020204" pitchFamily="34" charset="0"/>
+              </a:rPr>
+              <a:t>500x500x3</a:t>
+            </a:r>
+          </a:p>
+        </p:txBody>
+      </p:sp>
+      <p:sp>
+        <p:nvSpPr>
+          <p:cNvPr id="26" name="TextBox 25">
+            <a:extLst>
+              <a:ext uri="{FF2B5EF4-FFF2-40B4-BE49-F238E27FC236}">
+                <a16:creationId xmlns:a16="http://schemas.microsoft.com/office/drawing/2014/main" id="{EE388238-A2A4-4BBE-89A9-3E92700A1730}"/>
+              </a:ext>
+            </a:extLst>
+          </p:cNvPr>
+          <p:cNvSpPr txBox="1"/>
+          <p:nvPr/>
+        </p:nvSpPr>
+        <p:spPr>
+          <a:xfrm>
+            <a:off x="4035867" y="5141276"/>
+            <a:ext cx="1433937" cy="369332"/>
+          </a:xfrm>
+          <a:prstGeom prst="rect">
+            <a:avLst/>
+          </a:prstGeom>
+          <a:noFill/>
+        </p:spPr>
+        <p:txBody>
+          <a:bodyPr wrap="square" rtlCol="0">
+            <a:spAutoFit/>
+          </a:bodyPr>
+          <a:lstStyle/>
+          <a:p>
+            <a:r>
+              <a:rPr lang="en-US" dirty="0">
+                <a:solidFill>
+                  <a:schemeClr val="bg1"/>
+                </a:solidFill>
+                <a:latin typeface="Arial" panose="020B0604020202020204" pitchFamily="34" charset="0"/>
+                <a:cs typeface="Arial" panose="020B0604020202020204" pitchFamily="34" charset="0"/>
+              </a:rPr>
+              <a:t>256x256x3</a:t>
+            </a:r>
+          </a:p>
+        </p:txBody>
+      </p:sp>
+      <p:cxnSp>
+        <p:nvCxnSpPr>
+          <p:cNvPr id="13" name="Straight Arrow Connector 12">
+            <a:extLst>
+              <a:ext uri="{FF2B5EF4-FFF2-40B4-BE49-F238E27FC236}">
+                <a16:creationId xmlns:a16="http://schemas.microsoft.com/office/drawing/2014/main" id="{AA878CA3-C5F7-4A35-9751-8C9AA949F3EF}"/>
+              </a:ext>
+            </a:extLst>
+          </p:cNvPr>
+          <p:cNvCxnSpPr>
+            <a:stCxn id="1026" idx="3"/>
+            <a:endCxn id="22" idx="1"/>
+          </p:cNvCxnSpPr>
+          <p:nvPr/>
+        </p:nvCxnSpPr>
+        <p:spPr>
+          <a:xfrm>
+            <a:off x="2783084" y="3737812"/>
+            <a:ext cx="1056894" cy="2955"/>
+          </a:xfrm>
+          <a:prstGeom prst="straightConnector1">
+            <a:avLst/>
+          </a:prstGeom>
+          <a:ln>
+            <a:tailEnd type="triangle"/>
+          </a:ln>
+        </p:spPr>
+        <p:style>
+          <a:lnRef idx="1">
+            <a:schemeClr val="accent1"/>
+          </a:lnRef>
+          <a:fillRef idx="0">
+            <a:schemeClr val="accent1"/>
+          </a:fillRef>
+          <a:effectRef idx="0">
+            <a:schemeClr val="accent1"/>
+          </a:effectRef>
+          <a:fontRef idx="minor">
+            <a:schemeClr val="tx1"/>
+          </a:fontRef>
+        </p:style>
+      </p:cxnSp>
+      <p:sp>
+        <p:nvSpPr>
+          <p:cNvPr id="29" name="TextBox 28">
+            <a:extLst>
+              <a:ext uri="{FF2B5EF4-FFF2-40B4-BE49-F238E27FC236}">
+                <a16:creationId xmlns:a16="http://schemas.microsoft.com/office/drawing/2014/main" id="{2139C34E-713B-4932-A558-8554A282A638}"/>
+              </a:ext>
+            </a:extLst>
+          </p:cNvPr>
+          <p:cNvSpPr txBox="1"/>
+          <p:nvPr/>
+        </p:nvSpPr>
+        <p:spPr>
+          <a:xfrm>
+            <a:off x="2783084" y="3337993"/>
+            <a:ext cx="1433937" cy="369332"/>
+          </a:xfrm>
+          <a:prstGeom prst="rect">
+            <a:avLst/>
+          </a:prstGeom>
+          <a:noFill/>
+        </p:spPr>
+        <p:txBody>
+          <a:bodyPr wrap="square" rtlCol="0">
+            <a:spAutoFit/>
+          </a:bodyPr>
+          <a:lstStyle/>
+          <a:p>
+            <a:r>
+              <a:rPr lang="en-US" dirty="0">
+                <a:solidFill>
+                  <a:schemeClr val="bg1"/>
+                </a:solidFill>
+                <a:latin typeface="Arial" panose="020B0604020202020204" pitchFamily="34" charset="0"/>
+                <a:cs typeface="Arial" panose="020B0604020202020204" pitchFamily="34" charset="0"/>
+              </a:rPr>
+              <a:t>resizing</a:t>
+            </a:r>
+          </a:p>
+        </p:txBody>
+      </p:sp>
+      <p:pic>
+        <p:nvPicPr>
+          <p:cNvPr id="30" name="Picture 29">
+            <a:extLst>
+              <a:ext uri="{FF2B5EF4-FFF2-40B4-BE49-F238E27FC236}">
+                <a16:creationId xmlns:a16="http://schemas.microsoft.com/office/drawing/2014/main" id="{7A5AA0ED-D0C8-40DD-B586-4DA9092940A8}"/>
+              </a:ext>
+            </a:extLst>
+          </p:cNvPr>
+          <p:cNvPicPr/>
+          <p:nvPr/>
+        </p:nvPicPr>
+        <p:blipFill>
+          <a:blip r:embed="rId7"/>
+          <a:stretch>
+            <a:fillRect/>
+          </a:stretch>
+        </p:blipFill>
+        <p:spPr>
+          <a:xfrm>
+            <a:off x="7724524" y="1304424"/>
+            <a:ext cx="2430631" cy="2356712"/>
+          </a:xfrm>
+          <a:prstGeom prst="rect">
+            <a:avLst/>
+          </a:prstGeom>
+        </p:spPr>
+      </p:pic>
+      <p:pic>
+        <p:nvPicPr>
+          <p:cNvPr id="31" name="Picture 30">
+            <a:extLst>
+              <a:ext uri="{FF2B5EF4-FFF2-40B4-BE49-F238E27FC236}">
+                <a16:creationId xmlns:a16="http://schemas.microsoft.com/office/drawing/2014/main" id="{601B317A-1784-4B0D-98F0-3690162FB6FA}"/>
+              </a:ext>
+            </a:extLst>
+          </p:cNvPr>
+          <p:cNvPicPr/>
+          <p:nvPr/>
+        </p:nvPicPr>
+        <p:blipFill>
+          <a:blip r:embed="rId8"/>
+          <a:stretch>
+            <a:fillRect/>
+          </a:stretch>
+        </p:blipFill>
+        <p:spPr>
+          <a:xfrm>
+            <a:off x="7655873" y="4217162"/>
+            <a:ext cx="2567931" cy="2270775"/>
+          </a:xfrm>
+          <a:prstGeom prst="rect">
+            <a:avLst/>
+          </a:prstGeom>
+        </p:spPr>
+      </p:pic>
+      <p:cxnSp>
+        <p:nvCxnSpPr>
+          <p:cNvPr id="32" name="Straight Arrow Connector 31">
+            <a:extLst>
+              <a:ext uri="{FF2B5EF4-FFF2-40B4-BE49-F238E27FC236}">
+                <a16:creationId xmlns:a16="http://schemas.microsoft.com/office/drawing/2014/main" id="{8EC03BC3-5321-4886-9EFF-FAD1D4DCE8BE}"/>
+              </a:ext>
+            </a:extLst>
+          </p:cNvPr>
+          <p:cNvCxnSpPr>
+            <a:stCxn id="30" idx="2"/>
+            <a:endCxn id="31" idx="0"/>
+          </p:cNvCxnSpPr>
+          <p:nvPr/>
+        </p:nvCxnSpPr>
+        <p:spPr>
+          <a:xfrm flipH="1">
+            <a:off x="8939839" y="3661136"/>
+            <a:ext cx="1" cy="556026"/>
+          </a:xfrm>
+          <a:prstGeom prst="straightConnector1">
+            <a:avLst/>
+          </a:prstGeom>
+          <a:ln>
+            <a:tailEnd type="triangle"/>
+          </a:ln>
+        </p:spPr>
+        <p:style>
+          <a:lnRef idx="1">
+            <a:schemeClr val="accent1"/>
+          </a:lnRef>
+          <a:fillRef idx="0">
+            <a:schemeClr val="accent1"/>
+          </a:fillRef>
+          <a:effectRef idx="0">
+            <a:schemeClr val="accent1"/>
+          </a:effectRef>
+          <a:fontRef idx="minor">
+            <a:schemeClr val="tx1"/>
+          </a:fontRef>
+        </p:style>
+      </p:cxnSp>
+      <p:sp>
+        <p:nvSpPr>
+          <p:cNvPr id="38" name="TextBox 37">
+            <a:extLst>
+              <a:ext uri="{FF2B5EF4-FFF2-40B4-BE49-F238E27FC236}">
+                <a16:creationId xmlns:a16="http://schemas.microsoft.com/office/drawing/2014/main" id="{4107215E-DE5E-44AC-A620-206745FF230B}"/>
+              </a:ext>
+            </a:extLst>
+          </p:cNvPr>
+          <p:cNvSpPr txBox="1"/>
+          <p:nvPr/>
+        </p:nvSpPr>
+        <p:spPr>
+          <a:xfrm>
+            <a:off x="9054988" y="3776847"/>
+            <a:ext cx="1433937" cy="369332"/>
+          </a:xfrm>
+          <a:prstGeom prst="rect">
+            <a:avLst/>
+          </a:prstGeom>
+          <a:noFill/>
+        </p:spPr>
+        <p:txBody>
+          <a:bodyPr wrap="square" rtlCol="0">
+            <a:spAutoFit/>
+          </a:bodyPr>
+          <a:lstStyle/>
+          <a:p>
+            <a:r>
+              <a:rPr lang="en-US" dirty="0">
+                <a:solidFill>
+                  <a:schemeClr val="bg1"/>
+                </a:solidFill>
+                <a:latin typeface="Arial" panose="020B0604020202020204" pitchFamily="34" charset="0"/>
+                <a:cs typeface="Arial" panose="020B0604020202020204" pitchFamily="34" charset="0"/>
+              </a:rPr>
+              <a:t>rescaling</a:t>
+            </a:r>
+          </a:p>
+        </p:txBody>
+      </p:sp>
+      <p:cxnSp>
+        <p:nvCxnSpPr>
+          <p:cNvPr id="34" name="Straight Connector 33">
+            <a:extLst>
+              <a:ext uri="{FF2B5EF4-FFF2-40B4-BE49-F238E27FC236}">
+                <a16:creationId xmlns:a16="http://schemas.microsoft.com/office/drawing/2014/main" id="{95D8D71E-E1CF-4666-8785-3786014C8CD2}"/>
+              </a:ext>
+            </a:extLst>
+          </p:cNvPr>
+          <p:cNvCxnSpPr>
+            <a:cxnSpLocks/>
+          </p:cNvCxnSpPr>
+          <p:nvPr/>
+        </p:nvCxnSpPr>
+        <p:spPr>
+          <a:xfrm>
+            <a:off x="6902824" y="233082"/>
+            <a:ext cx="0" cy="6472518"/>
+          </a:xfrm>
+          <a:prstGeom prst="line">
+            <a:avLst/>
+          </a:prstGeom>
+        </p:spPr>
+        <p:style>
+          <a:lnRef idx="3">
+            <a:schemeClr val="accent3"/>
+          </a:lnRef>
+          <a:fillRef idx="0">
+            <a:schemeClr val="accent3"/>
+          </a:fillRef>
+          <a:effectRef idx="2">
+            <a:schemeClr val="accent3"/>
+          </a:effectRef>
+          <a:fontRef idx="minor">
+            <a:schemeClr val="tx1"/>
+          </a:fontRef>
+        </p:style>
+      </p:cxnSp>
+    </p:spTree>
+    <p:extLst>
+      <p:ext uri="{BB962C8B-B14F-4D97-AF65-F5344CB8AC3E}">
+        <p14:creationId xmlns:p14="http://schemas.microsoft.com/office/powerpoint/2010/main" val="2026522841"/>
+      </p:ext>
+    </p:extLst>
+  </p:cSld>
+  <p:clrMapOvr>
+    <a:masterClrMapping/>
+  </p:clrMapOvr>
+</p:sld>
+</file>
+
+<file path=ppt/slides/slide15.xml><?xml version="1.0" encoding="utf-8"?>
+<p:sld xmlns:a="http://schemas.openxmlformats.org/drawingml/2006/main" xmlns:r="http://schemas.openxmlformats.org/officeDocument/2006/relationships" xmlns:p="http://schemas.openxmlformats.org/presentationml/2006/main">
+  <p:cSld>
+    <p:spTree>
+      <p:nvGrpSpPr>
+        <p:cNvPr id="1" name=""/>
+        <p:cNvGrpSpPr/>
+        <p:nvPr/>
+      </p:nvGrpSpPr>
+      <p:grpSpPr>
+        <a:xfrm>
+          <a:off x="0" y="0"/>
+          <a:ext cx="0" cy="0"/>
+          <a:chOff x="0" y="0"/>
+          <a:chExt cx="0" cy="0"/>
+        </a:xfrm>
+      </p:grpSpPr>
+      <p:sp>
+        <p:nvSpPr>
+          <p:cNvPr id="2" name="Title 1">
+            <a:extLst>
+              <a:ext uri="{FF2B5EF4-FFF2-40B4-BE49-F238E27FC236}">
+                <a16:creationId xmlns:a16="http://schemas.microsoft.com/office/drawing/2014/main" id="{805346ED-721D-85EE-2F1B-A31D0912DE29}"/>
+              </a:ext>
+            </a:extLst>
+          </p:cNvPr>
+          <p:cNvSpPr>
+            <a:spLocks noGrp="1"/>
+          </p:cNvSpPr>
+          <p:nvPr>
+            <p:ph type="title"/>
+          </p:nvPr>
+        </p:nvSpPr>
+        <p:spPr>
+          <a:xfrm>
+            <a:off x="594360" y="116764"/>
+            <a:ext cx="9778365" cy="761777"/>
+          </a:xfrm>
+        </p:spPr>
+        <p:txBody>
+          <a:bodyPr/>
+          <a:lstStyle/>
+          <a:p>
+            <a:r>
+              <a:rPr lang="en-US" dirty="0" err="1">
+                <a:latin typeface="Arial" panose="020B0604020202020204" pitchFamily="34" charset="0"/>
+                <a:cs typeface="Arial" panose="020B0604020202020204" pitchFamily="34" charset="0"/>
+              </a:rPr>
+              <a:t>Tăng</a:t>
+            </a:r>
+            <a:r>
+              <a:rPr lang="en-US" dirty="0">
+                <a:latin typeface="Arial" panose="020B0604020202020204" pitchFamily="34" charset="0"/>
+                <a:cs typeface="Arial" panose="020B0604020202020204" pitchFamily="34" charset="0"/>
+              </a:rPr>
+              <a:t> </a:t>
+            </a:r>
+            <a:r>
+              <a:rPr lang="en-US" dirty="0" err="1">
+                <a:latin typeface="Arial" panose="020B0604020202020204" pitchFamily="34" charset="0"/>
+                <a:cs typeface="Arial" panose="020B0604020202020204" pitchFamily="34" charset="0"/>
+              </a:rPr>
+              <a:t>cường</a:t>
+            </a:r>
+            <a:r>
+              <a:rPr lang="en-US" dirty="0">
+                <a:latin typeface="Arial" panose="020B0604020202020204" pitchFamily="34" charset="0"/>
+                <a:cs typeface="Arial" panose="020B0604020202020204" pitchFamily="34" charset="0"/>
+              </a:rPr>
+              <a:t> </a:t>
+            </a:r>
+            <a:r>
+              <a:rPr lang="en-US" dirty="0" err="1">
+                <a:latin typeface="Arial" panose="020B0604020202020204" pitchFamily="34" charset="0"/>
+                <a:cs typeface="Arial" panose="020B0604020202020204" pitchFamily="34" charset="0"/>
+              </a:rPr>
+              <a:t>dữ</a:t>
+            </a:r>
+            <a:r>
+              <a:rPr lang="en-US" dirty="0">
+                <a:latin typeface="Arial" panose="020B0604020202020204" pitchFamily="34" charset="0"/>
+                <a:cs typeface="Arial" panose="020B0604020202020204" pitchFamily="34" charset="0"/>
+              </a:rPr>
+              <a:t> </a:t>
+            </a:r>
+            <a:r>
+              <a:rPr lang="en-US" dirty="0" err="1">
+                <a:latin typeface="Arial" panose="020B0604020202020204" pitchFamily="34" charset="0"/>
+                <a:cs typeface="Arial" panose="020B0604020202020204" pitchFamily="34" charset="0"/>
+              </a:rPr>
+              <a:t>liệu</a:t>
+            </a:r>
+            <a:endParaRPr lang="en-US" dirty="0">
+              <a:latin typeface="Arial" panose="020B0604020202020204" pitchFamily="34" charset="0"/>
+              <a:cs typeface="Arial" panose="020B0604020202020204" pitchFamily="34" charset="0"/>
+            </a:endParaRPr>
+          </a:p>
+        </p:txBody>
+      </p:sp>
+      <p:pic>
+        <p:nvPicPr>
+          <p:cNvPr id="7" name="Graphic 6" descr="Back with solid fill">
+            <a:hlinkClick r:id="rId3" action="ppaction://hlinksldjump"/>
+            <a:extLst>
+              <a:ext uri="{FF2B5EF4-FFF2-40B4-BE49-F238E27FC236}">
+                <a16:creationId xmlns:a16="http://schemas.microsoft.com/office/drawing/2014/main" id="{2B522807-44C6-408D-86E3-9F384174D1A4}"/>
+              </a:ext>
+            </a:extLst>
+          </p:cNvPr>
+          <p:cNvPicPr>
+            <a:picLocks noChangeAspect="1"/>
+          </p:cNvPicPr>
+          <p:nvPr/>
+        </p:nvPicPr>
+        <p:blipFill>
+          <a:blip r:embed="rId4">
+            <a:extLst>
+              <a:ext uri="{28A0092B-C50C-407E-A947-70E740481C1C}">
+                <a14:useLocalDpi xmlns:a14="http://schemas.microsoft.com/office/drawing/2010/main" val="0"/>
+              </a:ext>
+              <a:ext uri="{96DAC541-7B7A-43D3-8B79-37D633B846F1}">
+                <asvg:svgBlip xmlns:asvg="http://schemas.microsoft.com/office/drawing/2016/SVG/main" r:embed="rId5"/>
+              </a:ext>
+            </a:extLst>
+          </a:blip>
+          <a:stretch>
+            <a:fillRect/>
+          </a:stretch>
+        </p:blipFill>
+        <p:spPr>
+          <a:xfrm>
+            <a:off x="773019" y="5883043"/>
+            <a:ext cx="604894" cy="604894"/>
+          </a:xfrm>
+          <a:prstGeom prst="rect">
+            <a:avLst/>
+          </a:prstGeom>
+        </p:spPr>
+      </p:pic>
+      <p:sp>
+        <p:nvSpPr>
+          <p:cNvPr id="5" name="TextBox 4">
+            <a:extLst>
+              <a:ext uri="{FF2B5EF4-FFF2-40B4-BE49-F238E27FC236}">
+                <a16:creationId xmlns:a16="http://schemas.microsoft.com/office/drawing/2014/main" id="{74A9FABA-80AF-418A-90BE-E3EAF78EF560}"/>
+              </a:ext>
+            </a:extLst>
+          </p:cNvPr>
+          <p:cNvSpPr txBox="1"/>
+          <p:nvPr/>
+        </p:nvSpPr>
+        <p:spPr>
+          <a:xfrm>
+            <a:off x="594360" y="1004047"/>
+            <a:ext cx="10118464" cy="830997"/>
+          </a:xfrm>
+          <a:prstGeom prst="rect">
+            <a:avLst/>
+          </a:prstGeom>
+          <a:noFill/>
+        </p:spPr>
+        <p:txBody>
+          <a:bodyPr wrap="square" rtlCol="0">
+            <a:spAutoFit/>
+          </a:bodyPr>
+          <a:lstStyle/>
+          <a:p>
+            <a:r>
+              <a:rPr lang="en-US" sz="2400" dirty="0" err="1">
+                <a:solidFill>
+                  <a:schemeClr val="bg1"/>
+                </a:solidFill>
+                <a:latin typeface="Arial" panose="020B0604020202020204" pitchFamily="34" charset="0"/>
+                <a:cs typeface="Arial" panose="020B0604020202020204" pitchFamily="34" charset="0"/>
+              </a:rPr>
+              <a:t>Tạo</a:t>
+            </a:r>
+            <a:r>
+              <a:rPr lang="en-US" sz="2400" dirty="0">
+                <a:solidFill>
+                  <a:schemeClr val="bg1"/>
+                </a:solidFill>
+                <a:latin typeface="Arial" panose="020B0604020202020204" pitchFamily="34" charset="0"/>
+                <a:cs typeface="Arial" panose="020B0604020202020204" pitchFamily="34" charset="0"/>
+              </a:rPr>
+              <a:t> </a:t>
+            </a:r>
+            <a:r>
+              <a:rPr lang="en-US" sz="2400" dirty="0" err="1">
+                <a:solidFill>
+                  <a:schemeClr val="bg1"/>
+                </a:solidFill>
+                <a:latin typeface="Arial" panose="020B0604020202020204" pitchFamily="34" charset="0"/>
+                <a:cs typeface="Arial" panose="020B0604020202020204" pitchFamily="34" charset="0"/>
+              </a:rPr>
+              <a:t>ảnh</a:t>
+            </a:r>
+            <a:r>
+              <a:rPr lang="en-US" sz="2400" dirty="0">
+                <a:solidFill>
+                  <a:schemeClr val="bg1"/>
+                </a:solidFill>
+                <a:latin typeface="Arial" panose="020B0604020202020204" pitchFamily="34" charset="0"/>
+                <a:cs typeface="Arial" panose="020B0604020202020204" pitchFamily="34" charset="0"/>
+              </a:rPr>
+              <a:t> </a:t>
+            </a:r>
+            <a:r>
+              <a:rPr lang="en-US" sz="2400" dirty="0" err="1">
+                <a:solidFill>
+                  <a:schemeClr val="bg1"/>
+                </a:solidFill>
+                <a:latin typeface="Arial" panose="020B0604020202020204" pitchFamily="34" charset="0"/>
+                <a:cs typeface="Arial" panose="020B0604020202020204" pitchFamily="34" charset="0"/>
+              </a:rPr>
+              <a:t>mới</a:t>
+            </a:r>
+            <a:r>
+              <a:rPr lang="en-US" sz="2400" dirty="0">
+                <a:solidFill>
+                  <a:schemeClr val="bg1"/>
+                </a:solidFill>
+                <a:latin typeface="Arial" panose="020B0604020202020204" pitchFamily="34" charset="0"/>
+                <a:cs typeface="Arial" panose="020B0604020202020204" pitchFamily="34" charset="0"/>
+              </a:rPr>
+              <a:t> </a:t>
+            </a:r>
+            <a:r>
+              <a:rPr lang="en-US" sz="2400" dirty="0" err="1">
+                <a:solidFill>
+                  <a:schemeClr val="bg1"/>
+                </a:solidFill>
+                <a:latin typeface="Arial" panose="020B0604020202020204" pitchFamily="34" charset="0"/>
+                <a:cs typeface="Arial" panose="020B0604020202020204" pitchFamily="34" charset="0"/>
+              </a:rPr>
+              <a:t>từ</a:t>
+            </a:r>
+            <a:r>
+              <a:rPr lang="en-US" sz="2400" dirty="0">
+                <a:solidFill>
+                  <a:schemeClr val="bg1"/>
+                </a:solidFill>
+                <a:latin typeface="Arial" panose="020B0604020202020204" pitchFamily="34" charset="0"/>
+                <a:cs typeface="Arial" panose="020B0604020202020204" pitchFamily="34" charset="0"/>
+              </a:rPr>
+              <a:t> </a:t>
+            </a:r>
+            <a:r>
+              <a:rPr lang="en-US" sz="2400" dirty="0" err="1">
+                <a:solidFill>
+                  <a:schemeClr val="bg1"/>
+                </a:solidFill>
+                <a:latin typeface="Arial" panose="020B0604020202020204" pitchFamily="34" charset="0"/>
+                <a:cs typeface="Arial" panose="020B0604020202020204" pitchFamily="34" charset="0"/>
+              </a:rPr>
+              <a:t>ảnh</a:t>
+            </a:r>
+            <a:r>
+              <a:rPr lang="en-US" sz="2400" dirty="0">
+                <a:solidFill>
+                  <a:schemeClr val="bg1"/>
+                </a:solidFill>
+                <a:latin typeface="Arial" panose="020B0604020202020204" pitchFamily="34" charset="0"/>
+                <a:cs typeface="Arial" panose="020B0604020202020204" pitchFamily="34" charset="0"/>
+              </a:rPr>
+              <a:t> </a:t>
+            </a:r>
+            <a:r>
+              <a:rPr lang="en-US" sz="2400" dirty="0" err="1">
+                <a:solidFill>
+                  <a:schemeClr val="bg1"/>
+                </a:solidFill>
+                <a:latin typeface="Arial" panose="020B0604020202020204" pitchFamily="34" charset="0"/>
+                <a:cs typeface="Arial" panose="020B0604020202020204" pitchFamily="34" charset="0"/>
+              </a:rPr>
+              <a:t>gốc</a:t>
+            </a:r>
+            <a:r>
+              <a:rPr lang="en-US" sz="2400" dirty="0">
+                <a:solidFill>
+                  <a:schemeClr val="bg1"/>
+                </a:solidFill>
+                <a:latin typeface="Arial" panose="020B0604020202020204" pitchFamily="34" charset="0"/>
+                <a:cs typeface="Arial" panose="020B0604020202020204" pitchFamily="34" charset="0"/>
+                <a:sym typeface="Wingdings" panose="05000000000000000000" pitchFamily="2" charset="2"/>
+              </a:rPr>
+              <a:t> </a:t>
+            </a:r>
+            <a:r>
+              <a:rPr lang="en-US" sz="2400" dirty="0" err="1">
+                <a:solidFill>
+                  <a:schemeClr val="bg1"/>
+                </a:solidFill>
+                <a:latin typeface="Arial" panose="020B0604020202020204" pitchFamily="34" charset="0"/>
+                <a:cs typeface="Arial" panose="020B0604020202020204" pitchFamily="34" charset="0"/>
+                <a:sym typeface="Wingdings" panose="05000000000000000000" pitchFamily="2" charset="2"/>
+              </a:rPr>
+              <a:t>Tăng</a:t>
+            </a:r>
+            <a:r>
+              <a:rPr lang="en-US" sz="2400" dirty="0">
+                <a:solidFill>
+                  <a:schemeClr val="bg1"/>
+                </a:solidFill>
+                <a:latin typeface="Arial" panose="020B0604020202020204" pitchFamily="34" charset="0"/>
+                <a:cs typeface="Arial" panose="020B0604020202020204" pitchFamily="34" charset="0"/>
+                <a:sym typeface="Wingdings" panose="05000000000000000000" pitchFamily="2" charset="2"/>
+              </a:rPr>
+              <a:t> </a:t>
+            </a:r>
+            <a:r>
+              <a:rPr lang="en-US" sz="2400" dirty="0" err="1">
+                <a:solidFill>
+                  <a:schemeClr val="bg1"/>
+                </a:solidFill>
+                <a:latin typeface="Arial" panose="020B0604020202020204" pitchFamily="34" charset="0"/>
+                <a:cs typeface="Arial" panose="020B0604020202020204" pitchFamily="34" charset="0"/>
+                <a:sym typeface="Wingdings" panose="05000000000000000000" pitchFamily="2" charset="2"/>
+              </a:rPr>
+              <a:t>tính</a:t>
+            </a:r>
+            <a:r>
+              <a:rPr lang="en-US" sz="2400" dirty="0">
+                <a:solidFill>
+                  <a:schemeClr val="bg1"/>
+                </a:solidFill>
+                <a:latin typeface="Arial" panose="020B0604020202020204" pitchFamily="34" charset="0"/>
+                <a:cs typeface="Arial" panose="020B0604020202020204" pitchFamily="34" charset="0"/>
+                <a:sym typeface="Wingdings" panose="05000000000000000000" pitchFamily="2" charset="2"/>
+              </a:rPr>
+              <a:t> </a:t>
+            </a:r>
+            <a:r>
+              <a:rPr lang="en-US" sz="2400" dirty="0" err="1">
+                <a:solidFill>
+                  <a:schemeClr val="bg1"/>
+                </a:solidFill>
+                <a:latin typeface="Arial" panose="020B0604020202020204" pitchFamily="34" charset="0"/>
+                <a:cs typeface="Arial" panose="020B0604020202020204" pitchFamily="34" charset="0"/>
+                <a:sym typeface="Wingdings" panose="05000000000000000000" pitchFamily="2" charset="2"/>
+              </a:rPr>
+              <a:t>đa</a:t>
+            </a:r>
+            <a:r>
+              <a:rPr lang="en-US" sz="2400" dirty="0">
+                <a:solidFill>
+                  <a:schemeClr val="bg1"/>
+                </a:solidFill>
+                <a:latin typeface="Arial" panose="020B0604020202020204" pitchFamily="34" charset="0"/>
+                <a:cs typeface="Arial" panose="020B0604020202020204" pitchFamily="34" charset="0"/>
+                <a:sym typeface="Wingdings" panose="05000000000000000000" pitchFamily="2" charset="2"/>
+              </a:rPr>
+              <a:t> </a:t>
+            </a:r>
+            <a:r>
+              <a:rPr lang="en-US" sz="2400" dirty="0" err="1">
+                <a:solidFill>
+                  <a:schemeClr val="bg1"/>
+                </a:solidFill>
+                <a:latin typeface="Arial" panose="020B0604020202020204" pitchFamily="34" charset="0"/>
+                <a:cs typeface="Arial" panose="020B0604020202020204" pitchFamily="34" charset="0"/>
+                <a:sym typeface="Wingdings" panose="05000000000000000000" pitchFamily="2" charset="2"/>
+              </a:rPr>
+              <a:t>dạng</a:t>
+            </a:r>
+            <a:r>
+              <a:rPr lang="en-US" sz="2400" dirty="0">
+                <a:solidFill>
+                  <a:schemeClr val="bg1"/>
+                </a:solidFill>
+                <a:latin typeface="Arial" panose="020B0604020202020204" pitchFamily="34" charset="0"/>
+                <a:cs typeface="Arial" panose="020B0604020202020204" pitchFamily="34" charset="0"/>
+                <a:sym typeface="Wingdings" panose="05000000000000000000" pitchFamily="2" charset="2"/>
+              </a:rPr>
+              <a:t> </a:t>
+            </a:r>
+            <a:r>
+              <a:rPr lang="en-US" sz="2400" dirty="0" err="1">
+                <a:solidFill>
+                  <a:schemeClr val="bg1"/>
+                </a:solidFill>
+                <a:latin typeface="Arial" panose="020B0604020202020204" pitchFamily="34" charset="0"/>
+                <a:cs typeface="Arial" panose="020B0604020202020204" pitchFamily="34" charset="0"/>
+                <a:sym typeface="Wingdings" panose="05000000000000000000" pitchFamily="2" charset="2"/>
+              </a:rPr>
+              <a:t>ảnh</a:t>
+            </a:r>
+            <a:endParaRPr lang="en-US" sz="2400" dirty="0">
+              <a:solidFill>
+                <a:schemeClr val="bg1"/>
+              </a:solidFill>
+              <a:latin typeface="Arial" panose="020B0604020202020204" pitchFamily="34" charset="0"/>
+              <a:cs typeface="Arial" panose="020B0604020202020204" pitchFamily="34" charset="0"/>
+              <a:sym typeface="Wingdings" panose="05000000000000000000" pitchFamily="2" charset="2"/>
+            </a:endParaRPr>
+          </a:p>
+          <a:p>
+            <a:endParaRPr lang="en-US" sz="2400" dirty="0">
+              <a:solidFill>
+                <a:schemeClr val="bg1"/>
+              </a:solidFill>
+              <a:latin typeface="Arial" panose="020B0604020202020204" pitchFamily="34" charset="0"/>
+              <a:cs typeface="Arial" panose="020B0604020202020204" pitchFamily="34" charset="0"/>
+            </a:endParaRPr>
+          </a:p>
+        </p:txBody>
+      </p:sp>
+      <p:pic>
+        <p:nvPicPr>
+          <p:cNvPr id="4" name="Picture 2">
+            <a:extLst>
+              <a:ext uri="{FF2B5EF4-FFF2-40B4-BE49-F238E27FC236}">
+                <a16:creationId xmlns:a16="http://schemas.microsoft.com/office/drawing/2014/main" id="{5401AACC-434F-4C90-B1E4-CF1A4A4151D3}"/>
+              </a:ext>
+            </a:extLst>
+          </p:cNvPr>
+          <p:cNvPicPr>
+            <a:picLocks noChangeAspect="1" noChangeArrowheads="1"/>
+          </p:cNvPicPr>
+          <p:nvPr/>
+        </p:nvPicPr>
+        <p:blipFill>
+          <a:blip r:embed="rId6">
+            <a:extLst>
+              <a:ext uri="{28A0092B-C50C-407E-A947-70E740481C1C}">
+                <a14:useLocalDpi xmlns:a14="http://schemas.microsoft.com/office/drawing/2010/main" val="0"/>
+              </a:ext>
+            </a:extLst>
+          </a:blip>
+          <a:srcRect/>
+          <a:stretch>
+            <a:fillRect/>
+          </a:stretch>
+        </p:blipFill>
+        <p:spPr bwMode="auto">
+          <a:xfrm>
+            <a:off x="594360" y="2999485"/>
+            <a:ext cx="2232380" cy="2232380"/>
+          </a:xfrm>
+          <a:prstGeom prst="rect">
+            <a:avLst/>
+          </a:prstGeom>
+          <a:noFill/>
+          <a:extLst>
+            <a:ext uri="{909E8E84-426E-40DD-AFC4-6F175D3DCCD1}">
+              <a14:hiddenFill xmlns:a14="http://schemas.microsoft.com/office/drawing/2010/main">
+                <a:solidFill>
+                  <a:srgbClr val="FFFFFF"/>
+                </a:solidFill>
+              </a14:hiddenFill>
+            </a:ext>
+          </a:extLst>
+        </p:spPr>
+      </p:pic>
+      <p:pic>
+        <p:nvPicPr>
+          <p:cNvPr id="1028" name="Picture 4">
+            <a:extLst>
+              <a:ext uri="{FF2B5EF4-FFF2-40B4-BE49-F238E27FC236}">
+                <a16:creationId xmlns:a16="http://schemas.microsoft.com/office/drawing/2014/main" id="{76524E8F-CFE6-410C-8134-E646E0862A1D}"/>
+              </a:ext>
+            </a:extLst>
+          </p:cNvPr>
+          <p:cNvPicPr>
+            <a:picLocks noChangeAspect="1" noChangeArrowheads="1"/>
+          </p:cNvPicPr>
+          <p:nvPr/>
+        </p:nvPicPr>
+        <p:blipFill>
+          <a:blip r:embed="rId7">
+            <a:extLst>
+              <a:ext uri="{28A0092B-C50C-407E-A947-70E740481C1C}">
+                <a14:useLocalDpi xmlns:a14="http://schemas.microsoft.com/office/drawing/2010/main" val="0"/>
+              </a:ext>
+            </a:extLst>
+          </a:blip>
+          <a:srcRect/>
+          <a:stretch>
+            <a:fillRect/>
+          </a:stretch>
+        </p:blipFill>
+        <p:spPr bwMode="auto">
+          <a:xfrm>
+            <a:off x="4761940" y="1739696"/>
+            <a:ext cx="6327401" cy="1795444"/>
+          </a:xfrm>
+          <a:prstGeom prst="rect">
+            <a:avLst/>
+          </a:prstGeom>
+          <a:noFill/>
+          <a:extLst>
+            <a:ext uri="{909E8E84-426E-40DD-AFC4-6F175D3DCCD1}">
+              <a14:hiddenFill xmlns:a14="http://schemas.microsoft.com/office/drawing/2010/main">
+                <a:solidFill>
+                  <a:srgbClr val="FFFFFF"/>
+                </a:solidFill>
+              </a14:hiddenFill>
+            </a:ext>
+          </a:extLst>
+        </p:spPr>
+      </p:pic>
+      <p:pic>
+        <p:nvPicPr>
+          <p:cNvPr id="1030" name="Picture 6">
+            <a:extLst>
+              <a:ext uri="{FF2B5EF4-FFF2-40B4-BE49-F238E27FC236}">
+                <a16:creationId xmlns:a16="http://schemas.microsoft.com/office/drawing/2014/main" id="{934C7E27-10A2-4A87-AC10-4EA11A3729F2}"/>
+              </a:ext>
+            </a:extLst>
+          </p:cNvPr>
+          <p:cNvPicPr>
+            <a:picLocks noChangeAspect="1" noChangeArrowheads="1"/>
+          </p:cNvPicPr>
+          <p:nvPr/>
+        </p:nvPicPr>
+        <p:blipFill>
+          <a:blip r:embed="rId8">
+            <a:extLst>
+              <a:ext uri="{28A0092B-C50C-407E-A947-70E740481C1C}">
+                <a14:useLocalDpi xmlns:a14="http://schemas.microsoft.com/office/drawing/2010/main" val="0"/>
+              </a:ext>
+            </a:extLst>
+          </a:blip>
+          <a:srcRect/>
+          <a:stretch>
+            <a:fillRect/>
+          </a:stretch>
+        </p:blipFill>
+        <p:spPr bwMode="auto">
+          <a:xfrm>
+            <a:off x="4761940" y="4692493"/>
+            <a:ext cx="6327400" cy="1795444"/>
+          </a:xfrm>
+          <a:prstGeom prst="rect">
+            <a:avLst/>
+          </a:prstGeom>
+          <a:noFill/>
+          <a:extLst>
+            <a:ext uri="{909E8E84-426E-40DD-AFC4-6F175D3DCCD1}">
+              <a14:hiddenFill xmlns:a14="http://schemas.microsoft.com/office/drawing/2010/main">
+                <a:solidFill>
+                  <a:srgbClr val="FFFFFF"/>
+                </a:solidFill>
+              </a14:hiddenFill>
+            </a:ext>
+          </a:extLst>
+        </p:spPr>
+      </p:pic>
+      <p:sp>
+        <p:nvSpPr>
+          <p:cNvPr id="21" name="TextBox 20">
+            <a:extLst>
+              <a:ext uri="{FF2B5EF4-FFF2-40B4-BE49-F238E27FC236}">
+                <a16:creationId xmlns:a16="http://schemas.microsoft.com/office/drawing/2014/main" id="{CC1D2D02-B86D-4EBD-9735-8CCCEB9FEB34}"/>
+              </a:ext>
+            </a:extLst>
+          </p:cNvPr>
+          <p:cNvSpPr txBox="1"/>
+          <p:nvPr/>
+        </p:nvSpPr>
+        <p:spPr>
+          <a:xfrm>
+            <a:off x="934384" y="5405549"/>
+            <a:ext cx="1190252" cy="369332"/>
+          </a:xfrm>
+          <a:prstGeom prst="rect">
+            <a:avLst/>
+          </a:prstGeom>
+          <a:noFill/>
+        </p:spPr>
+        <p:txBody>
+          <a:bodyPr wrap="square">
+            <a:spAutoFit/>
+          </a:bodyPr>
+          <a:lstStyle/>
+          <a:p>
+            <a:r>
+              <a:rPr lang="en-US" dirty="0" err="1">
+                <a:solidFill>
+                  <a:schemeClr val="bg1"/>
+                </a:solidFill>
+                <a:latin typeface="Arial" panose="020B0604020202020204" pitchFamily="34" charset="0"/>
+                <a:cs typeface="Arial" panose="020B0604020202020204" pitchFamily="34" charset="0"/>
+              </a:rPr>
+              <a:t>Ảnh</a:t>
+            </a:r>
+            <a:r>
+              <a:rPr lang="en-US" dirty="0">
+                <a:solidFill>
+                  <a:schemeClr val="bg1"/>
+                </a:solidFill>
+                <a:latin typeface="Arial" panose="020B0604020202020204" pitchFamily="34" charset="0"/>
+                <a:cs typeface="Arial" panose="020B0604020202020204" pitchFamily="34" charset="0"/>
+              </a:rPr>
+              <a:t> </a:t>
+            </a:r>
+            <a:r>
+              <a:rPr lang="en-US" dirty="0" err="1">
+                <a:solidFill>
+                  <a:schemeClr val="bg1"/>
+                </a:solidFill>
+                <a:latin typeface="Arial" panose="020B0604020202020204" pitchFamily="34" charset="0"/>
+                <a:cs typeface="Arial" panose="020B0604020202020204" pitchFamily="34" charset="0"/>
+              </a:rPr>
+              <a:t>gốc</a:t>
+            </a:r>
+            <a:endParaRPr lang="en-US" dirty="0">
+              <a:solidFill>
+                <a:schemeClr val="bg1"/>
+              </a:solidFill>
+              <a:latin typeface="Arial" panose="020B0604020202020204" pitchFamily="34" charset="0"/>
+              <a:cs typeface="Arial" panose="020B0604020202020204" pitchFamily="34" charset="0"/>
+            </a:endParaRPr>
+          </a:p>
+        </p:txBody>
+      </p:sp>
+      <p:cxnSp>
+        <p:nvCxnSpPr>
+          <p:cNvPr id="9" name="Straight Arrow Connector 8">
+            <a:extLst>
+              <a:ext uri="{FF2B5EF4-FFF2-40B4-BE49-F238E27FC236}">
+                <a16:creationId xmlns:a16="http://schemas.microsoft.com/office/drawing/2014/main" id="{61C9094A-CFA0-41A7-AA6B-535980E87B8A}"/>
+              </a:ext>
+            </a:extLst>
+          </p:cNvPr>
+          <p:cNvCxnSpPr>
+            <a:stCxn id="4" idx="3"/>
+            <a:endCxn id="1028" idx="1"/>
+          </p:cNvCxnSpPr>
+          <p:nvPr/>
+        </p:nvCxnSpPr>
+        <p:spPr>
+          <a:xfrm flipV="1">
+            <a:off x="2826740" y="2637418"/>
+            <a:ext cx="1935200" cy="1478257"/>
+          </a:xfrm>
+          <a:prstGeom prst="straightConnector1">
+            <a:avLst/>
+          </a:prstGeom>
+          <a:ln>
+            <a:tailEnd type="triangle"/>
+          </a:ln>
+        </p:spPr>
+        <p:style>
+          <a:lnRef idx="1">
+            <a:schemeClr val="accent1"/>
+          </a:lnRef>
+          <a:fillRef idx="0">
+            <a:schemeClr val="accent1"/>
+          </a:fillRef>
+          <a:effectRef idx="0">
+            <a:schemeClr val="accent1"/>
+          </a:effectRef>
+          <a:fontRef idx="minor">
+            <a:schemeClr val="tx1"/>
+          </a:fontRef>
+        </p:style>
+      </p:cxnSp>
+      <p:cxnSp>
+        <p:nvCxnSpPr>
+          <p:cNvPr id="11" name="Straight Arrow Connector 10">
+            <a:extLst>
+              <a:ext uri="{FF2B5EF4-FFF2-40B4-BE49-F238E27FC236}">
+                <a16:creationId xmlns:a16="http://schemas.microsoft.com/office/drawing/2014/main" id="{9890221F-3EB0-4705-A7A3-D439CC94B172}"/>
+              </a:ext>
+            </a:extLst>
+          </p:cNvPr>
+          <p:cNvCxnSpPr>
+            <a:stCxn id="4" idx="3"/>
+            <a:endCxn id="1030" idx="1"/>
+          </p:cNvCxnSpPr>
+          <p:nvPr/>
+        </p:nvCxnSpPr>
+        <p:spPr>
+          <a:xfrm>
+            <a:off x="2826740" y="4115675"/>
+            <a:ext cx="1935200" cy="1474540"/>
+          </a:xfrm>
+          <a:prstGeom prst="straightConnector1">
+            <a:avLst/>
+          </a:prstGeom>
+          <a:ln>
+            <a:tailEnd type="triangle"/>
+          </a:ln>
+        </p:spPr>
+        <p:style>
+          <a:lnRef idx="1">
+            <a:schemeClr val="accent1"/>
+          </a:lnRef>
+          <a:fillRef idx="0">
+            <a:schemeClr val="accent1"/>
+          </a:fillRef>
+          <a:effectRef idx="0">
+            <a:schemeClr val="accent1"/>
+          </a:effectRef>
+          <a:fontRef idx="minor">
+            <a:schemeClr val="tx1"/>
+          </a:fontRef>
+        </p:style>
+      </p:cxnSp>
+      <p:sp>
+        <p:nvSpPr>
+          <p:cNvPr id="27" name="TextBox 26">
+            <a:extLst>
+              <a:ext uri="{FF2B5EF4-FFF2-40B4-BE49-F238E27FC236}">
+                <a16:creationId xmlns:a16="http://schemas.microsoft.com/office/drawing/2014/main" id="{584628F6-4189-4537-A441-0443CCD0D27B}"/>
+              </a:ext>
+            </a:extLst>
+          </p:cNvPr>
+          <p:cNvSpPr txBox="1"/>
+          <p:nvPr/>
+        </p:nvSpPr>
+        <p:spPr>
+          <a:xfrm>
+            <a:off x="3252732" y="2848621"/>
+            <a:ext cx="786036" cy="369332"/>
+          </a:xfrm>
+          <a:prstGeom prst="rect">
+            <a:avLst/>
+          </a:prstGeom>
+          <a:noFill/>
+        </p:spPr>
+        <p:txBody>
+          <a:bodyPr wrap="square">
+            <a:spAutoFit/>
+          </a:bodyPr>
+          <a:lstStyle/>
+          <a:p>
+            <a:r>
+              <a:rPr lang="en-US" dirty="0">
+                <a:solidFill>
+                  <a:schemeClr val="bg1"/>
+                </a:solidFill>
+                <a:latin typeface="Arial" panose="020B0604020202020204" pitchFamily="34" charset="0"/>
+                <a:cs typeface="Arial" panose="020B0604020202020204" pitchFamily="34" charset="0"/>
+              </a:rPr>
+              <a:t>Flip</a:t>
+            </a:r>
+          </a:p>
+        </p:txBody>
+      </p:sp>
+      <p:sp>
+        <p:nvSpPr>
+          <p:cNvPr id="28" name="TextBox 27">
+            <a:extLst>
+              <a:ext uri="{FF2B5EF4-FFF2-40B4-BE49-F238E27FC236}">
+                <a16:creationId xmlns:a16="http://schemas.microsoft.com/office/drawing/2014/main" id="{85780113-321D-4C98-AD63-F7C1D82B042E}"/>
+              </a:ext>
+            </a:extLst>
+          </p:cNvPr>
+          <p:cNvSpPr txBox="1"/>
+          <p:nvPr/>
+        </p:nvSpPr>
+        <p:spPr>
+          <a:xfrm>
+            <a:off x="3124817" y="4852945"/>
+            <a:ext cx="945719" cy="369332"/>
+          </a:xfrm>
+          <a:prstGeom prst="rect">
+            <a:avLst/>
+          </a:prstGeom>
+          <a:noFill/>
+        </p:spPr>
+        <p:txBody>
+          <a:bodyPr wrap="square">
+            <a:spAutoFit/>
+          </a:bodyPr>
+          <a:lstStyle/>
+          <a:p>
+            <a:r>
+              <a:rPr lang="en-US" dirty="0">
+                <a:solidFill>
+                  <a:schemeClr val="bg1"/>
+                </a:solidFill>
+                <a:latin typeface="Arial" panose="020B0604020202020204" pitchFamily="34" charset="0"/>
+                <a:cs typeface="Arial" panose="020B0604020202020204" pitchFamily="34" charset="0"/>
+              </a:rPr>
+              <a:t>Rotate</a:t>
+            </a:r>
+          </a:p>
+        </p:txBody>
+      </p:sp>
+    </p:spTree>
+    <p:extLst>
+      <p:ext uri="{BB962C8B-B14F-4D97-AF65-F5344CB8AC3E}">
+        <p14:creationId xmlns:p14="http://schemas.microsoft.com/office/powerpoint/2010/main" val="1994416972"/>
+      </p:ext>
+    </p:extLst>
+  </p:cSld>
+  <p:clrMapOvr>
+    <a:masterClrMapping/>
+  </p:clrMapOvr>
+</p:sld>
+</file>
+
+<file path=ppt/slides/slide16.xml><?xml version="1.0" encoding="utf-8"?>
+<p:sld xmlns:a="http://schemas.openxmlformats.org/drawingml/2006/main" xmlns:r="http://schemas.openxmlformats.org/officeDocument/2006/relationships" xmlns:p="http://schemas.openxmlformats.org/presentationml/2006/main">
+  <p:cSld>
+    <p:spTree>
+      <p:nvGrpSpPr>
+        <p:cNvPr id="1" name=""/>
+        <p:cNvGrpSpPr/>
+        <p:nvPr/>
+      </p:nvGrpSpPr>
+      <p:grpSpPr>
+        <a:xfrm>
+          <a:off x="0" y="0"/>
+          <a:ext cx="0" cy="0"/>
+          <a:chOff x="0" y="0"/>
+          <a:chExt cx="0" cy="0"/>
+        </a:xfrm>
+      </p:grpSpPr>
+      <p:sp>
+        <p:nvSpPr>
+          <p:cNvPr id="2" name="Title 1">
+            <a:extLst>
+              <a:ext uri="{FF2B5EF4-FFF2-40B4-BE49-F238E27FC236}">
+                <a16:creationId xmlns:a16="http://schemas.microsoft.com/office/drawing/2014/main" id="{805346ED-721D-85EE-2F1B-A31D0912DE29}"/>
+              </a:ext>
+            </a:extLst>
+          </p:cNvPr>
+          <p:cNvSpPr>
+            <a:spLocks noGrp="1"/>
+          </p:cNvSpPr>
+          <p:nvPr>
+            <p:ph type="title"/>
+          </p:nvPr>
+        </p:nvSpPr>
+        <p:spPr>
+          <a:xfrm>
+            <a:off x="594360" y="278129"/>
+            <a:ext cx="9778365" cy="761777"/>
+          </a:xfrm>
+        </p:spPr>
+        <p:txBody>
+          <a:bodyPr/>
+          <a:lstStyle/>
+          <a:p>
+            <a:r>
+              <a:rPr lang="en-US" dirty="0" err="1">
+                <a:latin typeface="Arial" panose="020B0604020202020204" pitchFamily="34" charset="0"/>
+                <a:cs typeface="Arial" panose="020B0604020202020204" pitchFamily="34" charset="0"/>
+              </a:rPr>
+              <a:t>Xây</a:t>
+            </a:r>
+            <a:r>
+              <a:rPr lang="en-US" dirty="0">
+                <a:latin typeface="Arial" panose="020B0604020202020204" pitchFamily="34" charset="0"/>
+                <a:cs typeface="Arial" panose="020B0604020202020204" pitchFamily="34" charset="0"/>
+              </a:rPr>
+              <a:t> </a:t>
+            </a:r>
+            <a:r>
+              <a:rPr lang="en-US" dirty="0" err="1">
+                <a:latin typeface="Arial" panose="020B0604020202020204" pitchFamily="34" charset="0"/>
+                <a:cs typeface="Arial" panose="020B0604020202020204" pitchFamily="34" charset="0"/>
+              </a:rPr>
+              <a:t>dựng</a:t>
+            </a:r>
+            <a:r>
+              <a:rPr lang="en-US" dirty="0">
+                <a:latin typeface="Arial" panose="020B0604020202020204" pitchFamily="34" charset="0"/>
+                <a:cs typeface="Arial" panose="020B0604020202020204" pitchFamily="34" charset="0"/>
+              </a:rPr>
+              <a:t> </a:t>
+            </a:r>
+            <a:r>
+              <a:rPr lang="en-US" dirty="0" err="1">
+                <a:latin typeface="Arial" panose="020B0604020202020204" pitchFamily="34" charset="0"/>
+                <a:cs typeface="Arial" panose="020B0604020202020204" pitchFamily="34" charset="0"/>
+              </a:rPr>
+              <a:t>mô</a:t>
+            </a:r>
+            <a:r>
+              <a:rPr lang="en-US" dirty="0">
+                <a:latin typeface="Arial" panose="020B0604020202020204" pitchFamily="34" charset="0"/>
+                <a:cs typeface="Arial" panose="020B0604020202020204" pitchFamily="34" charset="0"/>
+              </a:rPr>
+              <a:t> </a:t>
+            </a:r>
+            <a:r>
+              <a:rPr lang="en-US" dirty="0" err="1">
+                <a:latin typeface="Arial" panose="020B0604020202020204" pitchFamily="34" charset="0"/>
+                <a:cs typeface="Arial" panose="020B0604020202020204" pitchFamily="34" charset="0"/>
+              </a:rPr>
+              <a:t>hình</a:t>
+            </a:r>
+            <a:endParaRPr lang="en-US" dirty="0">
+              <a:latin typeface="Arial" panose="020B0604020202020204" pitchFamily="34" charset="0"/>
+              <a:cs typeface="Arial" panose="020B0604020202020204" pitchFamily="34" charset="0"/>
+            </a:endParaRPr>
+          </a:p>
+        </p:txBody>
+      </p:sp>
+      <p:pic>
+        <p:nvPicPr>
+          <p:cNvPr id="7" name="Graphic 6" descr="Back with solid fill">
+            <a:hlinkClick r:id="rId3" action="ppaction://hlinksldjump"/>
+            <a:extLst>
+              <a:ext uri="{FF2B5EF4-FFF2-40B4-BE49-F238E27FC236}">
+                <a16:creationId xmlns:a16="http://schemas.microsoft.com/office/drawing/2014/main" id="{2B522807-44C6-408D-86E3-9F384174D1A4}"/>
+              </a:ext>
+            </a:extLst>
+          </p:cNvPr>
+          <p:cNvPicPr>
+            <a:picLocks noChangeAspect="1"/>
+          </p:cNvPicPr>
+          <p:nvPr/>
+        </p:nvPicPr>
+        <p:blipFill>
+          <a:blip r:embed="rId4">
+            <a:extLst>
+              <a:ext uri="{28A0092B-C50C-407E-A947-70E740481C1C}">
+                <a14:useLocalDpi xmlns:a14="http://schemas.microsoft.com/office/drawing/2010/main" val="0"/>
+              </a:ext>
+              <a:ext uri="{96DAC541-7B7A-43D3-8B79-37D633B846F1}">
+                <asvg:svgBlip xmlns:asvg="http://schemas.microsoft.com/office/drawing/2016/SVG/main" r:embed="rId5"/>
+              </a:ext>
+            </a:extLst>
+          </a:blip>
+          <a:stretch>
+            <a:fillRect/>
+          </a:stretch>
+        </p:blipFill>
+        <p:spPr>
+          <a:xfrm>
+            <a:off x="773019" y="5883043"/>
+            <a:ext cx="604894" cy="604894"/>
+          </a:xfrm>
+          <a:prstGeom prst="rect">
+            <a:avLst/>
+          </a:prstGeom>
+        </p:spPr>
+      </p:pic>
+      <p:sp>
+        <p:nvSpPr>
+          <p:cNvPr id="19" name="Rectangle 18">
+            <a:extLst>
+              <a:ext uri="{FF2B5EF4-FFF2-40B4-BE49-F238E27FC236}">
+                <a16:creationId xmlns:a16="http://schemas.microsoft.com/office/drawing/2014/main" id="{117D31C9-E459-4107-BD9E-39524C0FEFCC}"/>
+              </a:ext>
+            </a:extLst>
+          </p:cNvPr>
+          <p:cNvSpPr/>
+          <p:nvPr/>
+        </p:nvSpPr>
+        <p:spPr>
+          <a:xfrm>
+            <a:off x="119763" y="1393043"/>
+            <a:ext cx="1306512" cy="1013012"/>
+          </a:xfrm>
+          <a:prstGeom prst="rect">
+            <a:avLst/>
+          </a:prstGeom>
+        </p:spPr>
+        <p:style>
+          <a:lnRef idx="2">
+            <a:schemeClr val="accent1">
+              <a:shade val="50000"/>
+            </a:schemeClr>
+          </a:lnRef>
+          <a:fillRef idx="1">
+            <a:schemeClr val="accent1"/>
+          </a:fillRef>
+          <a:effectRef idx="0">
+            <a:schemeClr val="accent1"/>
+          </a:effectRef>
+          <a:fontRef idx="minor">
+            <a:schemeClr val="lt1"/>
+          </a:fontRef>
+        </p:style>
+        <p:txBody>
+          <a:bodyPr rtlCol="0" anchor="ctr"/>
+          <a:lstStyle/>
+          <a:p>
+            <a:pPr algn="ctr"/>
+            <a:r>
+              <a:rPr lang="en-US" dirty="0">
+                <a:solidFill>
+                  <a:schemeClr val="bg1"/>
+                </a:solidFill>
+                <a:latin typeface="Arial" panose="020B0604020202020204" pitchFamily="34" charset="0"/>
+                <a:cs typeface="Arial" panose="020B0604020202020204" pitchFamily="34" charset="0"/>
+              </a:rPr>
+              <a:t>Input</a:t>
+            </a:r>
+          </a:p>
+        </p:txBody>
+      </p:sp>
+      <p:sp>
+        <p:nvSpPr>
+          <p:cNvPr id="22" name="Rectangle 21">
+            <a:extLst>
+              <a:ext uri="{FF2B5EF4-FFF2-40B4-BE49-F238E27FC236}">
+                <a16:creationId xmlns:a16="http://schemas.microsoft.com/office/drawing/2014/main" id="{CE2ACBB6-B6A3-4CD8-BB53-B9CF6C21418E}"/>
+              </a:ext>
+            </a:extLst>
+          </p:cNvPr>
+          <p:cNvSpPr/>
+          <p:nvPr/>
+        </p:nvSpPr>
+        <p:spPr>
+          <a:xfrm>
+            <a:off x="2096226" y="1393043"/>
+            <a:ext cx="1568190" cy="1013012"/>
+          </a:xfrm>
+          <a:prstGeom prst="rect">
+            <a:avLst/>
+          </a:prstGeom>
+        </p:spPr>
+        <p:style>
+          <a:lnRef idx="2">
+            <a:schemeClr val="accent1">
+              <a:shade val="50000"/>
+            </a:schemeClr>
+          </a:lnRef>
+          <a:fillRef idx="1">
+            <a:schemeClr val="accent1"/>
+          </a:fillRef>
+          <a:effectRef idx="0">
+            <a:schemeClr val="accent1"/>
+          </a:effectRef>
+          <a:fontRef idx="minor">
+            <a:schemeClr val="lt1"/>
+          </a:fontRef>
+        </p:style>
+        <p:txBody>
+          <a:bodyPr rtlCol="0" anchor="ctr"/>
+          <a:lstStyle/>
+          <a:p>
+            <a:pPr algn="ctr"/>
+            <a:r>
+              <a:rPr lang="en-US" dirty="0">
+                <a:solidFill>
+                  <a:schemeClr val="bg1"/>
+                </a:solidFill>
+                <a:latin typeface="Arial" panose="020B0604020202020204" pitchFamily="34" charset="0"/>
+                <a:cs typeface="Arial" panose="020B0604020202020204" pitchFamily="34" charset="0"/>
+              </a:rPr>
+              <a:t>Conv2d</a:t>
+            </a:r>
+          </a:p>
+          <a:p>
+            <a:pPr algn="ctr"/>
+            <a:r>
+              <a:rPr lang="en-US" dirty="0">
+                <a:solidFill>
+                  <a:schemeClr val="bg1"/>
+                </a:solidFill>
+                <a:latin typeface="Arial" panose="020B0604020202020204" pitchFamily="34" charset="0"/>
+                <a:cs typeface="Arial" panose="020B0604020202020204" pitchFamily="34" charset="0"/>
+              </a:rPr>
+              <a:t>32@3x3</a:t>
+            </a:r>
+            <a:endParaRPr lang="vi-VN" dirty="0">
+              <a:solidFill>
+                <a:schemeClr val="bg1"/>
+              </a:solidFill>
+              <a:latin typeface="Arial" panose="020B0604020202020204" pitchFamily="34" charset="0"/>
+              <a:cs typeface="Arial" panose="020B0604020202020204" pitchFamily="34" charset="0"/>
+            </a:endParaRPr>
+          </a:p>
+        </p:txBody>
+      </p:sp>
+      <p:sp>
+        <p:nvSpPr>
+          <p:cNvPr id="29" name="Rectangle 28">
+            <a:extLst>
+              <a:ext uri="{FF2B5EF4-FFF2-40B4-BE49-F238E27FC236}">
+                <a16:creationId xmlns:a16="http://schemas.microsoft.com/office/drawing/2014/main" id="{0A922B01-CE1C-4A32-A1B6-779BCBAF2193}"/>
+              </a:ext>
+            </a:extLst>
+          </p:cNvPr>
+          <p:cNvSpPr/>
+          <p:nvPr/>
+        </p:nvSpPr>
+        <p:spPr>
+          <a:xfrm>
+            <a:off x="4394623" y="1415616"/>
+            <a:ext cx="1648732" cy="1013012"/>
+          </a:xfrm>
+          <a:prstGeom prst="rect">
+            <a:avLst/>
+          </a:prstGeom>
+        </p:spPr>
+        <p:style>
+          <a:lnRef idx="2">
+            <a:schemeClr val="accent1">
+              <a:shade val="50000"/>
+            </a:schemeClr>
+          </a:lnRef>
+          <a:fillRef idx="1">
+            <a:schemeClr val="accent1"/>
+          </a:fillRef>
+          <a:effectRef idx="0">
+            <a:schemeClr val="accent1"/>
+          </a:effectRef>
+          <a:fontRef idx="minor">
+            <a:schemeClr val="lt1"/>
+          </a:fontRef>
+        </p:style>
+        <p:txBody>
+          <a:bodyPr rtlCol="0" anchor="ctr"/>
+          <a:lstStyle/>
+          <a:p>
+            <a:pPr algn="ctr"/>
+            <a:r>
+              <a:rPr lang="en-US" dirty="0">
+                <a:solidFill>
+                  <a:schemeClr val="bg1"/>
+                </a:solidFill>
+                <a:latin typeface="Arial" panose="020B0604020202020204" pitchFamily="34" charset="0"/>
+                <a:cs typeface="Arial" panose="020B0604020202020204" pitchFamily="34" charset="0"/>
+              </a:rPr>
+              <a:t>Conv2d</a:t>
+            </a:r>
+          </a:p>
+          <a:p>
+            <a:pPr algn="ctr"/>
+            <a:r>
+              <a:rPr lang="en-US" dirty="0">
+                <a:solidFill>
+                  <a:schemeClr val="bg1"/>
+                </a:solidFill>
+                <a:latin typeface="Arial" panose="020B0604020202020204" pitchFamily="34" charset="0"/>
+                <a:cs typeface="Arial" panose="020B0604020202020204" pitchFamily="34" charset="0"/>
+              </a:rPr>
+              <a:t>64@3x3</a:t>
+            </a:r>
+            <a:endParaRPr lang="vi-VN" dirty="0">
+              <a:solidFill>
+                <a:schemeClr val="bg1"/>
+              </a:solidFill>
+              <a:latin typeface="Arial" panose="020B0604020202020204" pitchFamily="34" charset="0"/>
+              <a:cs typeface="Arial" panose="020B0604020202020204" pitchFamily="34" charset="0"/>
+            </a:endParaRPr>
+          </a:p>
+        </p:txBody>
+      </p:sp>
+      <p:sp>
+        <p:nvSpPr>
+          <p:cNvPr id="35" name="Rectangle 34">
+            <a:extLst>
+              <a:ext uri="{FF2B5EF4-FFF2-40B4-BE49-F238E27FC236}">
+                <a16:creationId xmlns:a16="http://schemas.microsoft.com/office/drawing/2014/main" id="{AE3B7ECF-DDFF-4805-9528-4194F4C3FC9E}"/>
+              </a:ext>
+            </a:extLst>
+          </p:cNvPr>
+          <p:cNvSpPr/>
+          <p:nvPr/>
+        </p:nvSpPr>
+        <p:spPr>
+          <a:xfrm>
+            <a:off x="2096226" y="2951839"/>
+            <a:ext cx="1577076" cy="627718"/>
+          </a:xfrm>
+          <a:prstGeom prst="rect">
+            <a:avLst/>
+          </a:prstGeom>
+        </p:spPr>
+        <p:style>
+          <a:lnRef idx="2">
+            <a:schemeClr val="accent1">
+              <a:shade val="50000"/>
+            </a:schemeClr>
+          </a:lnRef>
+          <a:fillRef idx="1">
+            <a:schemeClr val="accent1"/>
+          </a:fillRef>
+          <a:effectRef idx="0">
+            <a:schemeClr val="accent1"/>
+          </a:effectRef>
+          <a:fontRef idx="minor">
+            <a:schemeClr val="lt1"/>
+          </a:fontRef>
+        </p:style>
+        <p:txBody>
+          <a:bodyPr rtlCol="0" anchor="ctr"/>
+          <a:lstStyle/>
+          <a:p>
+            <a:pPr algn="ctr"/>
+            <a:r>
+              <a:rPr lang="en-US" dirty="0">
+                <a:solidFill>
+                  <a:schemeClr val="bg1"/>
+                </a:solidFill>
+                <a:latin typeface="Arial" panose="020B0604020202020204" pitchFamily="34" charset="0"/>
+                <a:cs typeface="Arial" panose="020B0604020202020204" pitchFamily="34" charset="0"/>
+              </a:rPr>
+              <a:t>Max pooling</a:t>
+            </a:r>
+          </a:p>
+          <a:p>
+            <a:pPr algn="ctr"/>
+            <a:r>
+              <a:rPr lang="en-US" dirty="0">
+                <a:solidFill>
+                  <a:schemeClr val="bg1"/>
+                </a:solidFill>
+                <a:latin typeface="Arial" panose="020B0604020202020204" pitchFamily="34" charset="0"/>
+                <a:cs typeface="Arial" panose="020B0604020202020204" pitchFamily="34" charset="0"/>
+              </a:rPr>
+              <a:t> 2x2</a:t>
+            </a:r>
+          </a:p>
+        </p:txBody>
+      </p:sp>
+      <p:sp>
+        <p:nvSpPr>
+          <p:cNvPr id="49" name="Rectangle 48">
+            <a:extLst>
+              <a:ext uri="{FF2B5EF4-FFF2-40B4-BE49-F238E27FC236}">
+                <a16:creationId xmlns:a16="http://schemas.microsoft.com/office/drawing/2014/main" id="{0F75D527-93D3-448B-A3EE-D1410C72E956}"/>
+              </a:ext>
+            </a:extLst>
+          </p:cNvPr>
+          <p:cNvSpPr/>
+          <p:nvPr/>
+        </p:nvSpPr>
+        <p:spPr>
+          <a:xfrm>
+            <a:off x="4388478" y="2951839"/>
+            <a:ext cx="1648733" cy="627718"/>
+          </a:xfrm>
+          <a:prstGeom prst="rect">
+            <a:avLst/>
+          </a:prstGeom>
+        </p:spPr>
+        <p:style>
+          <a:lnRef idx="2">
+            <a:schemeClr val="accent1">
+              <a:shade val="50000"/>
+            </a:schemeClr>
+          </a:lnRef>
+          <a:fillRef idx="1">
+            <a:schemeClr val="accent1"/>
+          </a:fillRef>
+          <a:effectRef idx="0">
+            <a:schemeClr val="accent1"/>
+          </a:effectRef>
+          <a:fontRef idx="minor">
+            <a:schemeClr val="lt1"/>
+          </a:fontRef>
+        </p:style>
+        <p:txBody>
+          <a:bodyPr rtlCol="0" anchor="ctr"/>
+          <a:lstStyle/>
+          <a:p>
+            <a:pPr algn="ctr"/>
+            <a:r>
+              <a:rPr lang="en-US" dirty="0">
+                <a:solidFill>
+                  <a:schemeClr val="bg1"/>
+                </a:solidFill>
+                <a:latin typeface="Arial" panose="020B0604020202020204" pitchFamily="34" charset="0"/>
+                <a:cs typeface="Arial" panose="020B0604020202020204" pitchFamily="34" charset="0"/>
+              </a:rPr>
+              <a:t>Max pooling </a:t>
+            </a:r>
+          </a:p>
+          <a:p>
+            <a:pPr algn="ctr"/>
+            <a:r>
+              <a:rPr lang="en-US" dirty="0">
+                <a:solidFill>
+                  <a:schemeClr val="bg1"/>
+                </a:solidFill>
+                <a:latin typeface="Arial" panose="020B0604020202020204" pitchFamily="34" charset="0"/>
+                <a:cs typeface="Arial" panose="020B0604020202020204" pitchFamily="34" charset="0"/>
+              </a:rPr>
+              <a:t>2x2</a:t>
+            </a:r>
+          </a:p>
+        </p:txBody>
+      </p:sp>
+      <p:sp>
+        <p:nvSpPr>
+          <p:cNvPr id="11" name="Rectangle 10">
+            <a:extLst>
+              <a:ext uri="{FF2B5EF4-FFF2-40B4-BE49-F238E27FC236}">
+                <a16:creationId xmlns:a16="http://schemas.microsoft.com/office/drawing/2014/main" id="{39746EEB-FF54-4F2F-936C-2D71A4BDA69D}"/>
+              </a:ext>
+            </a:extLst>
+          </p:cNvPr>
+          <p:cNvSpPr/>
+          <p:nvPr/>
+        </p:nvSpPr>
+        <p:spPr>
+          <a:xfrm>
+            <a:off x="6855433" y="2773687"/>
+            <a:ext cx="1275188" cy="1013012"/>
+          </a:xfrm>
+          <a:prstGeom prst="rect">
+            <a:avLst/>
+          </a:prstGeom>
+        </p:spPr>
+        <p:style>
+          <a:lnRef idx="2">
+            <a:schemeClr val="accent1">
+              <a:shade val="50000"/>
+            </a:schemeClr>
+          </a:lnRef>
+          <a:fillRef idx="1">
+            <a:schemeClr val="accent1"/>
+          </a:fillRef>
+          <a:effectRef idx="0">
+            <a:schemeClr val="accent1"/>
+          </a:effectRef>
+          <a:fontRef idx="minor">
+            <a:schemeClr val="lt1"/>
+          </a:fontRef>
+        </p:style>
+        <p:txBody>
+          <a:bodyPr rtlCol="0" anchor="ctr"/>
+          <a:lstStyle/>
+          <a:p>
+            <a:pPr algn="ctr"/>
+            <a:r>
+              <a:rPr lang="en-US" dirty="0">
+                <a:solidFill>
+                  <a:schemeClr val="bg1"/>
+                </a:solidFill>
+                <a:latin typeface="Arial" panose="020B0604020202020204" pitchFamily="34" charset="0"/>
+                <a:cs typeface="Arial" panose="020B0604020202020204" pitchFamily="34" charset="0"/>
+              </a:rPr>
+              <a:t>Flatten</a:t>
+            </a:r>
+          </a:p>
+        </p:txBody>
+      </p:sp>
+      <p:sp>
+        <p:nvSpPr>
+          <p:cNvPr id="12" name="Rectangle 11">
+            <a:extLst>
+              <a:ext uri="{FF2B5EF4-FFF2-40B4-BE49-F238E27FC236}">
+                <a16:creationId xmlns:a16="http://schemas.microsoft.com/office/drawing/2014/main" id="{677A58BD-49AE-42E3-8D83-4A08B30A2D3B}"/>
+              </a:ext>
+            </a:extLst>
+          </p:cNvPr>
+          <p:cNvSpPr/>
+          <p:nvPr/>
+        </p:nvSpPr>
+        <p:spPr>
+          <a:xfrm>
+            <a:off x="8800930" y="2773687"/>
+            <a:ext cx="1568190" cy="1013012"/>
+          </a:xfrm>
+          <a:prstGeom prst="rect">
+            <a:avLst/>
+          </a:prstGeom>
+        </p:spPr>
+        <p:style>
+          <a:lnRef idx="2">
+            <a:schemeClr val="accent1">
+              <a:shade val="50000"/>
+            </a:schemeClr>
+          </a:lnRef>
+          <a:fillRef idx="1">
+            <a:schemeClr val="accent1"/>
+          </a:fillRef>
+          <a:effectRef idx="0">
+            <a:schemeClr val="accent1"/>
+          </a:effectRef>
+          <a:fontRef idx="minor">
+            <a:schemeClr val="lt1"/>
+          </a:fontRef>
+        </p:style>
+        <p:txBody>
+          <a:bodyPr rtlCol="0" anchor="ctr"/>
+          <a:lstStyle/>
+          <a:p>
+            <a:pPr algn="ctr"/>
+            <a:r>
+              <a:rPr lang="en-US" dirty="0">
+                <a:solidFill>
+                  <a:schemeClr val="bg1"/>
+                </a:solidFill>
+                <a:latin typeface="Arial" panose="020B0604020202020204" pitchFamily="34" charset="0"/>
+                <a:cs typeface="Arial" panose="020B0604020202020204" pitchFamily="34" charset="0"/>
+              </a:rPr>
+              <a:t>Fully Connected</a:t>
+            </a:r>
+          </a:p>
+        </p:txBody>
+      </p:sp>
+      <p:sp>
+        <p:nvSpPr>
+          <p:cNvPr id="13" name="Rectangle 12">
+            <a:extLst>
+              <a:ext uri="{FF2B5EF4-FFF2-40B4-BE49-F238E27FC236}">
+                <a16:creationId xmlns:a16="http://schemas.microsoft.com/office/drawing/2014/main" id="{D253D37B-D8FA-49A7-9760-80B7A08BFC26}"/>
+              </a:ext>
+            </a:extLst>
+          </p:cNvPr>
+          <p:cNvSpPr/>
+          <p:nvPr/>
+        </p:nvSpPr>
+        <p:spPr>
+          <a:xfrm>
+            <a:off x="8894780" y="4758321"/>
+            <a:ext cx="1380490" cy="1013012"/>
+          </a:xfrm>
+          <a:prstGeom prst="rect">
+            <a:avLst/>
+          </a:prstGeom>
+        </p:spPr>
+        <p:style>
+          <a:lnRef idx="2">
+            <a:schemeClr val="accent1">
+              <a:shade val="50000"/>
+            </a:schemeClr>
+          </a:lnRef>
+          <a:fillRef idx="1">
+            <a:schemeClr val="accent1"/>
+          </a:fillRef>
+          <a:effectRef idx="0">
+            <a:schemeClr val="accent1"/>
+          </a:effectRef>
+          <a:fontRef idx="minor">
+            <a:schemeClr val="lt1"/>
+          </a:fontRef>
+        </p:style>
+        <p:txBody>
+          <a:bodyPr rtlCol="0" anchor="ctr"/>
+          <a:lstStyle/>
+          <a:p>
+            <a:pPr algn="ctr"/>
+            <a:r>
+              <a:rPr lang="en-US" dirty="0">
+                <a:solidFill>
+                  <a:schemeClr val="bg1"/>
+                </a:solidFill>
+                <a:latin typeface="Arial" panose="020B0604020202020204" pitchFamily="34" charset="0"/>
+                <a:cs typeface="Arial" panose="020B0604020202020204" pitchFamily="34" charset="0"/>
+              </a:rPr>
+              <a:t>Output</a:t>
+            </a:r>
+          </a:p>
+        </p:txBody>
+      </p:sp>
+      <p:sp>
+        <p:nvSpPr>
+          <p:cNvPr id="14" name="TextBox 13">
+            <a:extLst>
+              <a:ext uri="{FF2B5EF4-FFF2-40B4-BE49-F238E27FC236}">
+                <a16:creationId xmlns:a16="http://schemas.microsoft.com/office/drawing/2014/main" id="{DD6382AC-8B2D-4EF5-8EB8-8EF5EB95FF3E}"/>
+              </a:ext>
+            </a:extLst>
+          </p:cNvPr>
+          <p:cNvSpPr txBox="1"/>
+          <p:nvPr/>
+        </p:nvSpPr>
+        <p:spPr>
+          <a:xfrm>
+            <a:off x="190798" y="2737828"/>
+            <a:ext cx="1190252" cy="369332"/>
+          </a:xfrm>
+          <a:prstGeom prst="rect">
+            <a:avLst/>
+          </a:prstGeom>
+          <a:noFill/>
+        </p:spPr>
+        <p:txBody>
+          <a:bodyPr wrap="square">
+            <a:spAutoFit/>
+          </a:bodyPr>
+          <a:lstStyle/>
+          <a:p>
+            <a:r>
+              <a:rPr lang="en-US" dirty="0">
+                <a:solidFill>
+                  <a:schemeClr val="bg1"/>
+                </a:solidFill>
+                <a:latin typeface="Arial" panose="020B0604020202020204" pitchFamily="34" charset="0"/>
+                <a:cs typeface="Arial" panose="020B0604020202020204" pitchFamily="34" charset="0"/>
+              </a:rPr>
+              <a:t>256x256</a:t>
+            </a:r>
+          </a:p>
+        </p:txBody>
+      </p:sp>
+      <p:cxnSp>
+        <p:nvCxnSpPr>
+          <p:cNvPr id="4" name="Straight Arrow Connector 3">
+            <a:extLst>
+              <a:ext uri="{FF2B5EF4-FFF2-40B4-BE49-F238E27FC236}">
+                <a16:creationId xmlns:a16="http://schemas.microsoft.com/office/drawing/2014/main" id="{04EBE41C-4C29-45DB-8547-928D98FB3A36}"/>
+              </a:ext>
+            </a:extLst>
+          </p:cNvPr>
+          <p:cNvCxnSpPr>
+            <a:stCxn id="19" idx="3"/>
+            <a:endCxn id="22" idx="1"/>
+          </p:cNvCxnSpPr>
+          <p:nvPr/>
+        </p:nvCxnSpPr>
+        <p:spPr>
+          <a:xfrm>
+            <a:off x="1426275" y="1899549"/>
+            <a:ext cx="669951" cy="0"/>
+          </a:xfrm>
+          <a:prstGeom prst="straightConnector1">
+            <a:avLst/>
+          </a:prstGeom>
+          <a:ln>
+            <a:tailEnd type="triangle"/>
+          </a:ln>
+        </p:spPr>
+        <p:style>
+          <a:lnRef idx="3">
+            <a:schemeClr val="accent3"/>
+          </a:lnRef>
+          <a:fillRef idx="0">
+            <a:schemeClr val="accent3"/>
+          </a:fillRef>
+          <a:effectRef idx="2">
+            <a:schemeClr val="accent3"/>
+          </a:effectRef>
+          <a:fontRef idx="minor">
+            <a:schemeClr val="tx1"/>
+          </a:fontRef>
+        </p:style>
+      </p:cxnSp>
+      <p:cxnSp>
+        <p:nvCxnSpPr>
+          <p:cNvPr id="6" name="Straight Arrow Connector 5">
+            <a:extLst>
+              <a:ext uri="{FF2B5EF4-FFF2-40B4-BE49-F238E27FC236}">
+                <a16:creationId xmlns:a16="http://schemas.microsoft.com/office/drawing/2014/main" id="{C428C8D6-B03D-460D-BDEB-4777905D3AC1}"/>
+              </a:ext>
+            </a:extLst>
+          </p:cNvPr>
+          <p:cNvCxnSpPr>
+            <a:stCxn id="22" idx="2"/>
+            <a:endCxn id="35" idx="0"/>
+          </p:cNvCxnSpPr>
+          <p:nvPr/>
+        </p:nvCxnSpPr>
+        <p:spPr>
+          <a:xfrm>
+            <a:off x="2880321" y="2406055"/>
+            <a:ext cx="4443" cy="545784"/>
+          </a:xfrm>
+          <a:prstGeom prst="straightConnector1">
+            <a:avLst/>
+          </a:prstGeom>
+          <a:ln>
+            <a:tailEnd type="triangle"/>
+          </a:ln>
+        </p:spPr>
+        <p:style>
+          <a:lnRef idx="3">
+            <a:schemeClr val="accent3"/>
+          </a:lnRef>
+          <a:fillRef idx="0">
+            <a:schemeClr val="accent3"/>
+          </a:fillRef>
+          <a:effectRef idx="2">
+            <a:schemeClr val="accent3"/>
+          </a:effectRef>
+          <a:fontRef idx="minor">
+            <a:schemeClr val="tx1"/>
+          </a:fontRef>
+        </p:style>
+      </p:cxnSp>
+      <p:cxnSp>
+        <p:nvCxnSpPr>
+          <p:cNvPr id="9" name="Straight Arrow Connector 8">
+            <a:extLst>
+              <a:ext uri="{FF2B5EF4-FFF2-40B4-BE49-F238E27FC236}">
+                <a16:creationId xmlns:a16="http://schemas.microsoft.com/office/drawing/2014/main" id="{B38C2052-01A9-4063-8A81-F56240F320B3}"/>
+              </a:ext>
+            </a:extLst>
+          </p:cNvPr>
+          <p:cNvCxnSpPr>
+            <a:stCxn id="35" idx="3"/>
+            <a:endCxn id="29" idx="1"/>
+          </p:cNvCxnSpPr>
+          <p:nvPr/>
+        </p:nvCxnSpPr>
+        <p:spPr>
+          <a:xfrm flipV="1">
+            <a:off x="3673302" y="1922122"/>
+            <a:ext cx="721321" cy="1343576"/>
+          </a:xfrm>
+          <a:prstGeom prst="straightConnector1">
+            <a:avLst/>
+          </a:prstGeom>
+          <a:ln>
+            <a:tailEnd type="triangle"/>
+          </a:ln>
+        </p:spPr>
+        <p:style>
+          <a:lnRef idx="3">
+            <a:schemeClr val="accent3"/>
+          </a:lnRef>
+          <a:fillRef idx="0">
+            <a:schemeClr val="accent3"/>
+          </a:fillRef>
+          <a:effectRef idx="2">
+            <a:schemeClr val="accent3"/>
+          </a:effectRef>
+          <a:fontRef idx="minor">
+            <a:schemeClr val="tx1"/>
+          </a:fontRef>
+        </p:style>
+      </p:cxnSp>
+      <p:cxnSp>
+        <p:nvCxnSpPr>
+          <p:cNvPr id="15" name="Straight Arrow Connector 14">
+            <a:extLst>
+              <a:ext uri="{FF2B5EF4-FFF2-40B4-BE49-F238E27FC236}">
+                <a16:creationId xmlns:a16="http://schemas.microsoft.com/office/drawing/2014/main" id="{024DAF38-6B37-447F-A937-CDA3181E0283}"/>
+              </a:ext>
+            </a:extLst>
+          </p:cNvPr>
+          <p:cNvCxnSpPr>
+            <a:stCxn id="29" idx="2"/>
+            <a:endCxn id="49" idx="0"/>
+          </p:cNvCxnSpPr>
+          <p:nvPr/>
+        </p:nvCxnSpPr>
+        <p:spPr>
+          <a:xfrm flipH="1">
+            <a:off x="5212845" y="2428628"/>
+            <a:ext cx="6144" cy="523211"/>
+          </a:xfrm>
+          <a:prstGeom prst="straightConnector1">
+            <a:avLst/>
+          </a:prstGeom>
+          <a:ln>
+            <a:tailEnd type="triangle"/>
+          </a:ln>
+        </p:spPr>
+        <p:style>
+          <a:lnRef idx="3">
+            <a:schemeClr val="accent3"/>
+          </a:lnRef>
+          <a:fillRef idx="0">
+            <a:schemeClr val="accent3"/>
+          </a:fillRef>
+          <a:effectRef idx="2">
+            <a:schemeClr val="accent3"/>
+          </a:effectRef>
+          <a:fontRef idx="minor">
+            <a:schemeClr val="tx1"/>
+          </a:fontRef>
+        </p:style>
+      </p:cxnSp>
+      <p:cxnSp>
+        <p:nvCxnSpPr>
+          <p:cNvPr id="17" name="Straight Arrow Connector 16">
+            <a:extLst>
+              <a:ext uri="{FF2B5EF4-FFF2-40B4-BE49-F238E27FC236}">
+                <a16:creationId xmlns:a16="http://schemas.microsoft.com/office/drawing/2014/main" id="{AD8F5FD4-72AA-4D89-A84C-A0EFB9266571}"/>
+              </a:ext>
+            </a:extLst>
+          </p:cNvPr>
+          <p:cNvCxnSpPr>
+            <a:stCxn id="49" idx="3"/>
+            <a:endCxn id="11" idx="1"/>
+          </p:cNvCxnSpPr>
+          <p:nvPr/>
+        </p:nvCxnSpPr>
+        <p:spPr>
+          <a:xfrm>
+            <a:off x="6037211" y="3265698"/>
+            <a:ext cx="818222" cy="14495"/>
+          </a:xfrm>
+          <a:prstGeom prst="straightConnector1">
+            <a:avLst/>
+          </a:prstGeom>
+          <a:ln>
+            <a:tailEnd type="triangle"/>
+          </a:ln>
+        </p:spPr>
+        <p:style>
+          <a:lnRef idx="3">
+            <a:schemeClr val="accent3"/>
+          </a:lnRef>
+          <a:fillRef idx="0">
+            <a:schemeClr val="accent3"/>
+          </a:fillRef>
+          <a:effectRef idx="2">
+            <a:schemeClr val="accent3"/>
+          </a:effectRef>
+          <a:fontRef idx="minor">
+            <a:schemeClr val="tx1"/>
+          </a:fontRef>
+        </p:style>
+      </p:cxnSp>
+      <p:cxnSp>
+        <p:nvCxnSpPr>
+          <p:cNvPr id="20" name="Straight Arrow Connector 19">
+            <a:extLst>
+              <a:ext uri="{FF2B5EF4-FFF2-40B4-BE49-F238E27FC236}">
+                <a16:creationId xmlns:a16="http://schemas.microsoft.com/office/drawing/2014/main" id="{A842DD6B-0480-4CE7-A460-D6CFE3F897C9}"/>
+              </a:ext>
+            </a:extLst>
+          </p:cNvPr>
+          <p:cNvCxnSpPr>
+            <a:stCxn id="11" idx="3"/>
+            <a:endCxn id="12" idx="1"/>
+          </p:cNvCxnSpPr>
+          <p:nvPr/>
+        </p:nvCxnSpPr>
+        <p:spPr>
+          <a:xfrm>
+            <a:off x="8130621" y="3280193"/>
+            <a:ext cx="670309" cy="0"/>
+          </a:xfrm>
+          <a:prstGeom prst="straightConnector1">
+            <a:avLst/>
+          </a:prstGeom>
+          <a:ln>
+            <a:tailEnd type="triangle"/>
+          </a:ln>
+        </p:spPr>
+        <p:style>
+          <a:lnRef idx="3">
+            <a:schemeClr val="accent3"/>
+          </a:lnRef>
+          <a:fillRef idx="0">
+            <a:schemeClr val="accent3"/>
+          </a:fillRef>
+          <a:effectRef idx="2">
+            <a:schemeClr val="accent3"/>
+          </a:effectRef>
+          <a:fontRef idx="minor">
+            <a:schemeClr val="tx1"/>
+          </a:fontRef>
+        </p:style>
+      </p:cxnSp>
+      <p:cxnSp>
+        <p:nvCxnSpPr>
+          <p:cNvPr id="61" name="Straight Arrow Connector 60">
+            <a:extLst>
+              <a:ext uri="{FF2B5EF4-FFF2-40B4-BE49-F238E27FC236}">
+                <a16:creationId xmlns:a16="http://schemas.microsoft.com/office/drawing/2014/main" id="{88174E2D-D36D-4F9C-B3FA-9B2283B05096}"/>
+              </a:ext>
+            </a:extLst>
+          </p:cNvPr>
+          <p:cNvCxnSpPr>
+            <a:stCxn id="12" idx="2"/>
+            <a:endCxn id="13" idx="0"/>
+          </p:cNvCxnSpPr>
+          <p:nvPr/>
+        </p:nvCxnSpPr>
+        <p:spPr>
+          <a:xfrm>
+            <a:off x="9585025" y="3786699"/>
+            <a:ext cx="0" cy="971622"/>
+          </a:xfrm>
+          <a:prstGeom prst="straightConnector1">
+            <a:avLst/>
+          </a:prstGeom>
+          <a:ln>
+            <a:tailEnd type="triangle"/>
+          </a:ln>
+        </p:spPr>
+        <p:style>
+          <a:lnRef idx="3">
+            <a:schemeClr val="accent3"/>
+          </a:lnRef>
+          <a:fillRef idx="0">
+            <a:schemeClr val="accent3"/>
+          </a:fillRef>
+          <a:effectRef idx="2">
+            <a:schemeClr val="accent3"/>
+          </a:effectRef>
+          <a:fontRef idx="minor">
+            <a:schemeClr val="tx1"/>
+          </a:fontRef>
+        </p:style>
+      </p:cxnSp>
+      <p:sp>
+        <p:nvSpPr>
+          <p:cNvPr id="62" name="TextBox 61">
+            <a:extLst>
+              <a:ext uri="{FF2B5EF4-FFF2-40B4-BE49-F238E27FC236}">
+                <a16:creationId xmlns:a16="http://schemas.microsoft.com/office/drawing/2014/main" id="{4A15CF2C-889C-4999-A1AC-720058F16671}"/>
+              </a:ext>
+            </a:extLst>
+          </p:cNvPr>
+          <p:cNvSpPr txBox="1"/>
+          <p:nvPr/>
+        </p:nvSpPr>
+        <p:spPr>
+          <a:xfrm>
+            <a:off x="6096000" y="2379469"/>
+            <a:ext cx="1190252" cy="369332"/>
+          </a:xfrm>
+          <a:prstGeom prst="rect">
+            <a:avLst/>
+          </a:prstGeom>
+          <a:noFill/>
+        </p:spPr>
+        <p:txBody>
+          <a:bodyPr wrap="square">
+            <a:spAutoFit/>
+          </a:bodyPr>
+          <a:lstStyle/>
+          <a:p>
+            <a:r>
+              <a:rPr lang="en-US" dirty="0">
+                <a:solidFill>
+                  <a:schemeClr val="bg1"/>
+                </a:solidFill>
+                <a:latin typeface="Arial" panose="020B0604020202020204" pitchFamily="34" charset="0"/>
+                <a:cs typeface="Arial" panose="020B0604020202020204" pitchFamily="34" charset="0"/>
+              </a:rPr>
+              <a:t>x5</a:t>
+            </a:r>
+          </a:p>
+        </p:txBody>
+      </p:sp>
+      <p:sp>
+        <p:nvSpPr>
+          <p:cNvPr id="63" name="TextBox 62">
+            <a:extLst>
+              <a:ext uri="{FF2B5EF4-FFF2-40B4-BE49-F238E27FC236}">
+                <a16:creationId xmlns:a16="http://schemas.microsoft.com/office/drawing/2014/main" id="{00EDB90F-F940-4A43-9EF0-D22CAAAD18E5}"/>
+              </a:ext>
+            </a:extLst>
+          </p:cNvPr>
+          <p:cNvSpPr txBox="1"/>
+          <p:nvPr/>
+        </p:nvSpPr>
+        <p:spPr>
+          <a:xfrm>
+            <a:off x="9056886" y="2309615"/>
+            <a:ext cx="1190252" cy="369332"/>
+          </a:xfrm>
+          <a:prstGeom prst="rect">
+            <a:avLst/>
+          </a:prstGeom>
+          <a:noFill/>
+        </p:spPr>
+        <p:txBody>
+          <a:bodyPr wrap="square">
+            <a:spAutoFit/>
+          </a:bodyPr>
+          <a:lstStyle/>
+          <a:p>
+            <a:r>
+              <a:rPr lang="en-US" dirty="0">
+                <a:solidFill>
+                  <a:schemeClr val="bg1"/>
+                </a:solidFill>
+                <a:latin typeface="Arial" panose="020B0604020202020204" pitchFamily="34" charset="0"/>
+                <a:cs typeface="Arial" panose="020B0604020202020204" pitchFamily="34" charset="0"/>
+              </a:rPr>
+              <a:t>64 node</a:t>
+            </a:r>
+          </a:p>
+        </p:txBody>
+      </p:sp>
+      <p:sp>
+        <p:nvSpPr>
+          <p:cNvPr id="64" name="TextBox 63">
+            <a:extLst>
+              <a:ext uri="{FF2B5EF4-FFF2-40B4-BE49-F238E27FC236}">
+                <a16:creationId xmlns:a16="http://schemas.microsoft.com/office/drawing/2014/main" id="{87E2F551-4863-4685-9AB0-D006796F06B7}"/>
+              </a:ext>
+            </a:extLst>
+          </p:cNvPr>
+          <p:cNvSpPr txBox="1"/>
+          <p:nvPr/>
+        </p:nvSpPr>
+        <p:spPr>
+          <a:xfrm>
+            <a:off x="8989899" y="5883043"/>
+            <a:ext cx="1190252" cy="369332"/>
+          </a:xfrm>
+          <a:prstGeom prst="rect">
+            <a:avLst/>
+          </a:prstGeom>
+          <a:noFill/>
+        </p:spPr>
+        <p:txBody>
+          <a:bodyPr wrap="square">
+            <a:spAutoFit/>
+          </a:bodyPr>
+          <a:lstStyle/>
+          <a:p>
+            <a:r>
+              <a:rPr lang="en-US" dirty="0">
+                <a:solidFill>
+                  <a:schemeClr val="bg1"/>
+                </a:solidFill>
+                <a:latin typeface="Arial" panose="020B0604020202020204" pitchFamily="34" charset="0"/>
+                <a:cs typeface="Arial" panose="020B0604020202020204" pitchFamily="34" charset="0"/>
+              </a:rPr>
+              <a:t>3 class</a:t>
+            </a:r>
+          </a:p>
+        </p:txBody>
+      </p:sp>
+    </p:spTree>
+    <p:extLst>
+      <p:ext uri="{BB962C8B-B14F-4D97-AF65-F5344CB8AC3E}">
+        <p14:creationId xmlns:p14="http://schemas.microsoft.com/office/powerpoint/2010/main" val="3856440458"/>
       </p:ext>
     </p:extLst>
   </p:cSld>
@@ -15850,7 +18751,7 @@
         <p:spPr>
           <a:xfrm>
             <a:off x="594360" y="102875"/>
-            <a:ext cx="10873740" cy="1680205"/>
+            <a:ext cx="10873740" cy="773425"/>
           </a:xfrm>
         </p:spPr>
         <p:txBody>
@@ -15862,7 +18763,7 @@
                 <a:latin typeface="Arial" panose="020B0604020202020204" pitchFamily="34" charset="0"/>
                 <a:cs typeface="Arial" panose="020B0604020202020204" pitchFamily="34" charset="0"/>
               </a:rPr>
-              <a:t>Mô</a:t>
+              <a:t>Mạng</a:t>
             </a:r>
             <a:r>
               <a:rPr lang="en-US" dirty="0">
@@ -15876,7 +18777,7 @@
                 <a:latin typeface="Arial" panose="020B0604020202020204" pitchFamily="34" charset="0"/>
                 <a:cs typeface="Arial" panose="020B0604020202020204" pitchFamily="34" charset="0"/>
               </a:rPr>
-              <a:t>hình</a:t>
+              <a:t>nơ-ron</a:t>
             </a:r>
             <a:r>
               <a:rPr lang="en-US" dirty="0">
@@ -15890,7 +18791,7 @@
                 <a:latin typeface="Arial" panose="020B0604020202020204" pitchFamily="34" charset="0"/>
                 <a:cs typeface="Arial" panose="020B0604020202020204" pitchFamily="34" charset="0"/>
               </a:rPr>
-              <a:t>sử</a:t>
+              <a:t>tích</a:t>
             </a:r>
             <a:r>
               <a:rPr lang="en-US" dirty="0">
@@ -15904,7 +18805,7 @@
                 <a:latin typeface="Arial" panose="020B0604020202020204" pitchFamily="34" charset="0"/>
                 <a:cs typeface="Arial" panose="020B0604020202020204" pitchFamily="34" charset="0"/>
               </a:rPr>
-              <a:t>dụng</a:t>
+              <a:t>chập</a:t>
             </a:r>
             <a:endParaRPr lang="en-US" dirty="0">
               <a:latin typeface="Arial" panose="020B0604020202020204" pitchFamily="34" charset="0"/>
@@ -16312,8 +19213,8 @@
         </p:blipFill>
         <p:spPr bwMode="auto">
           <a:xfrm>
-            <a:off x="2052918" y="2228625"/>
-            <a:ext cx="8731623" cy="4353478"/>
+            <a:off x="334012" y="1371600"/>
+            <a:ext cx="11427682" cy="5210503"/>
           </a:xfrm>
           <a:prstGeom prst="rect">
             <a:avLst/>
@@ -16379,7 +19280,7 @@
         <p:spPr>
           <a:xfrm>
             <a:off x="594360" y="102875"/>
-            <a:ext cx="10873740" cy="1680205"/>
+            <a:ext cx="10873740" cy="773425"/>
           </a:xfrm>
         </p:spPr>
         <p:txBody>
@@ -16439,44 +19340,6 @@
               <a:latin typeface="Arial" panose="020B0604020202020204" pitchFamily="34" charset="0"/>
               <a:cs typeface="Arial" panose="020B0604020202020204" pitchFamily="34" charset="0"/>
             </a:endParaRPr>
-          </a:p>
-        </p:txBody>
-      </p:sp>
-      <p:sp>
-        <p:nvSpPr>
-          <p:cNvPr id="7" name="Text Placeholder 6">
-            <a:extLst>
-              <a:ext uri="{FF2B5EF4-FFF2-40B4-BE49-F238E27FC236}">
-                <a16:creationId xmlns:a16="http://schemas.microsoft.com/office/drawing/2014/main" id="{F70BD87D-F7DA-961B-4024-A354DC87D168}"/>
-              </a:ext>
-            </a:extLst>
-          </p:cNvPr>
-          <p:cNvSpPr>
-            <a:spLocks noGrp="1"/>
-          </p:cNvSpPr>
-          <p:nvPr>
-            <p:ph sz="quarter" idx="13"/>
-          </p:nvPr>
-        </p:nvSpPr>
-        <p:spPr>
-          <a:xfrm>
-            <a:off x="3657600" y="2281238"/>
-            <a:ext cx="7810500" cy="3700462"/>
-          </a:xfrm>
-        </p:spPr>
-        <p:txBody>
-          <a:bodyPr>
-            <a:normAutofit/>
-          </a:bodyPr>
-          <a:lstStyle/>
-          <a:p>
-            <a:pPr marL="0" indent="0">
-              <a:buNone/>
-            </a:pPr>
-            <a:endParaRPr lang="en-US" dirty="0"/>
-          </a:p>
-          <a:p>
-            <a:endParaRPr lang="en-US" dirty="0"/>
           </a:p>
         </p:txBody>
       </p:sp>
@@ -16826,8 +19689,8 @@
         </p:nvSpPr>
         <p:spPr>
           <a:xfrm>
-            <a:off x="3657600" y="2348753"/>
-            <a:ext cx="7810500" cy="1938992"/>
+            <a:off x="2859741" y="1418720"/>
+            <a:ext cx="8671112" cy="2677656"/>
           </a:xfrm>
           <a:prstGeom prst="rect">
             <a:avLst/>
@@ -16999,6 +19862,7 @@
                 </a:solidFill>
                 <a:latin typeface="Arial" panose="020B0604020202020204" pitchFamily="34" charset="0"/>
                 <a:cs typeface="Arial" panose="020B0604020202020204" pitchFamily="34" charset="0"/>
+                <a:hlinkClick r:id="rId4" action="ppaction://hlinksldjump"/>
               </a:rPr>
               <a:t>Bước</a:t>
             </a:r>
@@ -17009,6 +19873,7 @@
                 </a:solidFill>
                 <a:latin typeface="Arial" panose="020B0604020202020204" pitchFamily="34" charset="0"/>
                 <a:cs typeface="Arial" panose="020B0604020202020204" pitchFamily="34" charset="0"/>
+                <a:hlinkClick r:id="rId4" action="ppaction://hlinksldjump"/>
               </a:rPr>
               <a:t> 2: Chia </a:t>
             </a:r>
@@ -17019,6 +19884,7 @@
                 </a:solidFill>
                 <a:latin typeface="Arial" panose="020B0604020202020204" pitchFamily="34" charset="0"/>
                 <a:cs typeface="Arial" panose="020B0604020202020204" pitchFamily="34" charset="0"/>
+                <a:hlinkClick r:id="rId4" action="ppaction://hlinksldjump"/>
               </a:rPr>
               <a:t>tâp</a:t>
             </a:r>
@@ -17029,6 +19895,7 @@
                 </a:solidFill>
                 <a:latin typeface="Arial" panose="020B0604020202020204" pitchFamily="34" charset="0"/>
                 <a:cs typeface="Arial" panose="020B0604020202020204" pitchFamily="34" charset="0"/>
+                <a:hlinkClick r:id="rId4" action="ppaction://hlinksldjump"/>
               </a:rPr>
               <a:t> </a:t>
             </a:r>
@@ -17039,6 +19906,7 @@
                 </a:solidFill>
                 <a:latin typeface="Arial" panose="020B0604020202020204" pitchFamily="34" charset="0"/>
                 <a:cs typeface="Arial" panose="020B0604020202020204" pitchFamily="34" charset="0"/>
+                <a:hlinkClick r:id="rId4" action="ppaction://hlinksldjump"/>
               </a:rPr>
               <a:t>dữ</a:t>
             </a:r>
@@ -17049,6 +19917,7 @@
                 </a:solidFill>
                 <a:latin typeface="Arial" panose="020B0604020202020204" pitchFamily="34" charset="0"/>
                 <a:cs typeface="Arial" panose="020B0604020202020204" pitchFamily="34" charset="0"/>
+                <a:hlinkClick r:id="rId4" action="ppaction://hlinksldjump"/>
               </a:rPr>
               <a:t> </a:t>
             </a:r>
@@ -17059,188 +19928,7 @@
                 </a:solidFill>
                 <a:latin typeface="Arial" panose="020B0604020202020204" pitchFamily="34" charset="0"/>
                 <a:cs typeface="Arial" panose="020B0604020202020204" pitchFamily="34" charset="0"/>
-              </a:rPr>
-              <a:t>liệu</a:t>
-            </a:r>
-            <a:r>
-              <a:rPr lang="en-US" sz="2400" dirty="0">
-                <a:solidFill>
-                  <a:schemeClr val="bg1"/>
-                </a:solidFill>
-                <a:latin typeface="Arial" panose="020B0604020202020204" pitchFamily="34" charset="0"/>
-                <a:cs typeface="Arial" panose="020B0604020202020204" pitchFamily="34" charset="0"/>
-              </a:rPr>
-              <a:t> </a:t>
-            </a:r>
-            <a:r>
-              <a:rPr lang="en-US" sz="2400" dirty="0" err="1">
-                <a:solidFill>
-                  <a:schemeClr val="bg1"/>
-                </a:solidFill>
-                <a:latin typeface="Arial" panose="020B0604020202020204" pitchFamily="34" charset="0"/>
-                <a:cs typeface="Arial" panose="020B0604020202020204" pitchFamily="34" charset="0"/>
-              </a:rPr>
-              <a:t>thành</a:t>
-            </a:r>
-            <a:r>
-              <a:rPr lang="en-US" sz="2400" dirty="0">
-                <a:solidFill>
-                  <a:schemeClr val="bg1"/>
-                </a:solidFill>
-                <a:latin typeface="Arial" panose="020B0604020202020204" pitchFamily="34" charset="0"/>
-                <a:cs typeface="Arial" panose="020B0604020202020204" pitchFamily="34" charset="0"/>
-              </a:rPr>
-              <a:t> 3 </a:t>
-            </a:r>
-            <a:r>
-              <a:rPr lang="en-US" sz="2400" dirty="0" err="1">
-                <a:solidFill>
-                  <a:schemeClr val="bg1"/>
-                </a:solidFill>
-                <a:latin typeface="Arial" panose="020B0604020202020204" pitchFamily="34" charset="0"/>
-                <a:cs typeface="Arial" panose="020B0604020202020204" pitchFamily="34" charset="0"/>
-              </a:rPr>
-              <a:t>phần</a:t>
-            </a:r>
-            <a:r>
-              <a:rPr lang="en-US" sz="2400" dirty="0">
-                <a:solidFill>
-                  <a:schemeClr val="bg1"/>
-                </a:solidFill>
-                <a:latin typeface="Arial" panose="020B0604020202020204" pitchFamily="34" charset="0"/>
-                <a:cs typeface="Arial" panose="020B0604020202020204" pitchFamily="34" charset="0"/>
-              </a:rPr>
-              <a:t>: train, </a:t>
-            </a:r>
-            <a:r>
-              <a:rPr lang="en-US" sz="2400" dirty="0" err="1">
-                <a:solidFill>
-                  <a:schemeClr val="bg1"/>
-                </a:solidFill>
-                <a:latin typeface="Arial" panose="020B0604020202020204" pitchFamily="34" charset="0"/>
-                <a:cs typeface="Arial" panose="020B0604020202020204" pitchFamily="34" charset="0"/>
-              </a:rPr>
-              <a:t>val</a:t>
-            </a:r>
-            <a:r>
-              <a:rPr lang="en-US" sz="2400" dirty="0">
-                <a:solidFill>
-                  <a:schemeClr val="bg1"/>
-                </a:solidFill>
-                <a:latin typeface="Arial" panose="020B0604020202020204" pitchFamily="34" charset="0"/>
-                <a:cs typeface="Arial" panose="020B0604020202020204" pitchFamily="34" charset="0"/>
-              </a:rPr>
-              <a:t>, test</a:t>
-            </a:r>
-          </a:p>
-          <a:p>
-            <a:r>
-              <a:rPr lang="en-US" sz="2400" dirty="0" err="1">
-                <a:solidFill>
-                  <a:schemeClr val="bg1"/>
-                </a:solidFill>
-                <a:latin typeface="Arial" panose="020B0604020202020204" pitchFamily="34" charset="0"/>
-                <a:cs typeface="Arial" panose="020B0604020202020204" pitchFamily="34" charset="0"/>
-              </a:rPr>
-              <a:t>Bước</a:t>
-            </a:r>
-            <a:r>
-              <a:rPr lang="en-US" sz="2400" dirty="0">
-                <a:solidFill>
-                  <a:schemeClr val="bg1"/>
-                </a:solidFill>
-                <a:latin typeface="Arial" panose="020B0604020202020204" pitchFamily="34" charset="0"/>
-                <a:cs typeface="Arial" panose="020B0604020202020204" pitchFamily="34" charset="0"/>
-              </a:rPr>
-              <a:t> 3: </a:t>
-            </a:r>
-            <a:r>
-              <a:rPr lang="en-US" sz="2400" dirty="0" err="1">
-                <a:solidFill>
-                  <a:schemeClr val="bg1"/>
-                </a:solidFill>
-                <a:latin typeface="Arial" panose="020B0604020202020204" pitchFamily="34" charset="0"/>
-                <a:cs typeface="Arial" panose="020B0604020202020204" pitchFamily="34" charset="0"/>
-              </a:rPr>
-              <a:t>Tiền</a:t>
-            </a:r>
-            <a:r>
-              <a:rPr lang="en-US" sz="2400" dirty="0">
-                <a:solidFill>
-                  <a:schemeClr val="bg1"/>
-                </a:solidFill>
-                <a:latin typeface="Arial" panose="020B0604020202020204" pitchFamily="34" charset="0"/>
-                <a:cs typeface="Arial" panose="020B0604020202020204" pitchFamily="34" charset="0"/>
-              </a:rPr>
-              <a:t> </a:t>
-            </a:r>
-            <a:r>
-              <a:rPr lang="en-US" sz="2400" dirty="0" err="1">
-                <a:solidFill>
-                  <a:schemeClr val="bg1"/>
-                </a:solidFill>
-                <a:latin typeface="Arial" panose="020B0604020202020204" pitchFamily="34" charset="0"/>
-                <a:cs typeface="Arial" panose="020B0604020202020204" pitchFamily="34" charset="0"/>
-              </a:rPr>
-              <a:t>xử</a:t>
-            </a:r>
-            <a:r>
-              <a:rPr lang="en-US" sz="2400" dirty="0">
-                <a:solidFill>
-                  <a:schemeClr val="bg1"/>
-                </a:solidFill>
-                <a:latin typeface="Arial" panose="020B0604020202020204" pitchFamily="34" charset="0"/>
-                <a:cs typeface="Arial" panose="020B0604020202020204" pitchFamily="34" charset="0"/>
-              </a:rPr>
-              <a:t> </a:t>
-            </a:r>
-            <a:r>
-              <a:rPr lang="en-US" sz="2400" dirty="0" err="1">
-                <a:solidFill>
-                  <a:schemeClr val="bg1"/>
-                </a:solidFill>
-                <a:latin typeface="Arial" panose="020B0604020202020204" pitchFamily="34" charset="0"/>
-                <a:cs typeface="Arial" panose="020B0604020202020204" pitchFamily="34" charset="0"/>
-              </a:rPr>
-              <a:t>lý</a:t>
-            </a:r>
-            <a:r>
-              <a:rPr lang="en-US" sz="2400" dirty="0">
-                <a:solidFill>
-                  <a:schemeClr val="bg1"/>
-                </a:solidFill>
-                <a:latin typeface="Arial" panose="020B0604020202020204" pitchFamily="34" charset="0"/>
-                <a:cs typeface="Arial" panose="020B0604020202020204" pitchFamily="34" charset="0"/>
-              </a:rPr>
-              <a:t> </a:t>
-            </a:r>
-            <a:r>
-              <a:rPr lang="en-US" sz="2400" dirty="0" err="1">
-                <a:solidFill>
-                  <a:schemeClr val="bg1"/>
-                </a:solidFill>
-                <a:latin typeface="Arial" panose="020B0604020202020204" pitchFamily="34" charset="0"/>
-                <a:cs typeface="Arial" panose="020B0604020202020204" pitchFamily="34" charset="0"/>
-              </a:rPr>
-              <a:t>dữ</a:t>
-            </a:r>
-            <a:r>
-              <a:rPr lang="en-US" sz="2400" dirty="0">
-                <a:solidFill>
-                  <a:schemeClr val="bg1"/>
-                </a:solidFill>
-                <a:latin typeface="Arial" panose="020B0604020202020204" pitchFamily="34" charset="0"/>
-                <a:cs typeface="Arial" panose="020B0604020202020204" pitchFamily="34" charset="0"/>
-              </a:rPr>
-              <a:t> </a:t>
-            </a:r>
-            <a:r>
-              <a:rPr lang="en-US" sz="2400" dirty="0" err="1">
-                <a:solidFill>
-                  <a:schemeClr val="bg1"/>
-                </a:solidFill>
-                <a:latin typeface="Arial" panose="020B0604020202020204" pitchFamily="34" charset="0"/>
-                <a:cs typeface="Arial" panose="020B0604020202020204" pitchFamily="34" charset="0"/>
+                <a:hlinkClick r:id="rId4" action="ppaction://hlinksldjump"/>
               </a:rPr>
               <a:t>liệu</a:t>
             </a:r>
@@ -17260,7 +19948,7 @@
                 </a:solidFill>
                 <a:latin typeface="Arial" panose="020B0604020202020204" pitchFamily="34" charset="0"/>
                 <a:cs typeface="Arial" panose="020B0604020202020204" pitchFamily="34" charset="0"/>
-                <a:hlinkClick r:id="rId4" action="ppaction://hlinksldjump"/>
+                <a:hlinkClick r:id="rId5" action="ppaction://hlinksldjump"/>
               </a:rPr>
               <a:t>Bước</a:t>
             </a:r>
@@ -17271,9 +19959,9 @@
                 </a:solidFill>
                 <a:latin typeface="Arial" panose="020B0604020202020204" pitchFamily="34" charset="0"/>
                 <a:cs typeface="Arial" panose="020B0604020202020204" pitchFamily="34" charset="0"/>
-                <a:hlinkClick r:id="rId4" action="ppaction://hlinksldjump"/>
-              </a:rPr>
-              <a:t> 4: </a:t>
+                <a:hlinkClick r:id="rId5" action="ppaction://hlinksldjump"/>
+              </a:rPr>
+              <a:t> 3: </a:t>
             </a:r>
             <a:r>
               <a:rPr lang="en-US" sz="2400" dirty="0" err="1">
@@ -17282,9 +19970,9 @@
                 </a:solidFill>
                 <a:latin typeface="Arial" panose="020B0604020202020204" pitchFamily="34" charset="0"/>
                 <a:cs typeface="Arial" panose="020B0604020202020204" pitchFamily="34" charset="0"/>
-                <a:hlinkClick r:id="rId4" action="ppaction://hlinksldjump"/>
-              </a:rPr>
-              <a:t>Xây</a:t>
+                <a:hlinkClick r:id="rId5" action="ppaction://hlinksldjump"/>
+              </a:rPr>
+              <a:t>Tiền</a:t>
             </a:r>
             <a:r>
               <a:rPr lang="en-US" sz="2400" dirty="0">
@@ -17293,7 +19981,7 @@
                 </a:solidFill>
                 <a:latin typeface="Arial" panose="020B0604020202020204" pitchFamily="34" charset="0"/>
                 <a:cs typeface="Arial" panose="020B0604020202020204" pitchFamily="34" charset="0"/>
-                <a:hlinkClick r:id="rId4" action="ppaction://hlinksldjump"/>
+                <a:hlinkClick r:id="rId5" action="ppaction://hlinksldjump"/>
               </a:rPr>
               <a:t> </a:t>
             </a:r>
@@ -17304,9 +19992,9 @@
                 </a:solidFill>
                 <a:latin typeface="Arial" panose="020B0604020202020204" pitchFamily="34" charset="0"/>
                 <a:cs typeface="Arial" panose="020B0604020202020204" pitchFamily="34" charset="0"/>
-                <a:hlinkClick r:id="rId4" action="ppaction://hlinksldjump"/>
-              </a:rPr>
-              <a:t>dựng</a:t>
+                <a:hlinkClick r:id="rId5" action="ppaction://hlinksldjump"/>
+              </a:rPr>
+              <a:t>xử</a:t>
             </a:r>
             <a:r>
               <a:rPr lang="en-US" sz="2400" dirty="0">
@@ -17315,7 +20003,7 @@
                 </a:solidFill>
                 <a:latin typeface="Arial" panose="020B0604020202020204" pitchFamily="34" charset="0"/>
                 <a:cs typeface="Arial" panose="020B0604020202020204" pitchFamily="34" charset="0"/>
-                <a:hlinkClick r:id="rId4" action="ppaction://hlinksldjump"/>
+                <a:hlinkClick r:id="rId5" action="ppaction://hlinksldjump"/>
               </a:rPr>
               <a:t> </a:t>
             </a:r>
@@ -17326,9 +20014,9 @@
                 </a:solidFill>
                 <a:latin typeface="Arial" panose="020B0604020202020204" pitchFamily="34" charset="0"/>
                 <a:cs typeface="Arial" panose="020B0604020202020204" pitchFamily="34" charset="0"/>
-                <a:hlinkClick r:id="rId4" action="ppaction://hlinksldjump"/>
-              </a:rPr>
-              <a:t>mô</a:t>
+                <a:hlinkClick r:id="rId5" action="ppaction://hlinksldjump"/>
+              </a:rPr>
+              <a:t>lý</a:t>
             </a:r>
             <a:r>
               <a:rPr lang="en-US" sz="2400" dirty="0">
@@ -17337,7 +20025,7 @@
                 </a:solidFill>
                 <a:latin typeface="Arial" panose="020B0604020202020204" pitchFamily="34" charset="0"/>
                 <a:cs typeface="Arial" panose="020B0604020202020204" pitchFamily="34" charset="0"/>
-                <a:hlinkClick r:id="rId4" action="ppaction://hlinksldjump"/>
+                <a:hlinkClick r:id="rId5" action="ppaction://hlinksldjump"/>
               </a:rPr>
               <a:t> </a:t>
             </a:r>
@@ -17348,9 +20036,9 @@
                 </a:solidFill>
                 <a:latin typeface="Arial" panose="020B0604020202020204" pitchFamily="34" charset="0"/>
                 <a:cs typeface="Arial" panose="020B0604020202020204" pitchFamily="34" charset="0"/>
-                <a:hlinkClick r:id="rId4" action="ppaction://hlinksldjump"/>
-              </a:rPr>
-              <a:t>hình</a:t>
+                <a:hlinkClick r:id="rId5" action="ppaction://hlinksldjump"/>
+              </a:rPr>
+              <a:t>dữ</a:t>
             </a:r>
             <a:r>
               <a:rPr lang="en-US" sz="2400" dirty="0">
@@ -17359,7 +20047,7 @@
                 </a:solidFill>
                 <a:latin typeface="Arial" panose="020B0604020202020204" pitchFamily="34" charset="0"/>
                 <a:cs typeface="Arial" panose="020B0604020202020204" pitchFamily="34" charset="0"/>
-                <a:hlinkClick r:id="rId4" action="ppaction://hlinksldjump"/>
+                <a:hlinkClick r:id="rId5" action="ppaction://hlinksldjump"/>
               </a:rPr>
               <a:t> </a:t>
             </a:r>
@@ -17370,75 +20058,9 @@
                 </a:solidFill>
                 <a:latin typeface="Arial" panose="020B0604020202020204" pitchFamily="34" charset="0"/>
                 <a:cs typeface="Arial" panose="020B0604020202020204" pitchFamily="34" charset="0"/>
-                <a:hlinkClick r:id="rId4" action="ppaction://hlinksldjump"/>
-              </a:rPr>
-              <a:t>mạng</a:t>
-            </a:r>
-            <a:r>
-              <a:rPr lang="en-US" sz="2400" dirty="0">
-                <a:solidFill>
-                  <a:schemeClr val="bg1"/>
-                </a:solidFill>
-                <a:latin typeface="Arial" panose="020B0604020202020204" pitchFamily="34" charset="0"/>
-                <a:cs typeface="Arial" panose="020B0604020202020204" pitchFamily="34" charset="0"/>
-                <a:hlinkClick r:id="rId4" action="ppaction://hlinksldjump"/>
-              </a:rPr>
-              <a:t> </a:t>
-            </a:r>
-            <a:r>
-              <a:rPr lang="en-US" sz="2400" dirty="0" err="1">
-                <a:solidFill>
-                  <a:schemeClr val="bg1"/>
-                </a:solidFill>
-                <a:latin typeface="Arial" panose="020B0604020202020204" pitchFamily="34" charset="0"/>
-                <a:cs typeface="Arial" panose="020B0604020202020204" pitchFamily="34" charset="0"/>
-                <a:hlinkClick r:id="rId4" action="ppaction://hlinksldjump"/>
-              </a:rPr>
-              <a:t>nơ-ron</a:t>
-            </a:r>
-            <a:r>
-              <a:rPr lang="en-US" sz="2400" dirty="0">
-                <a:solidFill>
-                  <a:schemeClr val="bg1"/>
-                </a:solidFill>
-                <a:latin typeface="Arial" panose="020B0604020202020204" pitchFamily="34" charset="0"/>
-                <a:cs typeface="Arial" panose="020B0604020202020204" pitchFamily="34" charset="0"/>
-                <a:hlinkClick r:id="rId4" action="ppaction://hlinksldjump"/>
-              </a:rPr>
-              <a:t> </a:t>
-            </a:r>
-            <a:r>
-              <a:rPr lang="en-US" sz="2400" dirty="0" err="1">
-                <a:solidFill>
-                  <a:schemeClr val="bg1"/>
-                </a:solidFill>
-                <a:latin typeface="Arial" panose="020B0604020202020204" pitchFamily="34" charset="0"/>
-                <a:cs typeface="Arial" panose="020B0604020202020204" pitchFamily="34" charset="0"/>
-                <a:hlinkClick r:id="rId4" action="ppaction://hlinksldjump"/>
-              </a:rPr>
-              <a:t>tích</a:t>
-            </a:r>
-            <a:r>
-              <a:rPr lang="en-US" sz="2400" dirty="0">
-                <a:solidFill>
-                  <a:schemeClr val="bg1"/>
-                </a:solidFill>
-                <a:latin typeface="Arial" panose="020B0604020202020204" pitchFamily="34" charset="0"/>
-                <a:cs typeface="Arial" panose="020B0604020202020204" pitchFamily="34" charset="0"/>
-                <a:hlinkClick r:id="rId4" action="ppaction://hlinksldjump"/>
-              </a:rPr>
-              <a:t> </a:t>
-            </a:r>
-            <a:r>
-              <a:rPr lang="en-US" sz="2400" dirty="0" err="1">
-                <a:solidFill>
-                  <a:schemeClr val="bg1"/>
-                </a:solidFill>
-                <a:latin typeface="Arial" panose="020B0604020202020204" pitchFamily="34" charset="0"/>
-                <a:cs typeface="Arial" panose="020B0604020202020204" pitchFamily="34" charset="0"/>
-                <a:hlinkClick r:id="rId4" action="ppaction://hlinksldjump"/>
-              </a:rPr>
-              <a:t>chập</a:t>
+                <a:hlinkClick r:id="rId5" action="ppaction://hlinksldjump"/>
+              </a:rPr>
+              <a:t>liệu</a:t>
             </a:r>
             <a:endParaRPr lang="en-US" sz="2400" dirty="0">
               <a:solidFill>
@@ -17456,6 +20078,7 @@
                 </a:solidFill>
                 <a:latin typeface="Arial" panose="020B0604020202020204" pitchFamily="34" charset="0"/>
                 <a:cs typeface="Arial" panose="020B0604020202020204" pitchFamily="34" charset="0"/>
+                <a:hlinkClick r:id="rId6" action="ppaction://hlinksldjump"/>
               </a:rPr>
               <a:t>Bước</a:t>
             </a:r>
@@ -17466,6 +20089,223 @@
                 </a:solidFill>
                 <a:latin typeface="Arial" panose="020B0604020202020204" pitchFamily="34" charset="0"/>
                 <a:cs typeface="Arial" panose="020B0604020202020204" pitchFamily="34" charset="0"/>
+                <a:hlinkClick r:id="rId6" action="ppaction://hlinksldjump"/>
+              </a:rPr>
+              <a:t> 4: </a:t>
+            </a:r>
+            <a:r>
+              <a:rPr lang="en-US" sz="2400" dirty="0" err="1">
+                <a:solidFill>
+                  <a:schemeClr val="bg1"/>
+                </a:solidFill>
+                <a:latin typeface="Arial" panose="020B0604020202020204" pitchFamily="34" charset="0"/>
+                <a:cs typeface="Arial" panose="020B0604020202020204" pitchFamily="34" charset="0"/>
+                <a:hlinkClick r:id="rId6" action="ppaction://hlinksldjump"/>
+              </a:rPr>
+              <a:t>Tăng</a:t>
+            </a:r>
+            <a:r>
+              <a:rPr lang="en-US" sz="2400" dirty="0">
+                <a:solidFill>
+                  <a:schemeClr val="bg1"/>
+                </a:solidFill>
+                <a:latin typeface="Arial" panose="020B0604020202020204" pitchFamily="34" charset="0"/>
+                <a:cs typeface="Arial" panose="020B0604020202020204" pitchFamily="34" charset="0"/>
+                <a:hlinkClick r:id="rId6" action="ppaction://hlinksldjump"/>
+              </a:rPr>
+              <a:t> </a:t>
+            </a:r>
+            <a:r>
+              <a:rPr lang="en-US" sz="2400" dirty="0" err="1">
+                <a:solidFill>
+                  <a:schemeClr val="bg1"/>
+                </a:solidFill>
+                <a:latin typeface="Arial" panose="020B0604020202020204" pitchFamily="34" charset="0"/>
+                <a:cs typeface="Arial" panose="020B0604020202020204" pitchFamily="34" charset="0"/>
+                <a:hlinkClick r:id="rId6" action="ppaction://hlinksldjump"/>
+              </a:rPr>
+              <a:t>cường</a:t>
+            </a:r>
+            <a:r>
+              <a:rPr lang="en-US" sz="2400" dirty="0">
+                <a:solidFill>
+                  <a:schemeClr val="bg1"/>
+                </a:solidFill>
+                <a:latin typeface="Arial" panose="020B0604020202020204" pitchFamily="34" charset="0"/>
+                <a:cs typeface="Arial" panose="020B0604020202020204" pitchFamily="34" charset="0"/>
+                <a:hlinkClick r:id="rId6" action="ppaction://hlinksldjump"/>
+              </a:rPr>
+              <a:t> </a:t>
+            </a:r>
+            <a:r>
+              <a:rPr lang="en-US" sz="2400" dirty="0" err="1">
+                <a:solidFill>
+                  <a:schemeClr val="bg1"/>
+                </a:solidFill>
+                <a:latin typeface="Arial" panose="020B0604020202020204" pitchFamily="34" charset="0"/>
+                <a:cs typeface="Arial" panose="020B0604020202020204" pitchFamily="34" charset="0"/>
+                <a:hlinkClick r:id="rId6" action="ppaction://hlinksldjump"/>
+              </a:rPr>
+              <a:t>dữ</a:t>
+            </a:r>
+            <a:r>
+              <a:rPr lang="en-US" sz="2400" dirty="0">
+                <a:solidFill>
+                  <a:schemeClr val="bg1"/>
+                </a:solidFill>
+                <a:latin typeface="Arial" panose="020B0604020202020204" pitchFamily="34" charset="0"/>
+                <a:cs typeface="Arial" panose="020B0604020202020204" pitchFamily="34" charset="0"/>
+                <a:hlinkClick r:id="rId6" action="ppaction://hlinksldjump"/>
+              </a:rPr>
+              <a:t> </a:t>
+            </a:r>
+            <a:r>
+              <a:rPr lang="en-US" sz="2400" dirty="0" err="1">
+                <a:solidFill>
+                  <a:schemeClr val="bg1"/>
+                </a:solidFill>
+                <a:latin typeface="Arial" panose="020B0604020202020204" pitchFamily="34" charset="0"/>
+                <a:cs typeface="Arial" panose="020B0604020202020204" pitchFamily="34" charset="0"/>
+                <a:hlinkClick r:id="rId6" action="ppaction://hlinksldjump"/>
+              </a:rPr>
+              <a:t>liệu</a:t>
+            </a:r>
+            <a:endParaRPr lang="en-US" sz="2400" dirty="0">
+              <a:solidFill>
+                <a:schemeClr val="bg1"/>
+              </a:solidFill>
+              <a:latin typeface="Arial" panose="020B0604020202020204" pitchFamily="34" charset="0"/>
+              <a:cs typeface="Arial" panose="020B0604020202020204" pitchFamily="34" charset="0"/>
+            </a:endParaRPr>
+          </a:p>
+          <a:p>
+            <a:r>
+              <a:rPr lang="en-US" sz="2400" dirty="0" err="1">
+                <a:solidFill>
+                  <a:schemeClr val="bg1"/>
+                </a:solidFill>
+                <a:latin typeface="Arial" panose="020B0604020202020204" pitchFamily="34" charset="0"/>
+                <a:cs typeface="Arial" panose="020B0604020202020204" pitchFamily="34" charset="0"/>
+                <a:hlinkClick r:id="rId7" action="ppaction://hlinksldjump"/>
+              </a:rPr>
+              <a:t>Bước</a:t>
+            </a:r>
+            <a:r>
+              <a:rPr lang="en-US" sz="2400" dirty="0">
+                <a:solidFill>
+                  <a:schemeClr val="bg1"/>
+                </a:solidFill>
+                <a:latin typeface="Arial" panose="020B0604020202020204" pitchFamily="34" charset="0"/>
+                <a:cs typeface="Arial" panose="020B0604020202020204" pitchFamily="34" charset="0"/>
+                <a:hlinkClick r:id="rId7" action="ppaction://hlinksldjump"/>
+              </a:rPr>
+              <a:t> 4: </a:t>
+            </a:r>
+            <a:r>
+              <a:rPr lang="en-US" sz="2400" dirty="0" err="1">
+                <a:solidFill>
+                  <a:schemeClr val="bg1"/>
+                </a:solidFill>
+                <a:latin typeface="Arial" panose="020B0604020202020204" pitchFamily="34" charset="0"/>
+                <a:cs typeface="Arial" panose="020B0604020202020204" pitchFamily="34" charset="0"/>
+                <a:hlinkClick r:id="rId7" action="ppaction://hlinksldjump"/>
+              </a:rPr>
+              <a:t>Xây</a:t>
+            </a:r>
+            <a:r>
+              <a:rPr lang="en-US" sz="2400" dirty="0">
+                <a:solidFill>
+                  <a:schemeClr val="bg1"/>
+                </a:solidFill>
+                <a:latin typeface="Arial" panose="020B0604020202020204" pitchFamily="34" charset="0"/>
+                <a:cs typeface="Arial" panose="020B0604020202020204" pitchFamily="34" charset="0"/>
+                <a:hlinkClick r:id="rId7" action="ppaction://hlinksldjump"/>
+              </a:rPr>
+              <a:t> </a:t>
+            </a:r>
+            <a:r>
+              <a:rPr lang="en-US" sz="2400" dirty="0" err="1">
+                <a:solidFill>
+                  <a:schemeClr val="bg1"/>
+                </a:solidFill>
+                <a:latin typeface="Arial" panose="020B0604020202020204" pitchFamily="34" charset="0"/>
+                <a:cs typeface="Arial" panose="020B0604020202020204" pitchFamily="34" charset="0"/>
+                <a:hlinkClick r:id="rId7" action="ppaction://hlinksldjump"/>
+              </a:rPr>
+              <a:t>dựng</a:t>
+            </a:r>
+            <a:r>
+              <a:rPr lang="en-US" sz="2400" dirty="0">
+                <a:solidFill>
+                  <a:schemeClr val="bg1"/>
+                </a:solidFill>
+                <a:latin typeface="Arial" panose="020B0604020202020204" pitchFamily="34" charset="0"/>
+                <a:cs typeface="Arial" panose="020B0604020202020204" pitchFamily="34" charset="0"/>
+                <a:hlinkClick r:id="rId7" action="ppaction://hlinksldjump"/>
+              </a:rPr>
+              <a:t> </a:t>
+            </a:r>
+            <a:r>
+              <a:rPr lang="en-US" sz="2400" dirty="0" err="1">
+                <a:solidFill>
+                  <a:schemeClr val="bg1"/>
+                </a:solidFill>
+                <a:latin typeface="Arial" panose="020B0604020202020204" pitchFamily="34" charset="0"/>
+                <a:cs typeface="Arial" panose="020B0604020202020204" pitchFamily="34" charset="0"/>
+                <a:hlinkClick r:id="rId7" action="ppaction://hlinksldjump"/>
+              </a:rPr>
+              <a:t>mô</a:t>
+            </a:r>
+            <a:r>
+              <a:rPr lang="en-US" sz="2400" dirty="0">
+                <a:solidFill>
+                  <a:schemeClr val="bg1"/>
+                </a:solidFill>
+                <a:latin typeface="Arial" panose="020B0604020202020204" pitchFamily="34" charset="0"/>
+                <a:cs typeface="Arial" panose="020B0604020202020204" pitchFamily="34" charset="0"/>
+                <a:hlinkClick r:id="rId7" action="ppaction://hlinksldjump"/>
+              </a:rPr>
+              <a:t> </a:t>
+            </a:r>
+            <a:r>
+              <a:rPr lang="en-US" sz="2400" dirty="0" err="1">
+                <a:solidFill>
+                  <a:schemeClr val="bg1"/>
+                </a:solidFill>
+                <a:latin typeface="Arial" panose="020B0604020202020204" pitchFamily="34" charset="0"/>
+                <a:cs typeface="Arial" panose="020B0604020202020204" pitchFamily="34" charset="0"/>
+                <a:hlinkClick r:id="rId7" action="ppaction://hlinksldjump"/>
+              </a:rPr>
+              <a:t>hình</a:t>
+            </a:r>
+            <a:endParaRPr lang="en-US" sz="2400" dirty="0">
+              <a:solidFill>
+                <a:schemeClr val="bg1"/>
+              </a:solidFill>
+              <a:latin typeface="Arial" panose="020B0604020202020204" pitchFamily="34" charset="0"/>
+              <a:cs typeface="Arial" panose="020B0604020202020204" pitchFamily="34" charset="0"/>
+            </a:endParaRPr>
+          </a:p>
+          <a:p>
+            <a:r>
+              <a:rPr lang="en-US" sz="2400" dirty="0" err="1">
+                <a:solidFill>
+                  <a:schemeClr val="bg1"/>
+                </a:solidFill>
+                <a:latin typeface="Arial" panose="020B0604020202020204" pitchFamily="34" charset="0"/>
+                <a:cs typeface="Arial" panose="020B0604020202020204" pitchFamily="34" charset="0"/>
+                <a:hlinkClick r:id="rId8" action="ppaction://hlinksldjump"/>
+              </a:rPr>
+              <a:t>Bước</a:t>
+            </a:r>
+            <a:r>
+              <a:rPr lang="en-US" sz="2400" dirty="0">
+                <a:solidFill>
+                  <a:schemeClr val="bg1"/>
+                </a:solidFill>
+                <a:latin typeface="Arial" panose="020B0604020202020204" pitchFamily="34" charset="0"/>
+                <a:cs typeface="Arial" panose="020B0604020202020204" pitchFamily="34" charset="0"/>
+                <a:hlinkClick r:id="rId8" action="ppaction://hlinksldjump"/>
               </a:rPr>
               <a:t> 5: </a:t>
             </a:r>
@@ -17476,8 +20316,9 @@
                 </a:solidFill>
                 <a:latin typeface="Arial" panose="020B0604020202020204" pitchFamily="34" charset="0"/>
                 <a:cs typeface="Arial" panose="020B0604020202020204" pitchFamily="34" charset="0"/>
-              </a:rPr>
-              <a:t>Huấn</a:t>
+                <a:hlinkClick r:id="rId8" action="ppaction://hlinksldjump"/>
+              </a:rPr>
+              <a:t>Kết</a:t>
             </a:r>
             <a:r>
               <a:rPr lang="en-US" sz="2400" dirty="0">
@@ -17486,6 +20327,7 @@
                 </a:solidFill>
                 <a:latin typeface="Arial" panose="020B0604020202020204" pitchFamily="34" charset="0"/>
                 <a:cs typeface="Arial" panose="020B0604020202020204" pitchFamily="34" charset="0"/>
+                <a:hlinkClick r:id="rId8" action="ppaction://hlinksldjump"/>
               </a:rPr>
               <a:t> </a:t>
             </a:r>
@@ -17496,9 +20338,74 @@
                 </a:solidFill>
                 <a:latin typeface="Arial" panose="020B0604020202020204" pitchFamily="34" charset="0"/>
                 <a:cs typeface="Arial" panose="020B0604020202020204" pitchFamily="34" charset="0"/>
+                <a:hlinkClick r:id="rId8" action="ppaction://hlinksldjump"/>
+              </a:rPr>
+              <a:t>quả</a:t>
+            </a:r>
+            <a:r>
+              <a:rPr lang="en-US" sz="2400" dirty="0">
+                <a:solidFill>
+                  <a:schemeClr val="bg1"/>
+                </a:solidFill>
+                <a:latin typeface="Arial" panose="020B0604020202020204" pitchFamily="34" charset="0"/>
+                <a:cs typeface="Arial" panose="020B0604020202020204" pitchFamily="34" charset="0"/>
+                <a:hlinkClick r:id="rId8" action="ppaction://hlinksldjump"/>
+              </a:rPr>
+              <a:t> </a:t>
+            </a:r>
+            <a:r>
+              <a:rPr lang="en-US" sz="2400" dirty="0" err="1">
+                <a:solidFill>
+                  <a:schemeClr val="bg1"/>
+                </a:solidFill>
+                <a:latin typeface="Arial" panose="020B0604020202020204" pitchFamily="34" charset="0"/>
+                <a:cs typeface="Arial" panose="020B0604020202020204" pitchFamily="34" charset="0"/>
+                <a:hlinkClick r:id="rId8" action="ppaction://hlinksldjump"/>
+              </a:rPr>
+              <a:t>huấn</a:t>
+            </a:r>
+            <a:r>
+              <a:rPr lang="en-US" sz="2400" dirty="0">
+                <a:solidFill>
+                  <a:schemeClr val="bg1"/>
+                </a:solidFill>
+                <a:latin typeface="Arial" panose="020B0604020202020204" pitchFamily="34" charset="0"/>
+                <a:cs typeface="Arial" panose="020B0604020202020204" pitchFamily="34" charset="0"/>
+                <a:hlinkClick r:id="rId8" action="ppaction://hlinksldjump"/>
+              </a:rPr>
+              <a:t> </a:t>
+            </a:r>
+            <a:r>
+              <a:rPr lang="en-US" sz="2400" dirty="0" err="1">
+                <a:solidFill>
+                  <a:schemeClr val="bg1"/>
+                </a:solidFill>
+                <a:latin typeface="Arial" panose="020B0604020202020204" pitchFamily="34" charset="0"/>
+                <a:cs typeface="Arial" panose="020B0604020202020204" pitchFamily="34" charset="0"/>
+                <a:hlinkClick r:id="rId8" action="ppaction://hlinksldjump"/>
               </a:rPr>
               <a:t>luyện</a:t>
             </a:r>
+            <a:endParaRPr lang="en-US" sz="2400" dirty="0">
+              <a:solidFill>
+                <a:schemeClr val="bg1"/>
+              </a:solidFill>
+              <a:latin typeface="Arial" panose="020B0604020202020204" pitchFamily="34" charset="0"/>
+              <a:cs typeface="Arial" panose="020B0604020202020204" pitchFamily="34" charset="0"/>
+            </a:endParaRPr>
+          </a:p>
+          <a:p>
+            <a:r>
+              <a:rPr lang="en-US" sz="2400" dirty="0" err="1">
+                <a:solidFill>
+                  <a:schemeClr val="bg1"/>
+                </a:solidFill>
+                <a:latin typeface="Arial" panose="020B0604020202020204" pitchFamily="34" charset="0"/>
+                <a:cs typeface="Arial" panose="020B0604020202020204" pitchFamily="34" charset="0"/>
+                <a:hlinkClick r:id="rId9" action="ppaction://hlinksldjump"/>
+              </a:rPr>
+              <a:t>Bước</a:t>
+            </a:r>
             <a:r>
               <a:rPr lang="en-US" sz="2400" dirty="0">
                 <a:solidFill>
@@ -17506,6 +20413,29 @@
                 </a:solidFill>
                 <a:latin typeface="Arial" panose="020B0604020202020204" pitchFamily="34" charset="0"/>
                 <a:cs typeface="Arial" panose="020B0604020202020204" pitchFamily="34" charset="0"/>
+                <a:hlinkClick r:id="rId9" action="ppaction://hlinksldjump"/>
+              </a:rPr>
+              <a:t> 6: </a:t>
+            </a:r>
+            <a:r>
+              <a:rPr lang="en-US" sz="2400" dirty="0" err="1">
+                <a:solidFill>
+                  <a:schemeClr val="bg1"/>
+                </a:solidFill>
+                <a:latin typeface="Arial" panose="020B0604020202020204" pitchFamily="34" charset="0"/>
+                <a:cs typeface="Arial" panose="020B0604020202020204" pitchFamily="34" charset="0"/>
+                <a:hlinkClick r:id="rId9" action="ppaction://hlinksldjump"/>
+              </a:rPr>
+              <a:t>Đánh</a:t>
+            </a:r>
+            <a:r>
+              <a:rPr lang="en-US" sz="2400" dirty="0">
+                <a:solidFill>
+                  <a:schemeClr val="bg1"/>
+                </a:solidFill>
+                <a:latin typeface="Arial" panose="020B0604020202020204" pitchFamily="34" charset="0"/>
+                <a:cs typeface="Arial" panose="020B0604020202020204" pitchFamily="34" charset="0"/>
+                <a:hlinkClick r:id="rId9" action="ppaction://hlinksldjump"/>
               </a:rPr>
               <a:t> </a:t>
             </a:r>
@@ -17516,6 +20446,29 @@
                 </a:solidFill>
                 <a:latin typeface="Arial" panose="020B0604020202020204" pitchFamily="34" charset="0"/>
                 <a:cs typeface="Arial" panose="020B0604020202020204" pitchFamily="34" charset="0"/>
+                <a:hlinkClick r:id="rId9" action="ppaction://hlinksldjump"/>
+              </a:rPr>
+              <a:t>giá</a:t>
+            </a:r>
+            <a:r>
+              <a:rPr lang="en-US" sz="2400" dirty="0">
+                <a:solidFill>
+                  <a:schemeClr val="bg1"/>
+                </a:solidFill>
+                <a:latin typeface="Arial" panose="020B0604020202020204" pitchFamily="34" charset="0"/>
+                <a:cs typeface="Arial" panose="020B0604020202020204" pitchFamily="34" charset="0"/>
+                <a:hlinkClick r:id="rId9" action="ppaction://hlinksldjump"/>
+              </a:rPr>
+              <a:t> </a:t>
+            </a:r>
+            <a:r>
+              <a:rPr lang="en-US" sz="2400" dirty="0" err="1">
+                <a:solidFill>
+                  <a:schemeClr val="bg1"/>
+                </a:solidFill>
+                <a:latin typeface="Arial" panose="020B0604020202020204" pitchFamily="34" charset="0"/>
+                <a:cs typeface="Arial" panose="020B0604020202020204" pitchFamily="34" charset="0"/>
+                <a:hlinkClick r:id="rId9" action="ppaction://hlinksldjump"/>
               </a:rPr>
               <a:t>mô</a:t>
             </a:r>
@@ -17526,6 +20479,7 @@
                 </a:solidFill>
                 <a:latin typeface="Arial" panose="020B0604020202020204" pitchFamily="34" charset="0"/>
                 <a:cs typeface="Arial" panose="020B0604020202020204" pitchFamily="34" charset="0"/>
+                <a:hlinkClick r:id="rId9" action="ppaction://hlinksldjump"/>
               </a:rPr>
               <a:t> </a:t>
             </a:r>
@@ -17536,6 +20490,7 @@
                 </a:solidFill>
                 <a:latin typeface="Arial" panose="020B0604020202020204" pitchFamily="34" charset="0"/>
                 <a:cs typeface="Arial" panose="020B0604020202020204" pitchFamily="34" charset="0"/>
+                <a:hlinkClick r:id="rId9" action="ppaction://hlinksldjump"/>
               </a:rPr>
               <a:t>hình</a:t>
             </a:r>
@@ -17597,8 +20552,8 @@
         </p:nvSpPr>
         <p:spPr>
           <a:xfrm>
-            <a:off x="594360" y="198408"/>
-            <a:ext cx="10972800" cy="1574317"/>
+            <a:off x="594359" y="198409"/>
+            <a:ext cx="5645076" cy="608416"/>
           </a:xfrm>
         </p:spPr>
         <p:txBody>
@@ -17606,132 +20561,68 @@
           <a:lstStyle/>
           <a:p>
             <a:r>
-              <a:rPr lang="en-US" dirty="0" err="1"/>
-              <a:t>Đánh</a:t>
-            </a:r>
-            <a:r>
-              <a:rPr lang="en-US" dirty="0"/>
+              <a:rPr lang="en-US" dirty="0" err="1">
+                <a:latin typeface="Arial" panose="020B0604020202020204" pitchFamily="34" charset="0"/>
+                <a:cs typeface="Arial" panose="020B0604020202020204" pitchFamily="34" charset="0"/>
+              </a:rPr>
+              <a:t>Kết</a:t>
+            </a:r>
+            <a:r>
+              <a:rPr lang="en-US" dirty="0">
+                <a:latin typeface="Arial" panose="020B0604020202020204" pitchFamily="34" charset="0"/>
+                <a:cs typeface="Arial" panose="020B0604020202020204" pitchFamily="34" charset="0"/>
+              </a:rPr>
               <a:t> </a:t>
             </a:r>
             <a:r>
-              <a:rPr lang="en-US" dirty="0" err="1"/>
-              <a:t>giá</a:t>
-            </a:r>
-            <a:endParaRPr lang="en-US" dirty="0"/>
-          </a:p>
-        </p:txBody>
-      </p:sp>
-      <p:sp>
-        <p:nvSpPr>
-          <p:cNvPr id="3" name="Content Placeholder 2">
-            <a:extLst>
-              <a:ext uri="{FF2B5EF4-FFF2-40B4-BE49-F238E27FC236}">
-                <a16:creationId xmlns:a16="http://schemas.microsoft.com/office/drawing/2014/main" id="{4096FB3A-B62C-3DAB-4FD1-B4EBDD650AEF}"/>
-              </a:ext>
-            </a:extLst>
-          </p:cNvPr>
-          <p:cNvSpPr>
-            <a:spLocks noGrp="1"/>
-          </p:cNvSpPr>
-          <p:nvPr>
-            <p:ph sz="quarter" idx="13"/>
-          </p:nvPr>
-        </p:nvSpPr>
-        <p:spPr>
-          <a:xfrm>
-            <a:off x="595523" y="2676525"/>
-            <a:ext cx="4101983" cy="1133475"/>
-          </a:xfrm>
-        </p:spPr>
-        <p:txBody>
-          <a:bodyPr>
-            <a:normAutofit/>
-          </a:bodyPr>
-          <a:lstStyle/>
-          <a:p>
-            <a:pPr lvl="1"/>
-            <a:r>
-              <a:rPr lang="en-US" sz="2400" dirty="0" err="1">
-                <a:latin typeface="Arial" panose="020B0604020202020204" pitchFamily="34" charset="0"/>
-                <a:cs typeface="Arial" panose="020B0604020202020204" pitchFamily="34" charset="0"/>
-              </a:rPr>
-              <a:t>Độ</a:t>
-            </a:r>
-            <a:r>
-              <a:rPr lang="en-US" sz="2400" dirty="0">
+              <a:rPr lang="en-US" dirty="0" err="1">
+                <a:latin typeface="Arial" panose="020B0604020202020204" pitchFamily="34" charset="0"/>
+                <a:cs typeface="Arial" panose="020B0604020202020204" pitchFamily="34" charset="0"/>
+              </a:rPr>
+              <a:t>quả</a:t>
+            </a:r>
+            <a:r>
+              <a:rPr lang="en-US" dirty="0">
                 <a:latin typeface="Arial" panose="020B0604020202020204" pitchFamily="34" charset="0"/>
                 <a:cs typeface="Arial" panose="020B0604020202020204" pitchFamily="34" charset="0"/>
               </a:rPr>
               <a:t> </a:t>
             </a:r>
             <a:r>
-              <a:rPr lang="en-US" sz="2400" dirty="0" err="1">
-                <a:latin typeface="Arial" panose="020B0604020202020204" pitchFamily="34" charset="0"/>
-                <a:cs typeface="Arial" panose="020B0604020202020204" pitchFamily="34" charset="0"/>
-              </a:rPr>
-              <a:t>chính</a:t>
-            </a:r>
-            <a:r>
-              <a:rPr lang="en-US" sz="2400" dirty="0">
+              <a:rPr lang="en-US" dirty="0" err="1">
+                <a:latin typeface="Arial" panose="020B0604020202020204" pitchFamily="34" charset="0"/>
+                <a:cs typeface="Arial" panose="020B0604020202020204" pitchFamily="34" charset="0"/>
+              </a:rPr>
+              <a:t>huấn</a:t>
+            </a:r>
+            <a:r>
+              <a:rPr lang="en-US" dirty="0">
                 <a:latin typeface="Arial" panose="020B0604020202020204" pitchFamily="34" charset="0"/>
                 <a:cs typeface="Arial" panose="020B0604020202020204" pitchFamily="34" charset="0"/>
               </a:rPr>
               <a:t> </a:t>
             </a:r>
             <a:r>
-              <a:rPr lang="en-US" sz="2400" dirty="0" err="1">
-                <a:latin typeface="Arial" panose="020B0604020202020204" pitchFamily="34" charset="0"/>
-                <a:cs typeface="Arial" panose="020B0604020202020204" pitchFamily="34" charset="0"/>
-              </a:rPr>
-              <a:t>xác</a:t>
-            </a:r>
-            <a:r>
-              <a:rPr lang="en-US" sz="2400" dirty="0">
-                <a:latin typeface="Arial" panose="020B0604020202020204" pitchFamily="34" charset="0"/>
-                <a:cs typeface="Arial" panose="020B0604020202020204" pitchFamily="34" charset="0"/>
-              </a:rPr>
-              <a:t>(Accuracy)</a:t>
-            </a:r>
-          </a:p>
-          <a:p>
-            <a:pPr lvl="1"/>
-            <a:r>
-              <a:rPr lang="en-US" sz="2400" dirty="0" err="1">
-                <a:latin typeface="Arial" panose="020B0604020202020204" pitchFamily="34" charset="0"/>
-                <a:cs typeface="Arial" panose="020B0604020202020204" pitchFamily="34" charset="0"/>
-              </a:rPr>
-              <a:t>Hàm</a:t>
-            </a:r>
-            <a:r>
-              <a:rPr lang="en-US" sz="2400" dirty="0">
-                <a:latin typeface="Arial" panose="020B0604020202020204" pitchFamily="34" charset="0"/>
-                <a:cs typeface="Arial" panose="020B0604020202020204" pitchFamily="34" charset="0"/>
-              </a:rPr>
-              <a:t> </a:t>
-            </a:r>
-            <a:r>
-              <a:rPr lang="en-US" sz="2400" dirty="0" err="1">
-                <a:latin typeface="Arial" panose="020B0604020202020204" pitchFamily="34" charset="0"/>
-                <a:cs typeface="Arial" panose="020B0604020202020204" pitchFamily="34" charset="0"/>
-              </a:rPr>
-              <a:t>lỗi</a:t>
-            </a:r>
-            <a:r>
-              <a:rPr lang="en-US" sz="2400" dirty="0">
-                <a:latin typeface="Arial" panose="020B0604020202020204" pitchFamily="34" charset="0"/>
-                <a:cs typeface="Arial" panose="020B0604020202020204" pitchFamily="34" charset="0"/>
-              </a:rPr>
-              <a:t>(Loss Function)</a:t>
-            </a:r>
+              <a:rPr lang="en-US" dirty="0" err="1">
+                <a:latin typeface="Arial" panose="020B0604020202020204" pitchFamily="34" charset="0"/>
+                <a:cs typeface="Arial" panose="020B0604020202020204" pitchFamily="34" charset="0"/>
+              </a:rPr>
+              <a:t>luyện</a:t>
+            </a:r>
+            <a:endParaRPr lang="en-US" dirty="0">
+              <a:latin typeface="Arial" panose="020B0604020202020204" pitchFamily="34" charset="0"/>
+              <a:cs typeface="Arial" panose="020B0604020202020204" pitchFamily="34" charset="0"/>
+            </a:endParaRPr>
           </a:p>
         </p:txBody>
       </p:sp>
       <p:pic>
         <p:nvPicPr>
-          <p:cNvPr id="8" name="Picture 7">
+          <p:cNvPr id="7" name="Graphic 6" descr="Back with solid fill">
+            <a:hlinkClick r:id="rId3" action="ppaction://hlinksldjump"/>
             <a:extLst>
               <a:ext uri="{FF2B5EF4-FFF2-40B4-BE49-F238E27FC236}">
-                <a16:creationId xmlns:a16="http://schemas.microsoft.com/office/drawing/2014/main" id="{88803D56-74A2-4DBA-83B3-12E22EE6A248}"/>
+                <a16:creationId xmlns:a16="http://schemas.microsoft.com/office/drawing/2014/main" id="{D4C1E580-1695-4E0F-9387-5795D2B7AA82}"/>
               </a:ext>
             </a:extLst>
           </p:cNvPr>
@@ -17741,21 +20632,175 @@
           <p:nvPr/>
         </p:nvPicPr>
         <p:blipFill>
-          <a:blip r:embed="rId3"/>
+          <a:blip r:embed="rId4">
+            <a:extLst>
+              <a:ext uri="{28A0092B-C50C-407E-A947-70E740481C1C}">
+                <a14:useLocalDpi xmlns:a14="http://schemas.microsoft.com/office/drawing/2010/main" val="0"/>
+              </a:ext>
+              <a:ext uri="{96DAC541-7B7A-43D3-8B79-37D633B846F1}">
+                <asvg:svgBlip xmlns:asvg="http://schemas.microsoft.com/office/drawing/2016/SVG/main" r:embed="rId5"/>
+              </a:ext>
+            </a:extLst>
+          </a:blip>
           <a:stretch>
             <a:fillRect/>
           </a:stretch>
         </p:blipFill>
         <p:spPr>
           <a:xfrm>
-            <a:off x="5082988" y="942908"/>
-            <a:ext cx="6391836" cy="5386795"/>
+            <a:off x="414729" y="6054697"/>
+            <a:ext cx="604894" cy="604894"/>
           </a:xfrm>
           <a:prstGeom prst="rect">
             <a:avLst/>
           </a:prstGeom>
         </p:spPr>
       </p:pic>
+      <p:pic>
+        <p:nvPicPr>
+          <p:cNvPr id="1026" name="Picture 2">
+            <a:extLst>
+              <a:ext uri="{FF2B5EF4-FFF2-40B4-BE49-F238E27FC236}">
+                <a16:creationId xmlns:a16="http://schemas.microsoft.com/office/drawing/2014/main" id="{00B170BC-9000-45FA-A4C2-8DED1DD989E5}"/>
+              </a:ext>
+            </a:extLst>
+          </p:cNvPr>
+          <p:cNvPicPr>
+            <a:picLocks noChangeAspect="1" noChangeArrowheads="1"/>
+          </p:cNvPicPr>
+          <p:nvPr/>
+        </p:nvPicPr>
+        <p:blipFill>
+          <a:blip r:embed="rId6">
+            <a:extLst>
+              <a:ext uri="{28A0092B-C50C-407E-A947-70E740481C1C}">
+                <a14:useLocalDpi xmlns:a14="http://schemas.microsoft.com/office/drawing/2010/main" val="0"/>
+              </a:ext>
+            </a:extLst>
+          </a:blip>
+          <a:srcRect/>
+          <a:stretch>
+            <a:fillRect/>
+          </a:stretch>
+        </p:blipFill>
+        <p:spPr bwMode="auto">
+          <a:xfrm>
+            <a:off x="4563036" y="915130"/>
+            <a:ext cx="7043906" cy="5601644"/>
+          </a:xfrm>
+          <a:prstGeom prst="rect">
+            <a:avLst/>
+          </a:prstGeom>
+          <a:noFill/>
+          <a:extLst>
+            <a:ext uri="{909E8E84-426E-40DD-AFC4-6F175D3DCCD1}">
+              <a14:hiddenFill xmlns:a14="http://schemas.microsoft.com/office/drawing/2010/main">
+                <a:solidFill>
+                  <a:srgbClr val="FFFFFF"/>
+                </a:solidFill>
+              </a14:hiddenFill>
+            </a:ext>
+          </a:extLst>
+        </p:spPr>
+      </p:pic>
+      <p:sp>
+        <p:nvSpPr>
+          <p:cNvPr id="9" name="TextBox 8">
+            <a:extLst>
+              <a:ext uri="{FF2B5EF4-FFF2-40B4-BE49-F238E27FC236}">
+                <a16:creationId xmlns:a16="http://schemas.microsoft.com/office/drawing/2014/main" id="{AC82A8B5-9445-4245-8072-0EC88E8A98DC}"/>
+              </a:ext>
+            </a:extLst>
+          </p:cNvPr>
+          <p:cNvSpPr txBox="1"/>
+          <p:nvPr/>
+        </p:nvSpPr>
+        <p:spPr>
+          <a:xfrm>
+            <a:off x="6948921" y="6474925"/>
+            <a:ext cx="3001903" cy="369332"/>
+          </a:xfrm>
+          <a:prstGeom prst="rect">
+            <a:avLst/>
+          </a:prstGeom>
+          <a:noFill/>
+        </p:spPr>
+        <p:txBody>
+          <a:bodyPr wrap="square" rtlCol="0">
+            <a:spAutoFit/>
+          </a:bodyPr>
+          <a:lstStyle/>
+          <a:p>
+            <a:r>
+              <a:rPr lang="en-US" dirty="0" err="1">
+                <a:solidFill>
+                  <a:schemeClr val="bg1"/>
+                </a:solidFill>
+                <a:latin typeface="Arial" panose="020B0604020202020204" pitchFamily="34" charset="0"/>
+                <a:cs typeface="Arial" panose="020B0604020202020204" pitchFamily="34" charset="0"/>
+              </a:rPr>
+              <a:t>Huấn</a:t>
+            </a:r>
+            <a:r>
+              <a:rPr lang="en-US" dirty="0">
+                <a:solidFill>
+                  <a:schemeClr val="bg1"/>
+                </a:solidFill>
+                <a:latin typeface="Arial" panose="020B0604020202020204" pitchFamily="34" charset="0"/>
+                <a:cs typeface="Arial" panose="020B0604020202020204" pitchFamily="34" charset="0"/>
+              </a:rPr>
+              <a:t> </a:t>
+            </a:r>
+            <a:r>
+              <a:rPr lang="en-US" dirty="0" err="1">
+                <a:solidFill>
+                  <a:schemeClr val="bg1"/>
+                </a:solidFill>
+                <a:latin typeface="Arial" panose="020B0604020202020204" pitchFamily="34" charset="0"/>
+                <a:cs typeface="Arial" panose="020B0604020202020204" pitchFamily="34" charset="0"/>
+              </a:rPr>
+              <a:t>luyện</a:t>
+            </a:r>
+            <a:r>
+              <a:rPr lang="en-US" dirty="0">
+                <a:solidFill>
+                  <a:schemeClr val="bg1"/>
+                </a:solidFill>
+                <a:latin typeface="Arial" panose="020B0604020202020204" pitchFamily="34" charset="0"/>
+                <a:cs typeface="Arial" panose="020B0604020202020204" pitchFamily="34" charset="0"/>
+              </a:rPr>
+              <a:t> </a:t>
+            </a:r>
+            <a:r>
+              <a:rPr lang="en-US" dirty="0" err="1">
+                <a:solidFill>
+                  <a:schemeClr val="bg1"/>
+                </a:solidFill>
+                <a:latin typeface="Arial" panose="020B0604020202020204" pitchFamily="34" charset="0"/>
+                <a:cs typeface="Arial" panose="020B0604020202020204" pitchFamily="34" charset="0"/>
+              </a:rPr>
+              <a:t>với</a:t>
+            </a:r>
+            <a:r>
+              <a:rPr lang="en-US" dirty="0">
+                <a:solidFill>
+                  <a:schemeClr val="bg1"/>
+                </a:solidFill>
+                <a:latin typeface="Arial" panose="020B0604020202020204" pitchFamily="34" charset="0"/>
+                <a:cs typeface="Arial" panose="020B0604020202020204" pitchFamily="34" charset="0"/>
+              </a:rPr>
+              <a:t> epoch=10</a:t>
+            </a:r>
+            <a:endParaRPr lang="vi-VN" dirty="0">
+              <a:solidFill>
+                <a:schemeClr val="bg1"/>
+              </a:solidFill>
+              <a:latin typeface="Arial" panose="020B0604020202020204" pitchFamily="34" charset="0"/>
+              <a:cs typeface="Arial" panose="020B0604020202020204" pitchFamily="34" charset="0"/>
+            </a:endParaRPr>
+          </a:p>
+        </p:txBody>
+      </p:sp>
     </p:spTree>
     <p:extLst>
       <p:ext uri="{BB962C8B-B14F-4D97-AF65-F5344CB8AC3E}">
@@ -17804,8 +20849,8 @@
         </p:nvSpPr>
         <p:spPr>
           <a:xfrm>
-            <a:off x="594360" y="198408"/>
-            <a:ext cx="10972800" cy="1574317"/>
+            <a:off x="594360" y="198409"/>
+            <a:ext cx="3448722" cy="796674"/>
           </a:xfrm>
         </p:spPr>
         <p:txBody>
@@ -17828,131 +20873,446 @@
           </a:p>
         </p:txBody>
       </p:sp>
-      <p:sp>
-        <p:nvSpPr>
-          <p:cNvPr id="3" name="Content Placeholder 2">
-            <a:extLst>
-              <a:ext uri="{FF2B5EF4-FFF2-40B4-BE49-F238E27FC236}">
-                <a16:creationId xmlns:a16="http://schemas.microsoft.com/office/drawing/2014/main" id="{4096FB3A-B62C-3DAB-4FD1-B4EBDD650AEF}"/>
-              </a:ext>
-            </a:extLst>
-          </p:cNvPr>
-          <p:cNvSpPr>
-            <a:spLocks noGrp="1"/>
-          </p:cNvSpPr>
-          <p:nvPr>
-            <p:ph sz="quarter" idx="13"/>
-          </p:nvPr>
-        </p:nvSpPr>
-        <p:spPr>
-          <a:xfrm>
-            <a:off x="595523" y="2676525"/>
-            <a:ext cx="4783301" cy="1133475"/>
-          </a:xfrm>
-        </p:spPr>
-        <p:txBody>
-          <a:bodyPr>
-            <a:normAutofit/>
-          </a:bodyPr>
-          <a:lstStyle/>
-          <a:p>
-            <a:pPr lvl="1"/>
-            <a:r>
-              <a:rPr lang="en-US" sz="2400" dirty="0">
-                <a:latin typeface="Arial" panose="020B0604020202020204" pitchFamily="34" charset="0"/>
-                <a:cs typeface="Arial" panose="020B0604020202020204" pitchFamily="34" charset="0"/>
-              </a:rPr>
-              <a:t>Ma </a:t>
-            </a:r>
-            <a:r>
-              <a:rPr lang="en-US" sz="2400" dirty="0" err="1">
-                <a:latin typeface="Arial" panose="020B0604020202020204" pitchFamily="34" charset="0"/>
-                <a:cs typeface="Arial" panose="020B0604020202020204" pitchFamily="34" charset="0"/>
-              </a:rPr>
-              <a:t>trận</a:t>
-            </a:r>
-            <a:r>
-              <a:rPr lang="en-US" sz="2400" dirty="0">
-                <a:latin typeface="Arial" panose="020B0604020202020204" pitchFamily="34" charset="0"/>
-                <a:cs typeface="Arial" panose="020B0604020202020204" pitchFamily="34" charset="0"/>
-              </a:rPr>
-              <a:t> </a:t>
-            </a:r>
-            <a:r>
-              <a:rPr lang="en-US" sz="2400" dirty="0" err="1">
-                <a:latin typeface="Arial" panose="020B0604020202020204" pitchFamily="34" charset="0"/>
-                <a:cs typeface="Arial" panose="020B0604020202020204" pitchFamily="34" charset="0"/>
-              </a:rPr>
-              <a:t>nhầm</a:t>
-            </a:r>
-            <a:r>
-              <a:rPr lang="en-US" sz="2400" dirty="0">
-                <a:latin typeface="Arial" panose="020B0604020202020204" pitchFamily="34" charset="0"/>
-                <a:cs typeface="Arial" panose="020B0604020202020204" pitchFamily="34" charset="0"/>
-              </a:rPr>
-              <a:t> </a:t>
-            </a:r>
-            <a:r>
-              <a:rPr lang="en-US" sz="2400" dirty="0" err="1">
-                <a:latin typeface="Arial" panose="020B0604020202020204" pitchFamily="34" charset="0"/>
-                <a:cs typeface="Arial" panose="020B0604020202020204" pitchFamily="34" charset="0"/>
-              </a:rPr>
-              <a:t>lẫn</a:t>
-            </a:r>
-            <a:r>
-              <a:rPr lang="en-US" sz="2400" dirty="0">
-                <a:latin typeface="Arial" panose="020B0604020202020204" pitchFamily="34" charset="0"/>
-                <a:cs typeface="Arial" panose="020B0604020202020204" pitchFamily="34" charset="0"/>
-              </a:rPr>
-              <a:t> (Confusion </a:t>
-            </a:r>
-            <a:r>
-              <a:rPr lang="en-US" sz="2400" dirty="0" err="1">
-                <a:latin typeface="Arial" panose="020B0604020202020204" pitchFamily="34" charset="0"/>
-                <a:cs typeface="Arial" panose="020B0604020202020204" pitchFamily="34" charset="0"/>
-              </a:rPr>
-              <a:t>Maxtrix</a:t>
-            </a:r>
-            <a:r>
-              <a:rPr lang="en-US" sz="2400" dirty="0">
-                <a:latin typeface="Arial" panose="020B0604020202020204" pitchFamily="34" charset="0"/>
-                <a:cs typeface="Arial" panose="020B0604020202020204" pitchFamily="34" charset="0"/>
-              </a:rPr>
-              <a:t>)</a:t>
-            </a:r>
-          </a:p>
-        </p:txBody>
-      </p:sp>
       <p:pic>
         <p:nvPicPr>
-          <p:cNvPr id="5" name="Picture 4">
+          <p:cNvPr id="2050" name="Picture 2">
             <a:extLst>
               <a:ext uri="{FF2B5EF4-FFF2-40B4-BE49-F238E27FC236}">
-                <a16:creationId xmlns:a16="http://schemas.microsoft.com/office/drawing/2014/main" id="{A4EBF784-2B08-47F3-98C9-D4D5B591B5AF}"/>
+                <a16:creationId xmlns:a16="http://schemas.microsoft.com/office/drawing/2014/main" id="{228FEAE7-0482-4E2D-860B-285E27F19785}"/>
               </a:ext>
             </a:extLst>
           </p:cNvPr>
           <p:cNvPicPr>
-            <a:picLocks noChangeAspect="1"/>
+            <a:picLocks noChangeAspect="1" noChangeArrowheads="1"/>
           </p:cNvPicPr>
           <p:nvPr/>
         </p:nvPicPr>
         <p:blipFill>
-          <a:blip r:embed="rId3"/>
+          <a:blip r:embed="rId3">
+            <a:extLst>
+              <a:ext uri="{28A0092B-C50C-407E-A947-70E740481C1C}">
+                <a14:useLocalDpi xmlns:a14="http://schemas.microsoft.com/office/drawing/2010/main" val="0"/>
+              </a:ext>
+            </a:extLst>
+          </a:blip>
+          <a:srcRect/>
           <a:stretch>
             <a:fillRect/>
           </a:stretch>
         </p:blipFill>
-        <p:spPr>
+        <p:spPr bwMode="auto">
           <a:xfrm>
-            <a:off x="5650417" y="1461247"/>
-            <a:ext cx="6144482" cy="4874590"/>
+            <a:off x="4606359" y="860612"/>
+            <a:ext cx="7325664" cy="5484726"/>
           </a:xfrm>
           <a:prstGeom prst="rect">
             <a:avLst/>
           </a:prstGeom>
+          <a:noFill/>
+          <a:extLst>
+            <a:ext uri="{909E8E84-426E-40DD-AFC4-6F175D3DCCD1}">
+              <a14:hiddenFill xmlns:a14="http://schemas.microsoft.com/office/drawing/2010/main">
+                <a:solidFill>
+                  <a:srgbClr val="FFFFFF"/>
+                </a:solidFill>
+              </a14:hiddenFill>
+            </a:ext>
+          </a:extLst>
         </p:spPr>
       </p:pic>
+      <p:sp>
+        <p:nvSpPr>
+          <p:cNvPr id="7" name="TextBox 6">
+            <a:extLst>
+              <a:ext uri="{FF2B5EF4-FFF2-40B4-BE49-F238E27FC236}">
+                <a16:creationId xmlns:a16="http://schemas.microsoft.com/office/drawing/2014/main" id="{9A4CE92B-83D6-4390-AB16-8E4D503B8DFD}"/>
+              </a:ext>
+            </a:extLst>
+          </p:cNvPr>
+          <p:cNvSpPr txBox="1"/>
+          <p:nvPr/>
+        </p:nvSpPr>
+        <p:spPr>
+          <a:xfrm>
+            <a:off x="6948921" y="6474925"/>
+            <a:ext cx="3001903" cy="369332"/>
+          </a:xfrm>
+          <a:prstGeom prst="rect">
+            <a:avLst/>
+          </a:prstGeom>
+          <a:noFill/>
+        </p:spPr>
+        <p:txBody>
+          <a:bodyPr wrap="square" rtlCol="0">
+            <a:spAutoFit/>
+          </a:bodyPr>
+          <a:lstStyle/>
+          <a:p>
+            <a:r>
+              <a:rPr lang="en-US" dirty="0">
+                <a:solidFill>
+                  <a:schemeClr val="bg1"/>
+                </a:solidFill>
+                <a:latin typeface="Arial" panose="020B0604020202020204" pitchFamily="34" charset="0"/>
+                <a:cs typeface="Arial" panose="020B0604020202020204" pitchFamily="34" charset="0"/>
+              </a:rPr>
+              <a:t>Ma </a:t>
+            </a:r>
+            <a:r>
+              <a:rPr lang="en-US" dirty="0" err="1">
+                <a:solidFill>
+                  <a:schemeClr val="bg1"/>
+                </a:solidFill>
+                <a:latin typeface="Arial" panose="020B0604020202020204" pitchFamily="34" charset="0"/>
+                <a:cs typeface="Arial" panose="020B0604020202020204" pitchFamily="34" charset="0"/>
+              </a:rPr>
+              <a:t>trận</a:t>
+            </a:r>
+            <a:r>
+              <a:rPr lang="en-US" dirty="0">
+                <a:solidFill>
+                  <a:schemeClr val="bg1"/>
+                </a:solidFill>
+                <a:latin typeface="Arial" panose="020B0604020202020204" pitchFamily="34" charset="0"/>
+                <a:cs typeface="Arial" panose="020B0604020202020204" pitchFamily="34" charset="0"/>
+              </a:rPr>
+              <a:t> </a:t>
+            </a:r>
+            <a:r>
+              <a:rPr lang="en-US" dirty="0" err="1">
+                <a:solidFill>
+                  <a:schemeClr val="bg1"/>
+                </a:solidFill>
+                <a:latin typeface="Arial" panose="020B0604020202020204" pitchFamily="34" charset="0"/>
+                <a:cs typeface="Arial" panose="020B0604020202020204" pitchFamily="34" charset="0"/>
+              </a:rPr>
+              <a:t>nhầm</a:t>
+            </a:r>
+            <a:r>
+              <a:rPr lang="en-US" dirty="0">
+                <a:solidFill>
+                  <a:schemeClr val="bg1"/>
+                </a:solidFill>
+                <a:latin typeface="Arial" panose="020B0604020202020204" pitchFamily="34" charset="0"/>
+                <a:cs typeface="Arial" panose="020B0604020202020204" pitchFamily="34" charset="0"/>
+              </a:rPr>
+              <a:t> </a:t>
+            </a:r>
+            <a:r>
+              <a:rPr lang="en-US" dirty="0" err="1">
+                <a:solidFill>
+                  <a:schemeClr val="bg1"/>
+                </a:solidFill>
+                <a:latin typeface="Arial" panose="020B0604020202020204" pitchFamily="34" charset="0"/>
+                <a:cs typeface="Arial" panose="020B0604020202020204" pitchFamily="34" charset="0"/>
+              </a:rPr>
+              <a:t>lẫn</a:t>
+            </a:r>
+            <a:endParaRPr lang="vi-VN" dirty="0">
+              <a:solidFill>
+                <a:schemeClr val="bg1"/>
+              </a:solidFill>
+              <a:latin typeface="Arial" panose="020B0604020202020204" pitchFamily="34" charset="0"/>
+              <a:cs typeface="Arial" panose="020B0604020202020204" pitchFamily="34" charset="0"/>
+            </a:endParaRPr>
+          </a:p>
+        </p:txBody>
+      </p:sp>
+      <p:graphicFrame>
+        <p:nvGraphicFramePr>
+          <p:cNvPr id="6" name="Table 7">
+            <a:extLst>
+              <a:ext uri="{FF2B5EF4-FFF2-40B4-BE49-F238E27FC236}">
+                <a16:creationId xmlns:a16="http://schemas.microsoft.com/office/drawing/2014/main" id="{A11CD78C-45D2-46D4-B88B-38D488A00BF1}"/>
+              </a:ext>
+            </a:extLst>
+          </p:cNvPr>
+          <p:cNvGraphicFramePr>
+            <a:graphicFrameLocks noGrp="1"/>
+          </p:cNvGraphicFramePr>
+          <p:nvPr>
+            <p:extLst>
+              <p:ext uri="{D42A27DB-BD31-4B8C-83A1-F6EECF244321}">
+                <p14:modId xmlns:p14="http://schemas.microsoft.com/office/powerpoint/2010/main" val="3884962495"/>
+              </p:ext>
+            </p:extLst>
+          </p:nvPr>
+        </p:nvGraphicFramePr>
+        <p:xfrm>
+          <a:off x="221128" y="2688116"/>
+          <a:ext cx="3821954" cy="1854200"/>
+        </p:xfrm>
+        <a:graphic>
+          <a:graphicData uri="http://schemas.openxmlformats.org/drawingml/2006/table">
+            <a:tbl>
+              <a:tblPr firstRow="1" bandRow="1">
+                <a:tableStyleId>{8A107856-5554-42FB-B03E-39F5DBC370BA}</a:tableStyleId>
+              </a:tblPr>
+              <a:tblGrid>
+                <a:gridCol w="1910977">
+                  <a:extLst>
+                    <a:ext uri="{9D8B030D-6E8A-4147-A177-3AD203B41FA5}">
+                      <a16:colId xmlns:a16="http://schemas.microsoft.com/office/drawing/2014/main" val="2618033209"/>
+                    </a:ext>
+                  </a:extLst>
+                </a:gridCol>
+                <a:gridCol w="1910977">
+                  <a:extLst>
+                    <a:ext uri="{9D8B030D-6E8A-4147-A177-3AD203B41FA5}">
+                      <a16:colId xmlns:a16="http://schemas.microsoft.com/office/drawing/2014/main" val="13508873"/>
+                    </a:ext>
+                  </a:extLst>
+                </a:gridCol>
+              </a:tblGrid>
+              <a:tr h="370840">
+                <a:tc>
+                  <a:txBody>
+                    <a:bodyPr/>
+                    <a:lstStyle/>
+                    <a:p>
+                      <a:pPr algn="ctr"/>
+                      <a:r>
+                        <a:rPr lang="en-US" dirty="0">
+                          <a:latin typeface="Arial" panose="020B0604020202020204" pitchFamily="34" charset="0"/>
+                          <a:cs typeface="Arial" panose="020B0604020202020204" pitchFamily="34" charset="0"/>
+                        </a:rPr>
+                        <a:t>Class</a:t>
+                      </a:r>
+                      <a:endParaRPr lang="vi-VN" dirty="0">
+                        <a:latin typeface="Arial" panose="020B0604020202020204" pitchFamily="34" charset="0"/>
+                        <a:cs typeface="Arial" panose="020B0604020202020204" pitchFamily="34" charset="0"/>
+                      </a:endParaRPr>
+                    </a:p>
+                  </a:txBody>
+                  <a:tcPr/>
+                </a:tc>
+                <a:tc>
+                  <a:txBody>
+                    <a:bodyPr/>
+                    <a:lstStyle/>
+                    <a:p>
+                      <a:pPr algn="ctr"/>
+                      <a:r>
+                        <a:rPr lang="en-US" dirty="0">
+                          <a:latin typeface="Arial" panose="020B0604020202020204" pitchFamily="34" charset="0"/>
+                          <a:cs typeface="Arial" panose="020B0604020202020204" pitchFamily="34" charset="0"/>
+                        </a:rPr>
+                        <a:t>Accuracy</a:t>
+                      </a:r>
+                      <a:endParaRPr lang="vi-VN" dirty="0">
+                        <a:latin typeface="Arial" panose="020B0604020202020204" pitchFamily="34" charset="0"/>
+                        <a:cs typeface="Arial" panose="020B0604020202020204" pitchFamily="34" charset="0"/>
+                      </a:endParaRPr>
+                    </a:p>
+                  </a:txBody>
+                  <a:tcPr/>
+                </a:tc>
+                <a:extLst>
+                  <a:ext uri="{0D108BD9-81ED-4DB2-BD59-A6C34878D82A}">
+                    <a16:rowId xmlns:a16="http://schemas.microsoft.com/office/drawing/2014/main" val="4208887429"/>
+                  </a:ext>
+                </a:extLst>
+              </a:tr>
+              <a:tr h="370840">
+                <a:tc>
+                  <a:txBody>
+                    <a:bodyPr/>
+                    <a:lstStyle/>
+                    <a:p>
+                      <a:pPr algn="l"/>
+                      <a:r>
+                        <a:rPr lang="en-US" dirty="0">
+                          <a:latin typeface="Arial" panose="020B0604020202020204" pitchFamily="34" charset="0"/>
+                          <a:cs typeface="Arial" panose="020B0604020202020204" pitchFamily="34" charset="0"/>
+                        </a:rPr>
+                        <a:t>All</a:t>
+                      </a:r>
+                      <a:endParaRPr lang="vi-VN" dirty="0">
+                        <a:latin typeface="Arial" panose="020B0604020202020204" pitchFamily="34" charset="0"/>
+                        <a:cs typeface="Arial" panose="020B0604020202020204" pitchFamily="34" charset="0"/>
+                      </a:endParaRPr>
+                    </a:p>
+                  </a:txBody>
+                  <a:tcPr/>
+                </a:tc>
+                <a:tc>
+                  <a:txBody>
+                    <a:bodyPr/>
+                    <a:lstStyle/>
+                    <a:p>
+                      <a:pPr algn="ctr"/>
+                      <a:r>
+                        <a:rPr lang="en-US" dirty="0">
+                          <a:latin typeface="Arial" panose="020B0604020202020204" pitchFamily="34" charset="0"/>
+                          <a:cs typeface="Arial" panose="020B0604020202020204" pitchFamily="34" charset="0"/>
+                        </a:rPr>
+                        <a:t>0,98</a:t>
+                      </a:r>
+                      <a:endParaRPr lang="vi-VN" dirty="0">
+                        <a:latin typeface="Arial" panose="020B0604020202020204" pitchFamily="34" charset="0"/>
+                        <a:cs typeface="Arial" panose="020B0604020202020204" pitchFamily="34" charset="0"/>
+                      </a:endParaRPr>
+                    </a:p>
+                  </a:txBody>
+                  <a:tcPr/>
+                </a:tc>
+                <a:extLst>
+                  <a:ext uri="{0D108BD9-81ED-4DB2-BD59-A6C34878D82A}">
+                    <a16:rowId xmlns:a16="http://schemas.microsoft.com/office/drawing/2014/main" val="3536718596"/>
+                  </a:ext>
+                </a:extLst>
+              </a:tr>
+              <a:tr h="370840">
+                <a:tc>
+                  <a:txBody>
+                    <a:bodyPr/>
+                    <a:lstStyle/>
+                    <a:p>
+                      <a:pPr algn="l"/>
+                      <a:r>
+                        <a:rPr lang="en-US" dirty="0">
+                          <a:latin typeface="Arial" panose="020B0604020202020204" pitchFamily="34" charset="0"/>
+                          <a:cs typeface="Arial" panose="020B0604020202020204" pitchFamily="34" charset="0"/>
+                        </a:rPr>
+                        <a:t>Early Blight</a:t>
+                      </a:r>
+                      <a:endParaRPr lang="vi-VN" dirty="0">
+                        <a:latin typeface="Arial" panose="020B0604020202020204" pitchFamily="34" charset="0"/>
+                        <a:cs typeface="Arial" panose="020B0604020202020204" pitchFamily="34" charset="0"/>
+                      </a:endParaRPr>
+                    </a:p>
+                  </a:txBody>
+                  <a:tcPr/>
+                </a:tc>
+                <a:tc>
+                  <a:txBody>
+                    <a:bodyPr/>
+                    <a:lstStyle/>
+                    <a:p>
+                      <a:pPr algn="ctr"/>
+                      <a:r>
+                        <a:rPr lang="en-US" dirty="0">
+                          <a:latin typeface="Arial" panose="020B0604020202020204" pitchFamily="34" charset="0"/>
+                          <a:cs typeface="Arial" panose="020B0604020202020204" pitchFamily="34" charset="0"/>
+                        </a:rPr>
+                        <a:t>0,99</a:t>
+                      </a:r>
+                      <a:endParaRPr lang="vi-VN" dirty="0">
+                        <a:latin typeface="Arial" panose="020B0604020202020204" pitchFamily="34" charset="0"/>
+                        <a:cs typeface="Arial" panose="020B0604020202020204" pitchFamily="34" charset="0"/>
+                      </a:endParaRPr>
+                    </a:p>
+                  </a:txBody>
+                  <a:tcPr/>
+                </a:tc>
+                <a:extLst>
+                  <a:ext uri="{0D108BD9-81ED-4DB2-BD59-A6C34878D82A}">
+                    <a16:rowId xmlns:a16="http://schemas.microsoft.com/office/drawing/2014/main" val="3473672535"/>
+                  </a:ext>
+                </a:extLst>
+              </a:tr>
+              <a:tr h="370840">
+                <a:tc>
+                  <a:txBody>
+                    <a:bodyPr/>
+                    <a:lstStyle/>
+                    <a:p>
+                      <a:pPr algn="l"/>
+                      <a:r>
+                        <a:rPr lang="en-US" dirty="0">
+                          <a:latin typeface="Arial" panose="020B0604020202020204" pitchFamily="34" charset="0"/>
+                          <a:cs typeface="Arial" panose="020B0604020202020204" pitchFamily="34" charset="0"/>
+                        </a:rPr>
+                        <a:t>Late Blight</a:t>
+                      </a:r>
+                      <a:endParaRPr lang="vi-VN" dirty="0">
+                        <a:latin typeface="Arial" panose="020B0604020202020204" pitchFamily="34" charset="0"/>
+                        <a:cs typeface="Arial" panose="020B0604020202020204" pitchFamily="34" charset="0"/>
+                      </a:endParaRPr>
+                    </a:p>
+                  </a:txBody>
+                  <a:tcPr/>
+                </a:tc>
+                <a:tc>
+                  <a:txBody>
+                    <a:bodyPr/>
+                    <a:lstStyle/>
+                    <a:p>
+                      <a:pPr algn="ctr"/>
+                      <a:r>
+                        <a:rPr lang="en-US" dirty="0">
+                          <a:latin typeface="Arial" panose="020B0604020202020204" pitchFamily="34" charset="0"/>
+                          <a:cs typeface="Arial" panose="020B0604020202020204" pitchFamily="34" charset="0"/>
+                        </a:rPr>
+                        <a:t>0,97</a:t>
+                      </a:r>
+                      <a:endParaRPr lang="vi-VN" dirty="0">
+                        <a:latin typeface="Arial" panose="020B0604020202020204" pitchFamily="34" charset="0"/>
+                        <a:cs typeface="Arial" panose="020B0604020202020204" pitchFamily="34" charset="0"/>
+                      </a:endParaRPr>
+                    </a:p>
+                  </a:txBody>
+                  <a:tcPr/>
+                </a:tc>
+                <a:extLst>
+                  <a:ext uri="{0D108BD9-81ED-4DB2-BD59-A6C34878D82A}">
+                    <a16:rowId xmlns:a16="http://schemas.microsoft.com/office/drawing/2014/main" val="795263619"/>
+                  </a:ext>
+                </a:extLst>
+              </a:tr>
+              <a:tr h="370840">
+                <a:tc>
+                  <a:txBody>
+                    <a:bodyPr/>
+                    <a:lstStyle/>
+                    <a:p>
+                      <a:pPr algn="l"/>
+                      <a:r>
+                        <a:rPr lang="en-US" dirty="0">
+                          <a:latin typeface="Arial" panose="020B0604020202020204" pitchFamily="34" charset="0"/>
+                          <a:cs typeface="Arial" panose="020B0604020202020204" pitchFamily="34" charset="0"/>
+                        </a:rPr>
+                        <a:t>Healthy</a:t>
+                      </a:r>
+                      <a:endParaRPr lang="vi-VN" dirty="0">
+                        <a:latin typeface="Arial" panose="020B0604020202020204" pitchFamily="34" charset="0"/>
+                        <a:cs typeface="Arial" panose="020B0604020202020204" pitchFamily="34" charset="0"/>
+                      </a:endParaRPr>
+                    </a:p>
+                  </a:txBody>
+                  <a:tcPr/>
+                </a:tc>
+                <a:tc>
+                  <a:txBody>
+                    <a:bodyPr/>
+                    <a:lstStyle/>
+                    <a:p>
+                      <a:pPr algn="ctr"/>
+                      <a:r>
+                        <a:rPr lang="en-US" dirty="0">
+                          <a:latin typeface="Arial" panose="020B0604020202020204" pitchFamily="34" charset="0"/>
+                          <a:cs typeface="Arial" panose="020B0604020202020204" pitchFamily="34" charset="0"/>
+                        </a:rPr>
+                        <a:t>1</a:t>
+                      </a:r>
+                      <a:endParaRPr lang="vi-VN" dirty="0">
+                        <a:latin typeface="Arial" panose="020B0604020202020204" pitchFamily="34" charset="0"/>
+                        <a:cs typeface="Arial" panose="020B0604020202020204" pitchFamily="34" charset="0"/>
+                      </a:endParaRPr>
+                    </a:p>
+                  </a:txBody>
+                  <a:tcPr/>
+                </a:tc>
+                <a:extLst>
+                  <a:ext uri="{0D108BD9-81ED-4DB2-BD59-A6C34878D82A}">
+                    <a16:rowId xmlns:a16="http://schemas.microsoft.com/office/drawing/2014/main" val="3051374255"/>
+                  </a:ext>
+                </a:extLst>
+              </a:tr>
+            </a:tbl>
+          </a:graphicData>
+        </a:graphic>
+      </p:graphicFrame>
     </p:spTree>
     <p:extLst>
       <p:ext uri="{BB962C8B-B14F-4D97-AF65-F5344CB8AC3E}">
@@ -18001,8 +21361,8 @@
         </p:nvSpPr>
         <p:spPr>
           <a:xfrm>
-            <a:off x="594360" y="198408"/>
-            <a:ext cx="10972800" cy="1574317"/>
+            <a:off x="594360" y="198409"/>
+            <a:ext cx="10972800" cy="868392"/>
           </a:xfrm>
         </p:spPr>
         <p:txBody>
@@ -18038,14 +21398,14 @@
           <p:nvPr>
             <p:extLst>
               <p:ext uri="{D42A27DB-BD31-4B8C-83A1-F6EECF244321}">
-                <p14:modId xmlns:p14="http://schemas.microsoft.com/office/powerpoint/2010/main" val="537239579"/>
+                <p14:modId xmlns:p14="http://schemas.microsoft.com/office/powerpoint/2010/main" val="3083345420"/>
               </p:ext>
             </p:extLst>
           </p:nvPr>
         </p:nvGraphicFramePr>
         <p:xfrm>
-          <a:off x="3137646" y="1772724"/>
-          <a:ext cx="7933767" cy="4546147"/>
+          <a:off x="3188746" y="820894"/>
+          <a:ext cx="8408894" cy="5382682"/>
         </p:xfrm>
         <a:graphic>
           <a:graphicData uri="http://schemas.openxmlformats.org/drawingml/2006/chart">
@@ -18053,6 +21413,154 @@
           </a:graphicData>
         </a:graphic>
       </p:graphicFrame>
+      <p:sp>
+        <p:nvSpPr>
+          <p:cNvPr id="4" name="TextBox 3">
+            <a:extLst>
+              <a:ext uri="{FF2B5EF4-FFF2-40B4-BE49-F238E27FC236}">
+                <a16:creationId xmlns:a16="http://schemas.microsoft.com/office/drawing/2014/main" id="{87A32A76-2C7B-4E7D-9603-053DCAE0F817}"/>
+              </a:ext>
+            </a:extLst>
+          </p:cNvPr>
+          <p:cNvSpPr txBox="1"/>
+          <p:nvPr/>
+        </p:nvSpPr>
+        <p:spPr>
+          <a:xfrm>
+            <a:off x="5199529" y="6367349"/>
+            <a:ext cx="3989295" cy="369332"/>
+          </a:xfrm>
+          <a:prstGeom prst="rect">
+            <a:avLst/>
+          </a:prstGeom>
+          <a:noFill/>
+        </p:spPr>
+        <p:txBody>
+          <a:bodyPr wrap="square" rtlCol="0">
+            <a:spAutoFit/>
+          </a:bodyPr>
+          <a:lstStyle/>
+          <a:p>
+            <a:r>
+              <a:rPr lang="en-US" dirty="0" err="1">
+                <a:solidFill>
+                  <a:schemeClr val="bg1"/>
+                </a:solidFill>
+                <a:latin typeface="Arial" panose="020B0604020202020204" pitchFamily="34" charset="0"/>
+                <a:cs typeface="Arial" panose="020B0604020202020204" pitchFamily="34" charset="0"/>
+              </a:rPr>
+              <a:t>Biểu</a:t>
+            </a:r>
+            <a:r>
+              <a:rPr lang="en-US" dirty="0">
+                <a:solidFill>
+                  <a:schemeClr val="bg1"/>
+                </a:solidFill>
+                <a:latin typeface="Arial" panose="020B0604020202020204" pitchFamily="34" charset="0"/>
+                <a:cs typeface="Arial" panose="020B0604020202020204" pitchFamily="34" charset="0"/>
+              </a:rPr>
+              <a:t> </a:t>
+            </a:r>
+            <a:r>
+              <a:rPr lang="en-US" dirty="0" err="1">
+                <a:solidFill>
+                  <a:schemeClr val="bg1"/>
+                </a:solidFill>
+                <a:latin typeface="Arial" panose="020B0604020202020204" pitchFamily="34" charset="0"/>
+                <a:cs typeface="Arial" panose="020B0604020202020204" pitchFamily="34" charset="0"/>
+              </a:rPr>
+              <a:t>đồ</a:t>
+            </a:r>
+            <a:r>
+              <a:rPr lang="en-US" dirty="0">
+                <a:solidFill>
+                  <a:schemeClr val="bg1"/>
+                </a:solidFill>
+                <a:latin typeface="Arial" panose="020B0604020202020204" pitchFamily="34" charset="0"/>
+                <a:cs typeface="Arial" panose="020B0604020202020204" pitchFamily="34" charset="0"/>
+              </a:rPr>
+              <a:t> </a:t>
+            </a:r>
+            <a:r>
+              <a:rPr lang="en-US" dirty="0" err="1">
+                <a:solidFill>
+                  <a:schemeClr val="bg1"/>
+                </a:solidFill>
+                <a:latin typeface="Arial" panose="020B0604020202020204" pitchFamily="34" charset="0"/>
+                <a:cs typeface="Arial" panose="020B0604020202020204" pitchFamily="34" charset="0"/>
+              </a:rPr>
+              <a:t>các</a:t>
+            </a:r>
+            <a:r>
+              <a:rPr lang="en-US" dirty="0">
+                <a:solidFill>
+                  <a:schemeClr val="bg1"/>
+                </a:solidFill>
+                <a:latin typeface="Arial" panose="020B0604020202020204" pitchFamily="34" charset="0"/>
+                <a:cs typeface="Arial" panose="020B0604020202020204" pitchFamily="34" charset="0"/>
+              </a:rPr>
+              <a:t> chi </a:t>
+            </a:r>
+            <a:r>
+              <a:rPr lang="en-US" dirty="0" err="1">
+                <a:solidFill>
+                  <a:schemeClr val="bg1"/>
+                </a:solidFill>
+                <a:latin typeface="Arial" panose="020B0604020202020204" pitchFamily="34" charset="0"/>
+                <a:cs typeface="Arial" panose="020B0604020202020204" pitchFamily="34" charset="0"/>
+              </a:rPr>
+              <a:t>tiêu</a:t>
+            </a:r>
+            <a:r>
+              <a:rPr lang="en-US" dirty="0">
+                <a:solidFill>
+                  <a:schemeClr val="bg1"/>
+                </a:solidFill>
+                <a:latin typeface="Arial" panose="020B0604020202020204" pitchFamily="34" charset="0"/>
+                <a:cs typeface="Arial" panose="020B0604020202020204" pitchFamily="34" charset="0"/>
+              </a:rPr>
+              <a:t> </a:t>
+            </a:r>
+            <a:r>
+              <a:rPr lang="en-US" dirty="0" err="1">
+                <a:solidFill>
+                  <a:schemeClr val="bg1"/>
+                </a:solidFill>
+                <a:latin typeface="Arial" panose="020B0604020202020204" pitchFamily="34" charset="0"/>
+                <a:cs typeface="Arial" panose="020B0604020202020204" pitchFamily="34" charset="0"/>
+              </a:rPr>
+              <a:t>đánh</a:t>
+            </a:r>
+            <a:r>
+              <a:rPr lang="en-US" dirty="0">
+                <a:solidFill>
+                  <a:schemeClr val="bg1"/>
+                </a:solidFill>
+                <a:latin typeface="Arial" panose="020B0604020202020204" pitchFamily="34" charset="0"/>
+                <a:cs typeface="Arial" panose="020B0604020202020204" pitchFamily="34" charset="0"/>
+              </a:rPr>
+              <a:t> </a:t>
+            </a:r>
+            <a:r>
+              <a:rPr lang="en-US" dirty="0" err="1">
+                <a:solidFill>
+                  <a:schemeClr val="bg1"/>
+                </a:solidFill>
+                <a:latin typeface="Arial" panose="020B0604020202020204" pitchFamily="34" charset="0"/>
+                <a:cs typeface="Arial" panose="020B0604020202020204" pitchFamily="34" charset="0"/>
+              </a:rPr>
+              <a:t>giá</a:t>
+            </a:r>
+            <a:endParaRPr lang="vi-VN" dirty="0">
+              <a:solidFill>
+                <a:schemeClr val="bg1"/>
+              </a:solidFill>
+              <a:latin typeface="Arial" panose="020B0604020202020204" pitchFamily="34" charset="0"/>
+              <a:cs typeface="Arial" panose="020B0604020202020204" pitchFamily="34" charset="0"/>
+            </a:endParaRPr>
+          </a:p>
+        </p:txBody>
+      </p:sp>
     </p:spTree>
     <p:extLst>
       <p:ext uri="{BB962C8B-B14F-4D97-AF65-F5344CB8AC3E}">
@@ -18858,35 +22366,6 @@
 </file>
 
 <file path=customXml/item1.xml><?xml version="1.0" encoding="utf-8"?>
-<?mso-contentType ?>
-<FormTemplates xmlns="http://schemas.microsoft.com/sharepoint/v3/contenttype/forms">
-  <Display>DocumentLibraryForm</Display>
-  <Edit>DocumentLibraryForm</Edit>
-  <New>DocumentLibraryForm</New>
-</FormTemplates>
-</file>
-
-<file path=customXml/item2.xml><?xml version="1.0" encoding="utf-8"?>
-<p:properties xmlns:p="http://schemas.microsoft.com/office/2006/metadata/properties" xmlns:xsi="http://www.w3.org/2001/XMLSchema-instance" xmlns:pc="http://schemas.microsoft.com/office/infopath/2007/PartnerControls">
-  <documentManagement>
-    <Background xmlns="71af3243-3dd4-4a8d-8c0d-dd76da1f02a5">false</Background>
-    <Status xmlns="71af3243-3dd4-4a8d-8c0d-dd76da1f02a5">Not started</Status>
-    <_ip_UnifiedCompliancePolicyUIAction xmlns="http://schemas.microsoft.com/sharepoint/v3" xsi:nil="true"/>
-    <Image xmlns="71af3243-3dd4-4a8d-8c0d-dd76da1f02a5">
-      <Url xsi:nil="true"/>
-      <Description xsi:nil="true"/>
-    </Image>
-    <_ip_UnifiedCompliancePolicyProperties xmlns="http://schemas.microsoft.com/sharepoint/v3" xsi:nil="true"/>
-    <ImageTagsTaxHTField xmlns="71af3243-3dd4-4a8d-8c0d-dd76da1f02a5">
-      <Terms xmlns="http://schemas.microsoft.com/office/infopath/2007/PartnerControls"/>
-    </ImageTagsTaxHTField>
-    <TaxCatchAll xmlns="230e9df3-be65-4c73-a93b-d1236ebd677e" xsi:nil="true"/>
-    <MediaServiceKeyPoints xmlns="71af3243-3dd4-4a8d-8c0d-dd76da1f02a5" xsi:nil="true"/>
-  </documentManagement>
-</p:properties>
-</file>
-
-<file path=customXml/item3.xml><?xml version="1.0" encoding="utf-8"?>
 <ct:contentTypeSchema xmlns:ct="http://schemas.microsoft.com/office/2006/metadata/contentType" xmlns:ma="http://schemas.microsoft.com/office/2006/metadata/properties/metaAttributes" ct:_="" ma:_="" ma:contentTypeName="Document" ma:contentTypeID="0x01010079F111ED35F8CC479449609E8A0923A6" ma:contentTypeVersion="28" ma:contentTypeDescription="Create a new document." ma:contentTypeScope="" ma:versionID="60f5a4f2d2b0abadcf532d48ebf9cb71">
   <xsd:schema xmlns:xsd="http://www.w3.org/2001/XMLSchema" xmlns:xs="http://www.w3.org/2001/XMLSchema" xmlns:p="http://schemas.microsoft.com/office/2006/metadata/properties" xmlns:ns1="http://schemas.microsoft.com/sharepoint/v3" xmlns:ns2="71af3243-3dd4-4a8d-8c0d-dd76da1f02a5" xmlns:ns3="16c05727-aa75-4e4a-9b5f-8a80a1165891" xmlns:ns4="230e9df3-be65-4c73-a93b-d1236ebd677e" targetNamespace="http://schemas.microsoft.com/office/2006/metadata/properties" ma:root="true" ma:fieldsID="7dd78129e6a1811f84807ad11c651531" ns1:_="" ns2:_="" ns3:_="" ns4:_="">
     <xsd:import namespace="http://schemas.microsoft.com/sharepoint/v3"/>
@@ -19198,27 +22677,36 @@
 </ct:contentTypeSchema>
 </file>
 
-<file path=customXml/itemProps1.xml><?xml version="1.0" encoding="utf-8"?>
-<ds:datastoreItem xmlns:ds="http://schemas.openxmlformats.org/officeDocument/2006/customXml" ds:itemID="{C21FFAC0-05A2-416A-B06C-C248395482CF}">
-  <ds:schemaRefs>
-    <ds:schemaRef ds:uri="http://schemas.microsoft.com/sharepoint/v3/contenttype/forms"/>
-  </ds:schemaRefs>
-</ds:datastoreItem>
+<file path=customXml/item2.xml><?xml version="1.0" encoding="utf-8"?>
+<?mso-contentType ?>
+<FormTemplates xmlns="http://schemas.microsoft.com/sharepoint/v3/contenttype/forms">
+  <Display>DocumentLibraryForm</Display>
+  <Edit>DocumentLibraryForm</Edit>
+  <New>DocumentLibraryForm</New>
+</FormTemplates>
 </file>
 
-<file path=customXml/itemProps2.xml><?xml version="1.0" encoding="utf-8"?>
-<ds:datastoreItem xmlns:ds="http://schemas.openxmlformats.org/officeDocument/2006/customXml" ds:itemID="{4F4B194E-8B30-4377-8C59-ECFB902D2A26}">
-  <ds:schemaRefs>
-    <ds:schemaRef ds:uri="http://schemas.microsoft.com/office/2006/metadata/properties"/>
-    <ds:schemaRef ds:uri="http://schemas.microsoft.com/office/infopath/2007/PartnerControls"/>
-    <ds:schemaRef ds:uri="71af3243-3dd4-4a8d-8c0d-dd76da1f02a5"/>
-    <ds:schemaRef ds:uri="http://schemas.microsoft.com/sharepoint/v3"/>
-    <ds:schemaRef ds:uri="230e9df3-be65-4c73-a93b-d1236ebd677e"/>
-  </ds:schemaRefs>
-</ds:datastoreItem>
+<file path=customXml/item3.xml><?xml version="1.0" encoding="utf-8"?>
+<p:properties xmlns:p="http://schemas.microsoft.com/office/2006/metadata/properties" xmlns:xsi="http://www.w3.org/2001/XMLSchema-instance" xmlns:pc="http://schemas.microsoft.com/office/infopath/2007/PartnerControls">
+  <documentManagement>
+    <Background xmlns="71af3243-3dd4-4a8d-8c0d-dd76da1f02a5">false</Background>
+    <Status xmlns="71af3243-3dd4-4a8d-8c0d-dd76da1f02a5">Not started</Status>
+    <_ip_UnifiedCompliancePolicyUIAction xmlns="http://schemas.microsoft.com/sharepoint/v3" xsi:nil="true"/>
+    <Image xmlns="71af3243-3dd4-4a8d-8c0d-dd76da1f02a5">
+      <Url xsi:nil="true"/>
+      <Description xsi:nil="true"/>
+    </Image>
+    <_ip_UnifiedCompliancePolicyProperties xmlns="http://schemas.microsoft.com/sharepoint/v3" xsi:nil="true"/>
+    <ImageTagsTaxHTField xmlns="71af3243-3dd4-4a8d-8c0d-dd76da1f02a5">
+      <Terms xmlns="http://schemas.microsoft.com/office/infopath/2007/PartnerControls"/>
+    </ImageTagsTaxHTField>
+    <TaxCatchAll xmlns="230e9df3-be65-4c73-a93b-d1236ebd677e" xsi:nil="true"/>
+    <MediaServiceKeyPoints xmlns="71af3243-3dd4-4a8d-8c0d-dd76da1f02a5" xsi:nil="true"/>
+  </documentManagement>
+</p:properties>
 </file>
 
-<file path=customXml/itemProps3.xml><?xml version="1.0" encoding="utf-8"?>
+<file path=customXml/itemProps1.xml><?xml version="1.0" encoding="utf-8"?>
 <ds:datastoreItem xmlns:ds="http://schemas.openxmlformats.org/officeDocument/2006/customXml" ds:itemID="{92DB9E12-8AC3-4138-BF4D-720A5525AB10}">
   <ds:schemaRefs>
     <ds:schemaRef ds:uri="http://schemas.microsoft.com/office/2006/metadata/contentType"/>
@@ -19239,6 +22727,26 @@
 </ds:datastoreItem>
 </file>
 
+<file path=customXml/itemProps2.xml><?xml version="1.0" encoding="utf-8"?>
+<ds:datastoreItem xmlns:ds="http://schemas.openxmlformats.org/officeDocument/2006/customXml" ds:itemID="{C21FFAC0-05A2-416A-B06C-C248395482CF}">
+  <ds:schemaRefs>
+    <ds:schemaRef ds:uri="http://schemas.microsoft.com/sharepoint/v3/contenttype/forms"/>
+  </ds:schemaRefs>
+</ds:datastoreItem>
+</file>
+
+<file path=customXml/itemProps3.xml><?xml version="1.0" encoding="utf-8"?>
+<ds:datastoreItem xmlns:ds="http://schemas.openxmlformats.org/officeDocument/2006/customXml" ds:itemID="{4F4B194E-8B30-4377-8C59-ECFB902D2A26}">
+  <ds:schemaRefs>
+    <ds:schemaRef ds:uri="http://schemas.microsoft.com/office/2006/metadata/properties"/>
+    <ds:schemaRef ds:uri="http://schemas.microsoft.com/office/infopath/2007/PartnerControls"/>
+    <ds:schemaRef ds:uri="71af3243-3dd4-4a8d-8c0d-dd76da1f02a5"/>
+    <ds:schemaRef ds:uri="http://schemas.microsoft.com/sharepoint/v3"/>
+    <ds:schemaRef ds:uri="230e9df3-be65-4c73-a93b-d1236ebd677e"/>
+  </ds:schemaRefs>
+</ds:datastoreItem>
+</file>
+
 <file path=docMetadata/LabelInfo.xml><?xml version="1.0" encoding="utf-8"?>
 <clbl:labelList xmlns:clbl="http://schemas.microsoft.com/office/2020/mipLabelMetadata"/>
 </file>